--- a/2팀_발표자료.pptx
+++ b/2팀_발표자료.pptx
@@ -7015,6 +7015,9 @@
           <a:prstGeom prst="rect">
             <a:avLst/>
           </a:prstGeom>
+          <a:effectLst>
+            <a:softEdge rad="25400"/>
+          </a:effectLst>
         </p:spPr>
       </p:pic>
     </p:spTree>
@@ -7288,24 +7291,7 @@
                 <a:latin typeface="나눔바른고딕" panose="020B0603020101020101" pitchFamily="50" charset="-127"/>
                 <a:ea typeface="나눔바른고딕" panose="020B0603020101020101" pitchFamily="50" charset="-127"/>
               </a:rPr>
-              <a:t>Parallelization on Current Project (CUDA), </a:t>
-            </a:r>
-            <a:r>
-              <a:rPr lang="en-US" altLang="ko-KR" b="1" smtClean="0">
-                <a:ln>
-                  <a:solidFill>
-                    <a:srgbClr val="3E3E3E">
-                      <a:alpha val="15000"/>
-                    </a:srgbClr>
-                  </a:solidFill>
-                </a:ln>
-                <a:solidFill>
-                  <a:srgbClr val="3E3E3E"/>
-                </a:solidFill>
-                <a:latin typeface="나눔바른고딕" panose="020B0603020101020101" pitchFamily="50" charset="-127"/>
-                <a:ea typeface="나눔바른고딕" panose="020B0603020101020101" pitchFamily="50" charset="-127"/>
-              </a:rPr>
-              <a:t>Stream</a:t>
+              <a:t>Parallelization on Current Project (CUDA), Stream</a:t>
             </a:r>
             <a:endParaRPr lang="ko-KR" altLang="en-US" b="1" dirty="0">
               <a:ln>
@@ -7332,7 +7318,7 @@
         </p:nvGrpSpPr>
         <p:grpSpPr>
           <a:xfrm>
-            <a:off x="2441285" y="4876611"/>
+            <a:off x="2441284" y="5067552"/>
             <a:ext cx="7309431" cy="1271327"/>
             <a:chOff x="2156168" y="4775198"/>
             <a:chExt cx="7905755" cy="1323440"/>
@@ -7534,7 +7520,41 @@
                   <a:latin typeface="나눔바른고딕" panose="020B0603020101020101" pitchFamily="50" charset="-127"/>
                   <a:ea typeface="나눔바른고딕" panose="020B0603020101020101" pitchFamily="50" charset="-127"/>
                 </a:rPr>
-                <a:t>을 적용하여 데이터 입력과 이에 독립적인 호출 간의 지연시간을 최소화하였다</a:t>
+                <a:t>을 적용하여 데이터 입력과 </a:t>
+              </a:r>
+              <a:r>
+                <a:rPr lang="ko-KR" altLang="en-US" smtClean="0">
+                  <a:ln>
+                    <a:solidFill>
+                      <a:srgbClr val="3E3E3E">
+                        <a:alpha val="15000"/>
+                      </a:srgbClr>
+                    </a:solidFill>
+                  </a:ln>
+                  <a:solidFill>
+                    <a:srgbClr val="3E3E3E"/>
+                  </a:solidFill>
+                  <a:latin typeface="나눔바른고딕" panose="020B0603020101020101" pitchFamily="50" charset="-127"/>
+                  <a:ea typeface="나눔바른고딕" panose="020B0603020101020101" pitchFamily="50" charset="-127"/>
+                </a:rPr>
+                <a:t>    이에 </a:t>
+              </a:r>
+              <a:r>
+                <a:rPr lang="ko-KR" altLang="en-US" smtClean="0">
+                  <a:ln>
+                    <a:solidFill>
+                      <a:srgbClr val="3E3E3E">
+                        <a:alpha val="15000"/>
+                      </a:srgbClr>
+                    </a:solidFill>
+                  </a:ln>
+                  <a:solidFill>
+                    <a:srgbClr val="3E3E3E"/>
+                  </a:solidFill>
+                  <a:latin typeface="나눔바른고딕" panose="020B0603020101020101" pitchFamily="50" charset="-127"/>
+                  <a:ea typeface="나눔바른고딕" panose="020B0603020101020101" pitchFamily="50" charset="-127"/>
+                </a:rPr>
+                <a:t>독립적인 호출 간의 지연시간을 최소화하였다</a:t>
               </a:r>
               <a:r>
                 <a:rPr lang="en-US" altLang="ko-KR" smtClean="0">
@@ -7595,6 +7615,37 @@
           </a:prstGeom>
         </p:spPr>
       </p:pic>
+      <p:pic>
+        <p:nvPicPr>
+          <p:cNvPr id="10" name="그림 9"/>
+          <p:cNvPicPr/>
+          <p:nvPr/>
+        </p:nvPicPr>
+        <p:blipFill>
+          <a:blip r:embed="rId5" cstate="print">
+            <a:extLst>
+              <a:ext uri="{28A0092B-C50C-407E-A947-70E740481C1C}">
+                <a14:useLocalDpi xmlns:a14="http://schemas.microsoft.com/office/drawing/2010/main" val="0"/>
+              </a:ext>
+            </a:extLst>
+          </a:blip>
+          <a:stretch>
+            <a:fillRect/>
+          </a:stretch>
+        </p:blipFill>
+        <p:spPr>
+          <a:xfrm>
+            <a:off x="6164665" y="993669"/>
+            <a:ext cx="4686052" cy="3967936"/>
+          </a:xfrm>
+          <a:prstGeom prst="rect">
+            <a:avLst/>
+          </a:prstGeom>
+          <a:effectLst>
+            <a:softEdge rad="25400"/>
+          </a:effectLst>
+        </p:spPr>
+      </p:pic>
     </p:spTree>
     <p:extLst>
       <p:ext uri="{BB962C8B-B14F-4D97-AF65-F5344CB8AC3E}">
@@ -7608,7 +7659,83 @@
   <p:timing>
     <p:tnLst>
       <p:par>
-        <p:cTn id="1" dur="indefinite" restart="never" nodeType="tmRoot"/>
+        <p:cTn id="1" dur="indefinite" restart="never" nodeType="tmRoot">
+          <p:childTnLst>
+            <p:seq concurrent="1" nextAc="seek">
+              <p:cTn id="2" dur="indefinite" nodeType="mainSeq">
+                <p:childTnLst>
+                  <p:par>
+                    <p:cTn id="3" fill="hold">
+                      <p:stCondLst>
+                        <p:cond delay="indefinite"/>
+                      </p:stCondLst>
+                      <p:childTnLst>
+                        <p:par>
+                          <p:cTn id="4" fill="hold">
+                            <p:stCondLst>
+                              <p:cond delay="0"/>
+                            </p:stCondLst>
+                            <p:childTnLst>
+                              <p:par>
+                                <p:cTn id="5" presetID="10" presetClass="entr" presetSubtype="0" fill="hold" nodeType="clickEffect">
+                                  <p:stCondLst>
+                                    <p:cond delay="0"/>
+                                  </p:stCondLst>
+                                  <p:childTnLst>
+                                    <p:set>
+                                      <p:cBhvr>
+                                        <p:cTn id="6" dur="1" fill="hold">
+                                          <p:stCondLst>
+                                            <p:cond delay="0"/>
+                                          </p:stCondLst>
+                                        </p:cTn>
+                                        <p:tgtEl>
+                                          <p:spTgt spid="10"/>
+                                        </p:tgtEl>
+                                        <p:attrNameLst>
+                                          <p:attrName>style.visibility</p:attrName>
+                                        </p:attrNameLst>
+                                      </p:cBhvr>
+                                      <p:to>
+                                        <p:strVal val="visible"/>
+                                      </p:to>
+                                    </p:set>
+                                    <p:animEffect transition="in" filter="fade">
+                                      <p:cBhvr>
+                                        <p:cTn id="7" dur="500"/>
+                                        <p:tgtEl>
+                                          <p:spTgt spid="10"/>
+                                        </p:tgtEl>
+                                      </p:cBhvr>
+                                    </p:animEffect>
+                                  </p:childTnLst>
+                                </p:cTn>
+                              </p:par>
+                            </p:childTnLst>
+                          </p:cTn>
+                        </p:par>
+                      </p:childTnLst>
+                    </p:cTn>
+                  </p:par>
+                </p:childTnLst>
+              </p:cTn>
+              <p:prevCondLst>
+                <p:cond evt="onPrev" delay="0">
+                  <p:tgtEl>
+                    <p:sldTgt/>
+                  </p:tgtEl>
+                </p:cond>
+              </p:prevCondLst>
+              <p:nextCondLst>
+                <p:cond evt="onNext" delay="0">
+                  <p:tgtEl>
+                    <p:sldTgt/>
+                  </p:tgtEl>
+                </p:cond>
+              </p:nextCondLst>
+            </p:seq>
+          </p:childTnLst>
+        </p:cTn>
       </p:par>
     </p:tnLst>
   </p:timing>
@@ -9094,24 +9221,7 @@
                 <a:latin typeface="나눔바른고딕" panose="020B0603020101020101" pitchFamily="50" charset="-127"/>
                 <a:ea typeface="나눔바른고딕" panose="020B0603020101020101" pitchFamily="50" charset="-127"/>
               </a:rPr>
-              <a:t>Project Results and </a:t>
-            </a:r>
-            <a:r>
-              <a:rPr lang="en-US" altLang="ko-KR" b="1" smtClean="0">
-                <a:ln>
-                  <a:solidFill>
-                    <a:srgbClr val="3E3E3E">
-                      <a:alpha val="15000"/>
-                    </a:srgbClr>
-                  </a:solidFill>
-                </a:ln>
-                <a:solidFill>
-                  <a:srgbClr val="3E3E3E"/>
-                </a:solidFill>
-                <a:latin typeface="나눔바른고딕" panose="020B0603020101020101" pitchFamily="50" charset="-127"/>
-                <a:ea typeface="나눔바른고딕" panose="020B0603020101020101" pitchFamily="50" charset="-127"/>
-              </a:rPr>
-              <a:t>Performance</a:t>
+              <a:t>Project Results and Performance</a:t>
             </a:r>
             <a:endParaRPr lang="ko-KR" altLang="en-US" b="1" dirty="0">
               <a:ln>
@@ -9407,14 +9517,7 @@
                   <a:latin typeface="나눔바른고딕" panose="020B0603020101020101" pitchFamily="50" charset="-127"/>
                   <a:ea typeface="나눔바른고딕" panose="020B0603020101020101" pitchFamily="50" charset="-127"/>
                 </a:rPr>
-                <a:t>프로젝트 </a:t>
-              </a:r>
-              <a:r>
-                <a:rPr lang="ko-KR" altLang="en-US" b="1" smtClean="0">
-                  <a:latin typeface="나눔바른고딕" panose="020B0603020101020101" pitchFamily="50" charset="-127"/>
-                  <a:ea typeface="나눔바른고딕" panose="020B0603020101020101" pitchFamily="50" charset="-127"/>
-                </a:rPr>
-                <a:t>결과</a:t>
+                <a:t>프로젝트 결과</a:t>
               </a:r>
               <a:r>
                 <a:rPr lang="en-US" altLang="ko-KR" b="1" smtClean="0">
@@ -17544,7 +17647,7 @@
       </p:grpSp>
       <p:pic>
         <p:nvPicPr>
-          <p:cNvPr id="7" name="그림 6"/>
+          <p:cNvPr id="2" name="그림 1"/>
           <p:cNvPicPr>
             <a:picLocks noChangeAspect="1"/>
           </p:cNvPicPr>
@@ -17558,8 +17661,8 @@
         </p:blipFill>
         <p:spPr>
           <a:xfrm>
-            <a:off x="672190" y="1797311"/>
-            <a:ext cx="7604020" cy="2598727"/>
+            <a:off x="1603136" y="2136191"/>
+            <a:ext cx="8985729" cy="2181002"/>
           </a:xfrm>
           <a:prstGeom prst="rect">
             <a:avLst/>
@@ -17574,7 +17677,7 @@
         </p:nvGrpSpPr>
         <p:grpSpPr>
           <a:xfrm>
-            <a:off x="5314950" y="1332091"/>
+            <a:off x="2835547" y="1228399"/>
             <a:ext cx="6431446" cy="3767918"/>
             <a:chOff x="3267635" y="1116106"/>
             <a:chExt cx="6656294" cy="3899647"/>
@@ -19401,6 +19504,9 @@
           <a:prstGeom prst="rect">
             <a:avLst/>
           </a:prstGeom>
+          <a:effectLst>
+            <a:softEdge rad="25400"/>
+          </a:effectLst>
         </p:spPr>
       </p:pic>
     </p:spTree>

--- a/2팀_발표자료.pptx
+++ b/2팀_발표자료.pptx
@@ -29,12 +29,12 @@
   <p:notesSz cx="6858000" cy="9144000"/>
   <p:embeddedFontLst>
     <p:embeddedFont>
-      <p:font typeface="나눔바른고딕" panose="020B0603020101020101" pitchFamily="50" charset="-127"/>
+      <p:font typeface="맑은 고딕" panose="020B0503020000020004" pitchFamily="50" charset="-127"/>
       <p:regular r:id="rId19"/>
       <p:bold r:id="rId20"/>
     </p:embeddedFont>
     <p:embeddedFont>
-      <p:font typeface="맑은 고딕" panose="020B0503020000020004" pitchFamily="50" charset="-127"/>
+      <p:font typeface="나눔바른고딕" panose="020B0603020101020101" pitchFamily="50" charset="-127"/>
       <p:regular r:id="rId21"/>
       <p:bold r:id="rId22"/>
     </p:embeddedFont>
@@ -7520,41 +7520,7 @@
                   <a:latin typeface="나눔바른고딕" panose="020B0603020101020101" pitchFamily="50" charset="-127"/>
                   <a:ea typeface="나눔바른고딕" panose="020B0603020101020101" pitchFamily="50" charset="-127"/>
                 </a:rPr>
-                <a:t>을 적용하여 데이터 입력과 </a:t>
-              </a:r>
-              <a:r>
-                <a:rPr lang="ko-KR" altLang="en-US" smtClean="0">
-                  <a:ln>
-                    <a:solidFill>
-                      <a:srgbClr val="3E3E3E">
-                        <a:alpha val="15000"/>
-                      </a:srgbClr>
-                    </a:solidFill>
-                  </a:ln>
-                  <a:solidFill>
-                    <a:srgbClr val="3E3E3E"/>
-                  </a:solidFill>
-                  <a:latin typeface="나눔바른고딕" panose="020B0603020101020101" pitchFamily="50" charset="-127"/>
-                  <a:ea typeface="나눔바른고딕" panose="020B0603020101020101" pitchFamily="50" charset="-127"/>
-                </a:rPr>
-                <a:t>    이에 </a:t>
-              </a:r>
-              <a:r>
-                <a:rPr lang="ko-KR" altLang="en-US" smtClean="0">
-                  <a:ln>
-                    <a:solidFill>
-                      <a:srgbClr val="3E3E3E">
-                        <a:alpha val="15000"/>
-                      </a:srgbClr>
-                    </a:solidFill>
-                  </a:ln>
-                  <a:solidFill>
-                    <a:srgbClr val="3E3E3E"/>
-                  </a:solidFill>
-                  <a:latin typeface="나눔바른고딕" panose="020B0603020101020101" pitchFamily="50" charset="-127"/>
-                  <a:ea typeface="나눔바른고딕" panose="020B0603020101020101" pitchFamily="50" charset="-127"/>
-                </a:rPr>
-                <a:t>독립적인 호출 간의 지연시간을 최소화하였다</a:t>
+                <a:t>을 적용하여 데이터 입력과     이에 독립적인 호출 간의 지연시간을 최소화하였다</a:t>
               </a:r>
               <a:r>
                 <a:rPr lang="en-US" altLang="ko-KR" smtClean="0">
@@ -17671,7 +17637,7 @@
       </p:pic>
       <p:grpSp>
         <p:nvGrpSpPr>
-          <p:cNvPr id="56" name="그룹 55"/>
+          <p:cNvPr id="8" name="그룹 7"/>
           <p:cNvGrpSpPr/>
           <p:nvPr/>
         </p:nvGrpSpPr>
@@ -17679,97 +17645,523 @@
           <a:xfrm>
             <a:off x="2835547" y="1228399"/>
             <a:ext cx="6431446" cy="3767918"/>
-            <a:chOff x="3267635" y="1116106"/>
-            <a:chExt cx="6656294" cy="3899647"/>
+            <a:chOff x="2835547" y="1228399"/>
+            <a:chExt cx="6431446" cy="3767918"/>
           </a:xfrm>
         </p:grpSpPr>
-        <p:sp>
-          <p:nvSpPr>
-            <p:cNvPr id="57" name="직사각형 56"/>
-            <p:cNvSpPr/>
-            <p:nvPr/>
-          </p:nvSpPr>
-          <p:spPr>
-            <a:xfrm>
-              <a:off x="3267635" y="1116106"/>
-              <a:ext cx="6656294" cy="3899647"/>
-            </a:xfrm>
-            <a:prstGeom prst="rect">
-              <a:avLst/>
-            </a:prstGeom>
-            <a:solidFill>
-              <a:schemeClr val="bg1">
-                <a:lumMod val="85000"/>
-                <a:alpha val="90000"/>
-              </a:schemeClr>
-            </a:solidFill>
-            <a:ln>
-              <a:noFill/>
-            </a:ln>
-          </p:spPr>
-          <p:style>
-            <a:lnRef idx="2">
-              <a:schemeClr val="accent1">
-                <a:shade val="50000"/>
-              </a:schemeClr>
-            </a:lnRef>
-            <a:fillRef idx="1">
-              <a:schemeClr val="accent1"/>
-            </a:fillRef>
-            <a:effectRef idx="0">
-              <a:schemeClr val="accent1"/>
-            </a:effectRef>
-            <a:fontRef idx="minor">
-              <a:schemeClr val="lt1"/>
-            </a:fontRef>
-          </p:style>
-          <p:txBody>
-            <a:bodyPr rtlCol="0" anchor="ctr"/>
-            <a:lstStyle/>
-            <a:p>
-              <a:pPr algn="ctr"/>
-              <a:endParaRPr lang="ko-KR" altLang="en-US"/>
-            </a:p>
-          </p:txBody>
-        </p:sp>
         <p:grpSp>
           <p:nvGrpSpPr>
-            <p:cNvPr id="58" name="그룹 57"/>
+            <p:cNvPr id="56" name="그룹 55"/>
             <p:cNvGrpSpPr/>
             <p:nvPr/>
           </p:nvGrpSpPr>
           <p:grpSpPr>
             <a:xfrm>
-              <a:off x="3389769" y="1290918"/>
-              <a:ext cx="6445527" cy="3602162"/>
-              <a:chOff x="861722" y="914400"/>
-              <a:chExt cx="6445527" cy="3602162"/>
+              <a:off x="2835547" y="1228399"/>
+              <a:ext cx="6431446" cy="3767918"/>
+              <a:chOff x="3267635" y="1116106"/>
+              <a:chExt cx="6656294" cy="3899647"/>
             </a:xfrm>
           </p:grpSpPr>
+          <p:sp>
+            <p:nvSpPr>
+              <p:cNvPr id="57" name="직사각형 56"/>
+              <p:cNvSpPr/>
+              <p:nvPr/>
+            </p:nvSpPr>
+            <p:spPr>
+              <a:xfrm>
+                <a:off x="3267635" y="1116106"/>
+                <a:ext cx="6656294" cy="3899647"/>
+              </a:xfrm>
+              <a:prstGeom prst="rect">
+                <a:avLst/>
+              </a:prstGeom>
+              <a:solidFill>
+                <a:schemeClr val="bg1">
+                  <a:lumMod val="85000"/>
+                  <a:alpha val="90000"/>
+                </a:schemeClr>
+              </a:solidFill>
+              <a:ln>
+                <a:noFill/>
+              </a:ln>
+            </p:spPr>
+            <p:style>
+              <a:lnRef idx="2">
+                <a:schemeClr val="accent1">
+                  <a:shade val="50000"/>
+                </a:schemeClr>
+              </a:lnRef>
+              <a:fillRef idx="1">
+                <a:schemeClr val="accent1"/>
+              </a:fillRef>
+              <a:effectRef idx="0">
+                <a:schemeClr val="accent1"/>
+              </a:effectRef>
+              <a:fontRef idx="minor">
+                <a:schemeClr val="lt1"/>
+              </a:fontRef>
+            </p:style>
+            <p:txBody>
+              <a:bodyPr rtlCol="0" anchor="ctr"/>
+              <a:lstStyle/>
+              <a:p>
+                <a:pPr algn="ctr"/>
+                <a:endParaRPr lang="ko-KR" altLang="en-US"/>
+              </a:p>
+            </p:txBody>
+          </p:sp>
           <p:grpSp>
             <p:nvGrpSpPr>
-              <p:cNvPr id="59" name="그룹 58"/>
+              <p:cNvPr id="58" name="그룹 57"/>
               <p:cNvGrpSpPr/>
               <p:nvPr/>
             </p:nvGrpSpPr>
             <p:grpSpPr>
               <a:xfrm>
-                <a:off x="2027583" y="914400"/>
-                <a:ext cx="1359673" cy="1176793"/>
-                <a:chOff x="2027583" y="914400"/>
-                <a:chExt cx="1359673" cy="1176793"/>
+                <a:off x="3389769" y="1289855"/>
+                <a:ext cx="5822605" cy="3582131"/>
+                <a:chOff x="861722" y="913337"/>
+                <a:chExt cx="5822605" cy="3582131"/>
               </a:xfrm>
             </p:grpSpPr>
+            <p:grpSp>
+              <p:nvGrpSpPr>
+                <p:cNvPr id="59" name="그룹 58"/>
+                <p:cNvGrpSpPr/>
+                <p:nvPr/>
+              </p:nvGrpSpPr>
+              <p:grpSpPr>
+                <a:xfrm>
+                  <a:off x="2027583" y="914400"/>
+                  <a:ext cx="1359673" cy="1176793"/>
+                  <a:chOff x="2027583" y="914400"/>
+                  <a:chExt cx="1359673" cy="1176793"/>
+                </a:xfrm>
+              </p:grpSpPr>
+              <p:sp>
+                <p:nvSpPr>
+                  <p:cNvPr id="87" name="직사각형 86"/>
+                  <p:cNvSpPr/>
+                  <p:nvPr/>
+                </p:nvSpPr>
+                <p:spPr>
+                  <a:xfrm>
+                    <a:off x="2027583" y="914400"/>
+                    <a:ext cx="1359673" cy="1176793"/>
+                  </a:xfrm>
+                  <a:prstGeom prst="rect">
+                    <a:avLst/>
+                  </a:prstGeom>
+                  <a:noFill/>
+                  <a:ln>
+                    <a:solidFill>
+                      <a:schemeClr val="tx1">
+                        <a:lumMod val="65000"/>
+                        <a:lumOff val="35000"/>
+                      </a:schemeClr>
+                    </a:solidFill>
+                  </a:ln>
+                </p:spPr>
+                <p:style>
+                  <a:lnRef idx="2">
+                    <a:schemeClr val="accent1">
+                      <a:shade val="50000"/>
+                    </a:schemeClr>
+                  </a:lnRef>
+                  <a:fillRef idx="1">
+                    <a:schemeClr val="accent1"/>
+                  </a:fillRef>
+                  <a:effectRef idx="0">
+                    <a:schemeClr val="accent1"/>
+                  </a:effectRef>
+                  <a:fontRef idx="minor">
+                    <a:schemeClr val="lt1"/>
+                  </a:fontRef>
+                </p:style>
+                <p:txBody>
+                  <a:bodyPr rtlCol="0" anchor="ctr"/>
+                  <a:lstStyle/>
+                  <a:p>
+                    <a:pPr algn="ctr"/>
+                    <a:endParaRPr lang="ko-KR" altLang="en-US"/>
+                  </a:p>
+                </p:txBody>
+              </p:sp>
+              <p:sp>
+                <p:nvSpPr>
+                  <p:cNvPr id="88" name="직사각형 87"/>
+                  <p:cNvSpPr/>
+                  <p:nvPr/>
+                </p:nvSpPr>
+                <p:spPr>
+                  <a:xfrm>
+                    <a:off x="2027583" y="914400"/>
+                    <a:ext cx="270344" cy="254442"/>
+                  </a:xfrm>
+                  <a:prstGeom prst="rect">
+                    <a:avLst/>
+                  </a:prstGeom>
+                  <a:solidFill>
+                    <a:srgbClr val="FFFF00"/>
+                  </a:solidFill>
+                  <a:ln>
+                    <a:solidFill>
+                      <a:schemeClr val="tx1"/>
+                    </a:solidFill>
+                  </a:ln>
+                </p:spPr>
+                <p:style>
+                  <a:lnRef idx="2">
+                    <a:schemeClr val="accent1">
+                      <a:shade val="50000"/>
+                    </a:schemeClr>
+                  </a:lnRef>
+                  <a:fillRef idx="1">
+                    <a:schemeClr val="accent1"/>
+                  </a:fillRef>
+                  <a:effectRef idx="0">
+                    <a:schemeClr val="accent1"/>
+                  </a:effectRef>
+                  <a:fontRef idx="minor">
+                    <a:schemeClr val="lt1"/>
+                  </a:fontRef>
+                </p:style>
+                <p:txBody>
+                  <a:bodyPr rtlCol="0" anchor="ctr"/>
+                  <a:lstStyle/>
+                  <a:p>
+                    <a:pPr algn="ctr"/>
+                    <a:endParaRPr lang="ko-KR" altLang="en-US"/>
+                  </a:p>
+                </p:txBody>
+              </p:sp>
+              <p:sp>
+                <p:nvSpPr>
+                  <p:cNvPr id="89" name="TextBox 88"/>
+                  <p:cNvSpPr txBox="1"/>
+                  <p:nvPr/>
+                </p:nvSpPr>
+                <p:spPr>
+                  <a:xfrm>
+                    <a:off x="2488758" y="1749287"/>
+                    <a:ext cx="898498" cy="338554"/>
+                  </a:xfrm>
+                  <a:prstGeom prst="rect">
+                    <a:avLst/>
+                  </a:prstGeom>
+                  <a:noFill/>
+                </p:spPr>
+                <p:txBody>
+                  <a:bodyPr wrap="square" rtlCol="0">
+                    <a:spAutoFit/>
+                  </a:bodyPr>
+                  <a:lstStyle/>
+                  <a:p>
+                    <a:r>
+                      <a:rPr lang="en-US" altLang="ko-KR" sz="1600" dirty="0" smtClean="0"/>
+                      <a:t>Block 1</a:t>
+                    </a:r>
+                    <a:endParaRPr lang="ko-KR" altLang="en-US" sz="1600" dirty="0"/>
+                  </a:p>
+                </p:txBody>
+              </p:sp>
+            </p:grpSp>
+            <p:grpSp>
+              <p:nvGrpSpPr>
+                <p:cNvPr id="60" name="그룹 59"/>
+                <p:cNvGrpSpPr/>
+                <p:nvPr/>
+              </p:nvGrpSpPr>
+              <p:grpSpPr>
+                <a:xfrm>
+                  <a:off x="3665551" y="914400"/>
+                  <a:ext cx="1359673" cy="1176793"/>
+                  <a:chOff x="3665551" y="914400"/>
+                  <a:chExt cx="1359673" cy="1176793"/>
+                </a:xfrm>
+              </p:grpSpPr>
+              <p:sp>
+                <p:nvSpPr>
+                  <p:cNvPr id="84" name="직사각형 83"/>
+                  <p:cNvSpPr/>
+                  <p:nvPr/>
+                </p:nvSpPr>
+                <p:spPr>
+                  <a:xfrm>
+                    <a:off x="3665551" y="914400"/>
+                    <a:ext cx="1359673" cy="1176793"/>
+                  </a:xfrm>
+                  <a:prstGeom prst="rect">
+                    <a:avLst/>
+                  </a:prstGeom>
+                  <a:noFill/>
+                  <a:ln>
+                    <a:solidFill>
+                      <a:schemeClr val="tx1">
+                        <a:lumMod val="65000"/>
+                        <a:lumOff val="35000"/>
+                      </a:schemeClr>
+                    </a:solidFill>
+                  </a:ln>
+                </p:spPr>
+                <p:style>
+                  <a:lnRef idx="2">
+                    <a:schemeClr val="accent1">
+                      <a:shade val="50000"/>
+                    </a:schemeClr>
+                  </a:lnRef>
+                  <a:fillRef idx="1">
+                    <a:schemeClr val="accent1"/>
+                  </a:fillRef>
+                  <a:effectRef idx="0">
+                    <a:schemeClr val="accent1"/>
+                  </a:effectRef>
+                  <a:fontRef idx="minor">
+                    <a:schemeClr val="lt1"/>
+                  </a:fontRef>
+                </p:style>
+                <p:txBody>
+                  <a:bodyPr rtlCol="0" anchor="ctr"/>
+                  <a:lstStyle/>
+                  <a:p>
+                    <a:pPr algn="ctr"/>
+                    <a:endParaRPr lang="ko-KR" altLang="en-US"/>
+                  </a:p>
+                </p:txBody>
+              </p:sp>
+              <p:sp>
+                <p:nvSpPr>
+                  <p:cNvPr id="85" name="직사각형 84"/>
+                  <p:cNvSpPr/>
+                  <p:nvPr/>
+                </p:nvSpPr>
+                <p:spPr>
+                  <a:xfrm>
+                    <a:off x="3665551" y="914400"/>
+                    <a:ext cx="270344" cy="254442"/>
+                  </a:xfrm>
+                  <a:prstGeom prst="rect">
+                    <a:avLst/>
+                  </a:prstGeom>
+                  <a:solidFill>
+                    <a:srgbClr val="7030A0"/>
+                  </a:solidFill>
+                  <a:ln>
+                    <a:solidFill>
+                      <a:schemeClr val="tx1"/>
+                    </a:solidFill>
+                  </a:ln>
+                </p:spPr>
+                <p:style>
+                  <a:lnRef idx="2">
+                    <a:schemeClr val="accent1">
+                      <a:shade val="50000"/>
+                    </a:schemeClr>
+                  </a:lnRef>
+                  <a:fillRef idx="1">
+                    <a:schemeClr val="accent1"/>
+                  </a:fillRef>
+                  <a:effectRef idx="0">
+                    <a:schemeClr val="accent1"/>
+                  </a:effectRef>
+                  <a:fontRef idx="minor">
+                    <a:schemeClr val="lt1"/>
+                  </a:fontRef>
+                </p:style>
+                <p:txBody>
+                  <a:bodyPr rtlCol="0" anchor="ctr"/>
+                  <a:lstStyle/>
+                  <a:p>
+                    <a:pPr algn="ctr"/>
+                    <a:endParaRPr lang="ko-KR" altLang="en-US"/>
+                  </a:p>
+                </p:txBody>
+              </p:sp>
+              <p:sp>
+                <p:nvSpPr>
+                  <p:cNvPr id="86" name="TextBox 85"/>
+                  <p:cNvSpPr txBox="1"/>
+                  <p:nvPr/>
+                </p:nvSpPr>
+                <p:spPr>
+                  <a:xfrm>
+                    <a:off x="4126726" y="1749287"/>
+                    <a:ext cx="898498" cy="338554"/>
+                  </a:xfrm>
+                  <a:prstGeom prst="rect">
+                    <a:avLst/>
+                  </a:prstGeom>
+                  <a:noFill/>
+                </p:spPr>
+                <p:txBody>
+                  <a:bodyPr wrap="square" rtlCol="0">
+                    <a:spAutoFit/>
+                  </a:bodyPr>
+                  <a:lstStyle/>
+                  <a:p>
+                    <a:r>
+                      <a:rPr lang="en-US" altLang="ko-KR" sz="1600" dirty="0" smtClean="0"/>
+                      <a:t>Block 2</a:t>
+                    </a:r>
+                    <a:endParaRPr lang="ko-KR" altLang="en-US" sz="1600" dirty="0"/>
+                  </a:p>
+                </p:txBody>
+              </p:sp>
+            </p:grpSp>
+            <p:grpSp>
+              <p:nvGrpSpPr>
+                <p:cNvPr id="61" name="그룹 60"/>
+                <p:cNvGrpSpPr/>
+                <p:nvPr/>
+              </p:nvGrpSpPr>
+              <p:grpSpPr>
+                <a:xfrm>
+                  <a:off x="5303519" y="913337"/>
+                  <a:ext cx="1359673" cy="1177856"/>
+                  <a:chOff x="5303519" y="913337"/>
+                  <a:chExt cx="1359673" cy="1177856"/>
+                </a:xfrm>
+              </p:grpSpPr>
+              <p:sp>
+                <p:nvSpPr>
+                  <p:cNvPr id="81" name="직사각형 80"/>
+                  <p:cNvSpPr/>
+                  <p:nvPr/>
+                </p:nvSpPr>
+                <p:spPr>
+                  <a:xfrm>
+                    <a:off x="5303519" y="914400"/>
+                    <a:ext cx="1359673" cy="1176793"/>
+                  </a:xfrm>
+                  <a:prstGeom prst="rect">
+                    <a:avLst/>
+                  </a:prstGeom>
+                  <a:noFill/>
+                  <a:ln>
+                    <a:solidFill>
+                      <a:schemeClr val="tx1">
+                        <a:lumMod val="65000"/>
+                        <a:lumOff val="35000"/>
+                      </a:schemeClr>
+                    </a:solidFill>
+                  </a:ln>
+                </p:spPr>
+                <p:style>
+                  <a:lnRef idx="2">
+                    <a:schemeClr val="accent1">
+                      <a:shade val="50000"/>
+                    </a:schemeClr>
+                  </a:lnRef>
+                  <a:fillRef idx="1">
+                    <a:schemeClr val="accent1"/>
+                  </a:fillRef>
+                  <a:effectRef idx="0">
+                    <a:schemeClr val="accent1"/>
+                  </a:effectRef>
+                  <a:fontRef idx="minor">
+                    <a:schemeClr val="lt1"/>
+                  </a:fontRef>
+                </p:style>
+                <p:txBody>
+                  <a:bodyPr rtlCol="0" anchor="ctr"/>
+                  <a:lstStyle/>
+                  <a:p>
+                    <a:pPr algn="ctr"/>
+                    <a:endParaRPr lang="ko-KR" altLang="en-US"/>
+                  </a:p>
+                </p:txBody>
+              </p:sp>
+              <p:sp>
+                <p:nvSpPr>
+                  <p:cNvPr id="82" name="직사각형 81"/>
+                  <p:cNvSpPr/>
+                  <p:nvPr/>
+                </p:nvSpPr>
+                <p:spPr>
+                  <a:xfrm>
+                    <a:off x="5303519" y="913337"/>
+                    <a:ext cx="270344" cy="254442"/>
+                  </a:xfrm>
+                  <a:prstGeom prst="rect">
+                    <a:avLst/>
+                  </a:prstGeom>
+                  <a:solidFill>
+                    <a:srgbClr val="FFC000"/>
+                  </a:solidFill>
+                  <a:ln>
+                    <a:solidFill>
+                      <a:schemeClr val="tx1"/>
+                    </a:solidFill>
+                  </a:ln>
+                </p:spPr>
+                <p:style>
+                  <a:lnRef idx="2">
+                    <a:schemeClr val="accent1">
+                      <a:shade val="50000"/>
+                    </a:schemeClr>
+                  </a:lnRef>
+                  <a:fillRef idx="1">
+                    <a:schemeClr val="accent1"/>
+                  </a:fillRef>
+                  <a:effectRef idx="0">
+                    <a:schemeClr val="accent1"/>
+                  </a:effectRef>
+                  <a:fontRef idx="minor">
+                    <a:schemeClr val="lt1"/>
+                  </a:fontRef>
+                </p:style>
+                <p:txBody>
+                  <a:bodyPr rtlCol="0" anchor="ctr"/>
+                  <a:lstStyle/>
+                  <a:p>
+                    <a:pPr algn="ctr"/>
+                    <a:endParaRPr lang="ko-KR" altLang="en-US"/>
+                  </a:p>
+                </p:txBody>
+              </p:sp>
+              <p:sp>
+                <p:nvSpPr>
+                  <p:cNvPr id="83" name="TextBox 82"/>
+                  <p:cNvSpPr txBox="1"/>
+                  <p:nvPr/>
+                </p:nvSpPr>
+                <p:spPr>
+                  <a:xfrm>
+                    <a:off x="5764694" y="1749287"/>
+                    <a:ext cx="898498" cy="338554"/>
+                  </a:xfrm>
+                  <a:prstGeom prst="rect">
+                    <a:avLst/>
+                  </a:prstGeom>
+                  <a:noFill/>
+                </p:spPr>
+                <p:txBody>
+                  <a:bodyPr wrap="square" rtlCol="0">
+                    <a:spAutoFit/>
+                  </a:bodyPr>
+                  <a:lstStyle/>
+                  <a:p>
+                    <a:r>
+                      <a:rPr lang="en-US" altLang="ko-KR" sz="1600" dirty="0" smtClean="0"/>
+                      <a:t>Block 3</a:t>
+                    </a:r>
+                    <a:endParaRPr lang="ko-KR" altLang="en-US" sz="1600" dirty="0"/>
+                  </a:p>
+                </p:txBody>
+              </p:sp>
+            </p:grpSp>
             <p:sp>
               <p:nvSpPr>
-                <p:cNvPr id="87" name="직사각형 86"/>
+                <p:cNvPr id="62" name="직사각형 61"/>
                 <p:cNvSpPr/>
                 <p:nvPr/>
               </p:nvSpPr>
               <p:spPr>
                 <a:xfrm>
-                  <a:off x="2027583" y="914400"/>
-                  <a:ext cx="1359673" cy="1176793"/>
+                  <a:off x="1598215" y="3140765"/>
+                  <a:ext cx="5086112" cy="413468"/>
                 </a:xfrm>
                 <a:prstGeom prst="rect">
                   <a:avLst/>
@@ -17777,7 +18169,9 @@
                 <a:noFill/>
                 <a:ln>
                   <a:solidFill>
-                    <a:srgbClr val="0070C0"/>
+                    <a:schemeClr val="bg2">
+                      <a:lumMod val="10000"/>
+                    </a:schemeClr>
                   </a:solidFill>
                 </a:ln>
               </p:spPr>
@@ -17808,62 +18202,14 @@
             </p:sp>
             <p:sp>
               <p:nvSpPr>
-                <p:cNvPr id="88" name="직사각형 87"/>
-                <p:cNvSpPr/>
-                <p:nvPr/>
-              </p:nvSpPr>
-              <p:spPr>
-                <a:xfrm>
-                  <a:off x="2027583" y="914400"/>
-                  <a:ext cx="270344" cy="254442"/>
-                </a:xfrm>
-                <a:prstGeom prst="rect">
-                  <a:avLst/>
-                </a:prstGeom>
-                <a:solidFill>
-                  <a:srgbClr val="FFFF00"/>
-                </a:solidFill>
-                <a:ln>
-                  <a:solidFill>
-                    <a:schemeClr val="tx1"/>
-                  </a:solidFill>
-                </a:ln>
-              </p:spPr>
-              <p:style>
-                <a:lnRef idx="2">
-                  <a:schemeClr val="accent1">
-                    <a:shade val="50000"/>
-                  </a:schemeClr>
-                </a:lnRef>
-                <a:fillRef idx="1">
-                  <a:schemeClr val="accent1"/>
-                </a:fillRef>
-                <a:effectRef idx="0">
-                  <a:schemeClr val="accent1"/>
-                </a:effectRef>
-                <a:fontRef idx="minor">
-                  <a:schemeClr val="lt1"/>
-                </a:fontRef>
-              </p:style>
-              <p:txBody>
-                <a:bodyPr rtlCol="0" anchor="ctr"/>
-                <a:lstStyle/>
-                <a:p>
-                  <a:pPr algn="ctr"/>
-                  <a:endParaRPr lang="ko-KR" altLang="en-US"/>
-                </a:p>
-              </p:txBody>
-            </p:sp>
-            <p:sp>
-              <p:nvSpPr>
-                <p:cNvPr id="89" name="TextBox 88"/>
+                <p:cNvPr id="63" name="TextBox 62"/>
                 <p:cNvSpPr txBox="1"/>
                 <p:nvPr/>
               </p:nvSpPr>
               <p:spPr>
                 <a:xfrm>
-                  <a:off x="2488758" y="1749287"/>
-                  <a:ext cx="898498" cy="338554"/>
+                  <a:off x="1522675" y="2771433"/>
+                  <a:ext cx="1009816" cy="369332"/>
                 </a:xfrm>
                 <a:prstGeom prst="rect">
                   <a:avLst/>
@@ -17877,132 +18223,217 @@
                 <a:lstStyle/>
                 <a:p>
                   <a:r>
-                    <a:rPr lang="en-US" altLang="ko-KR" sz="1600" dirty="0" smtClean="0"/>
-                    <a:t>Block 1</a:t>
+                    <a:rPr lang="en-US" altLang="ko-KR" dirty="0" smtClean="0"/>
+                    <a:t>res</a:t>
                   </a:r>
-                  <a:endParaRPr lang="ko-KR" altLang="en-US" sz="1600" dirty="0"/>
+                  <a:endParaRPr lang="ko-KR" altLang="en-US" dirty="0"/>
                 </a:p>
               </p:txBody>
             </p:sp>
-          </p:grpSp>
-          <p:grpSp>
-            <p:nvGrpSpPr>
-              <p:cNvPr id="60" name="그룹 59"/>
-              <p:cNvGrpSpPr/>
-              <p:nvPr/>
-            </p:nvGrpSpPr>
-            <p:grpSpPr>
-              <a:xfrm>
-                <a:off x="3665551" y="914400"/>
-                <a:ext cx="1359673" cy="1176793"/>
-                <a:chOff x="3665551" y="914400"/>
-                <a:chExt cx="1359673" cy="1176793"/>
-              </a:xfrm>
-            </p:grpSpPr>
-            <p:sp>
-              <p:nvSpPr>
-                <p:cNvPr id="84" name="직사각형 83"/>
-                <p:cNvSpPr/>
+            <p:grpSp>
+              <p:nvGrpSpPr>
+                <p:cNvPr id="64" name="그룹 63"/>
+                <p:cNvGrpSpPr/>
                 <p:nvPr/>
-              </p:nvSpPr>
+              </p:nvGrpSpPr>
+              <p:grpSpPr>
+                <a:xfrm>
+                  <a:off x="1607225" y="3140765"/>
+                  <a:ext cx="1264258" cy="413468"/>
+                  <a:chOff x="1607225" y="3140765"/>
+                  <a:chExt cx="1264258" cy="413468"/>
+                </a:xfrm>
+              </p:grpSpPr>
+              <p:sp>
+                <p:nvSpPr>
+                  <p:cNvPr id="78" name="직사각형 77"/>
+                  <p:cNvSpPr/>
+                  <p:nvPr/>
+                </p:nvSpPr>
+                <p:spPr>
+                  <a:xfrm>
+                    <a:off x="1607225" y="3140765"/>
+                    <a:ext cx="421418" cy="413468"/>
+                  </a:xfrm>
+                  <a:prstGeom prst="rect">
+                    <a:avLst/>
+                  </a:prstGeom>
+                  <a:solidFill>
+                    <a:srgbClr val="FFFF00"/>
+                  </a:solidFill>
+                  <a:ln>
+                    <a:solidFill>
+                      <a:schemeClr val="tx1"/>
+                    </a:solidFill>
+                  </a:ln>
+                </p:spPr>
+                <p:style>
+                  <a:lnRef idx="2">
+                    <a:schemeClr val="accent1">
+                      <a:shade val="50000"/>
+                    </a:schemeClr>
+                  </a:lnRef>
+                  <a:fillRef idx="1">
+                    <a:schemeClr val="accent1"/>
+                  </a:fillRef>
+                  <a:effectRef idx="0">
+                    <a:schemeClr val="accent1"/>
+                  </a:effectRef>
+                  <a:fontRef idx="minor">
+                    <a:schemeClr val="lt1"/>
+                  </a:fontRef>
+                </p:style>
+                <p:txBody>
+                  <a:bodyPr rtlCol="0" anchor="ctr"/>
+                  <a:lstStyle/>
+                  <a:p>
+                    <a:pPr algn="ctr"/>
+                    <a:endParaRPr lang="ko-KR" altLang="en-US"/>
+                  </a:p>
+                </p:txBody>
+              </p:sp>
+              <p:sp>
+                <p:nvSpPr>
+                  <p:cNvPr id="79" name="직사각형 78"/>
+                  <p:cNvSpPr/>
+                  <p:nvPr/>
+                </p:nvSpPr>
+                <p:spPr>
+                  <a:xfrm>
+                    <a:off x="2028644" y="3140765"/>
+                    <a:ext cx="421418" cy="413468"/>
+                  </a:xfrm>
+                  <a:prstGeom prst="rect">
+                    <a:avLst/>
+                  </a:prstGeom>
+                  <a:solidFill>
+                    <a:srgbClr val="7030A0"/>
+                  </a:solidFill>
+                  <a:ln>
+                    <a:solidFill>
+                      <a:schemeClr val="tx1"/>
+                    </a:solidFill>
+                  </a:ln>
+                </p:spPr>
+                <p:style>
+                  <a:lnRef idx="2">
+                    <a:schemeClr val="accent1">
+                      <a:shade val="50000"/>
+                    </a:schemeClr>
+                  </a:lnRef>
+                  <a:fillRef idx="1">
+                    <a:schemeClr val="accent1"/>
+                  </a:fillRef>
+                  <a:effectRef idx="0">
+                    <a:schemeClr val="accent1"/>
+                  </a:effectRef>
+                  <a:fontRef idx="minor">
+                    <a:schemeClr val="lt1"/>
+                  </a:fontRef>
+                </p:style>
+                <p:txBody>
+                  <a:bodyPr rtlCol="0" anchor="ctr"/>
+                  <a:lstStyle/>
+                  <a:p>
+                    <a:pPr algn="ctr"/>
+                    <a:endParaRPr lang="ko-KR" altLang="en-US"/>
+                  </a:p>
+                </p:txBody>
+              </p:sp>
+              <p:sp>
+                <p:nvSpPr>
+                  <p:cNvPr id="80" name="직사각형 79"/>
+                  <p:cNvSpPr/>
+                  <p:nvPr/>
+                </p:nvSpPr>
+                <p:spPr>
+                  <a:xfrm>
+                    <a:off x="2450064" y="3140765"/>
+                    <a:ext cx="421419" cy="413468"/>
+                  </a:xfrm>
+                  <a:prstGeom prst="rect">
+                    <a:avLst/>
+                  </a:prstGeom>
+                  <a:solidFill>
+                    <a:srgbClr val="FFC000"/>
+                  </a:solidFill>
+                  <a:ln>
+                    <a:solidFill>
+                      <a:schemeClr val="tx1"/>
+                    </a:solidFill>
+                  </a:ln>
+                </p:spPr>
+                <p:style>
+                  <a:lnRef idx="2">
+                    <a:schemeClr val="accent1">
+                      <a:shade val="50000"/>
+                    </a:schemeClr>
+                  </a:lnRef>
+                  <a:fillRef idx="1">
+                    <a:schemeClr val="accent1"/>
+                  </a:fillRef>
+                  <a:effectRef idx="0">
+                    <a:schemeClr val="accent1"/>
+                  </a:effectRef>
+                  <a:fontRef idx="minor">
+                    <a:schemeClr val="lt1"/>
+                  </a:fontRef>
+                </p:style>
+                <p:txBody>
+                  <a:bodyPr rtlCol="0" anchor="ctr"/>
+                  <a:lstStyle/>
+                  <a:p>
+                    <a:pPr algn="ctr"/>
+                    <a:endParaRPr lang="ko-KR" altLang="en-US"/>
+                  </a:p>
+                </p:txBody>
+              </p:sp>
+            </p:grpSp>
+            <p:cxnSp>
+              <p:nvCxnSpPr>
+                <p:cNvPr id="66" name="직선 연결선 65"/>
+                <p:cNvCxnSpPr/>
+                <p:nvPr/>
+              </p:nvCxnSpPr>
               <p:spPr>
                 <a:xfrm>
-                  <a:off x="3665551" y="914400"/>
-                  <a:ext cx="1359673" cy="1176793"/>
+                  <a:off x="2862470" y="3140765"/>
+                  <a:ext cx="0" cy="1025718"/>
                 </a:xfrm>
-                <a:prstGeom prst="rect">
+                <a:prstGeom prst="line">
                   <a:avLst/>
                 </a:prstGeom>
-                <a:noFill/>
                 <a:ln>
                   <a:solidFill>
-                    <a:srgbClr val="FF0000"/>
+                    <a:schemeClr val="tx1"/>
                   </a:solidFill>
                 </a:ln>
               </p:spPr>
               <p:style>
-                <a:lnRef idx="2">
-                  <a:schemeClr val="accent1">
-                    <a:shade val="50000"/>
-                  </a:schemeClr>
+                <a:lnRef idx="1">
+                  <a:schemeClr val="accent1"/>
                 </a:lnRef>
-                <a:fillRef idx="1">
+                <a:fillRef idx="0">
                   <a:schemeClr val="accent1"/>
                 </a:fillRef>
                 <a:effectRef idx="0">
                   <a:schemeClr val="accent1"/>
                 </a:effectRef>
                 <a:fontRef idx="minor">
-                  <a:schemeClr val="lt1"/>
+                  <a:schemeClr val="tx1"/>
                 </a:fontRef>
               </p:style>
-              <p:txBody>
-                <a:bodyPr rtlCol="0" anchor="ctr"/>
-                <a:lstStyle/>
-                <a:p>
-                  <a:pPr algn="ctr"/>
-                  <a:endParaRPr lang="ko-KR" altLang="en-US"/>
-                </a:p>
-              </p:txBody>
-            </p:sp>
+            </p:cxnSp>
             <p:sp>
               <p:nvSpPr>
-                <p:cNvPr id="85" name="직사각형 84"/>
-                <p:cNvSpPr/>
-                <p:nvPr/>
-              </p:nvSpPr>
-              <p:spPr>
-                <a:xfrm>
-                  <a:off x="3665551" y="914400"/>
-                  <a:ext cx="270344" cy="254442"/>
-                </a:xfrm>
-                <a:prstGeom prst="rect">
-                  <a:avLst/>
-                </a:prstGeom>
-                <a:solidFill>
-                  <a:srgbClr val="7030A0"/>
-                </a:solidFill>
-                <a:ln>
-                  <a:solidFill>
-                    <a:schemeClr val="tx1"/>
-                  </a:solidFill>
-                </a:ln>
-              </p:spPr>
-              <p:style>
-                <a:lnRef idx="2">
-                  <a:schemeClr val="accent1">
-                    <a:shade val="50000"/>
-                  </a:schemeClr>
-                </a:lnRef>
-                <a:fillRef idx="1">
-                  <a:schemeClr val="accent1"/>
-                </a:fillRef>
-                <a:effectRef idx="0">
-                  <a:schemeClr val="accent1"/>
-                </a:effectRef>
-                <a:fontRef idx="minor">
-                  <a:schemeClr val="lt1"/>
-                </a:fontRef>
-              </p:style>
-              <p:txBody>
-                <a:bodyPr rtlCol="0" anchor="ctr"/>
-                <a:lstStyle/>
-                <a:p>
-                  <a:pPr algn="ctr"/>
-                  <a:endParaRPr lang="ko-KR" altLang="en-US"/>
-                </a:p>
-              </p:txBody>
-            </p:sp>
-            <p:sp>
-              <p:nvSpPr>
-                <p:cNvPr id="86" name="TextBox 85"/>
+                <p:cNvPr id="67" name="TextBox 66"/>
                 <p:cNvSpPr txBox="1"/>
                 <p:nvPr/>
               </p:nvSpPr>
               <p:spPr>
                 <a:xfrm>
-                  <a:off x="4126726" y="1749287"/>
-                  <a:ext cx="898498" cy="338554"/>
+                  <a:off x="2123992" y="4197261"/>
+                  <a:ext cx="1472980" cy="286683"/>
                 </a:xfrm>
                 <a:prstGeom prst="rect">
                   <a:avLst/>
@@ -18015,133 +18446,299 @@
                 </a:bodyPr>
                 <a:lstStyle/>
                 <a:p>
+                  <a:pPr algn="ctr"/>
                   <a:r>
-                    <a:rPr lang="en-US" altLang="ko-KR" sz="1600" dirty="0" smtClean="0"/>
-                    <a:t>Block 2</a:t>
+                    <a:rPr lang="en-US" altLang="ko-KR" sz="1200" dirty="0" err="1" smtClean="0"/>
+                    <a:t>threadIdx.x</a:t>
                   </a:r>
-                  <a:endParaRPr lang="ko-KR" altLang="en-US" sz="1600" dirty="0"/>
+                  <a:r>
+                    <a:rPr lang="en-US" altLang="ko-KR" sz="1200" dirty="0" smtClean="0"/>
+                    <a:t> = 1</a:t>
+                  </a:r>
+                  <a:endParaRPr lang="ko-KR" altLang="en-US" sz="1200" dirty="0"/>
                 </a:p>
               </p:txBody>
             </p:sp>
-          </p:grpSp>
-          <p:grpSp>
-            <p:nvGrpSpPr>
-              <p:cNvPr id="61" name="그룹 60"/>
-              <p:cNvGrpSpPr/>
-              <p:nvPr/>
-            </p:nvGrpSpPr>
-            <p:grpSpPr>
-              <a:xfrm>
-                <a:off x="5303519" y="914400"/>
-                <a:ext cx="1359673" cy="1176793"/>
-                <a:chOff x="5303519" y="914400"/>
-                <a:chExt cx="1359673" cy="1176793"/>
-              </a:xfrm>
-            </p:grpSpPr>
-            <p:sp>
-              <p:nvSpPr>
-                <p:cNvPr id="81" name="직사각형 80"/>
-                <p:cNvSpPr/>
+            <p:cxnSp>
+              <p:nvCxnSpPr>
+                <p:cNvPr id="68" name="직선 연결선 67"/>
+                <p:cNvCxnSpPr/>
                 <p:nvPr/>
-              </p:nvSpPr>
+              </p:nvCxnSpPr>
               <p:spPr>
                 <a:xfrm>
-                  <a:off x="5303519" y="914400"/>
-                  <a:ext cx="1359673" cy="1176793"/>
+                  <a:off x="4132691" y="3140765"/>
+                  <a:ext cx="0" cy="1025718"/>
                 </a:xfrm>
-                <a:prstGeom prst="rect">
+                <a:prstGeom prst="line">
                   <a:avLst/>
                 </a:prstGeom>
-                <a:noFill/>
                 <a:ln>
                   <a:solidFill>
-                    <a:srgbClr val="92D050"/>
+                    <a:schemeClr val="tx1"/>
                   </a:solidFill>
                 </a:ln>
               </p:spPr>
               <p:style>
-                <a:lnRef idx="2">
-                  <a:schemeClr val="accent1">
-                    <a:shade val="50000"/>
-                  </a:schemeClr>
+                <a:lnRef idx="1">
+                  <a:schemeClr val="accent1"/>
                 </a:lnRef>
-                <a:fillRef idx="1">
+                <a:fillRef idx="0">
                   <a:schemeClr val="accent1"/>
                 </a:fillRef>
                 <a:effectRef idx="0">
                   <a:schemeClr val="accent1"/>
                 </a:effectRef>
                 <a:fontRef idx="minor">
-                  <a:schemeClr val="lt1"/>
+                  <a:schemeClr val="tx1"/>
                 </a:fontRef>
               </p:style>
-              <p:txBody>
-                <a:bodyPr rtlCol="0" anchor="ctr"/>
-                <a:lstStyle/>
-                <a:p>
-                  <a:pPr algn="ctr"/>
-                  <a:endParaRPr lang="ko-KR" altLang="en-US"/>
-                </a:p>
-              </p:txBody>
-            </p:sp>
-            <p:sp>
-              <p:nvSpPr>
-                <p:cNvPr id="82" name="직사각형 81"/>
-                <p:cNvSpPr/>
+            </p:cxnSp>
+            <p:grpSp>
+              <p:nvGrpSpPr>
+                <p:cNvPr id="69" name="그룹 68"/>
+                <p:cNvGrpSpPr/>
                 <p:nvPr/>
-              </p:nvSpPr>
+              </p:nvGrpSpPr>
+              <p:grpSpPr>
+                <a:xfrm>
+                  <a:off x="2869495" y="3140765"/>
+                  <a:ext cx="1264258" cy="413468"/>
+                  <a:chOff x="1607225" y="3140765"/>
+                  <a:chExt cx="1264258" cy="413468"/>
+                </a:xfrm>
+              </p:grpSpPr>
+              <p:sp>
+                <p:nvSpPr>
+                  <p:cNvPr id="75" name="직사각형 74"/>
+                  <p:cNvSpPr/>
+                  <p:nvPr/>
+                </p:nvSpPr>
+                <p:spPr>
+                  <a:xfrm>
+                    <a:off x="1607225" y="3140765"/>
+                    <a:ext cx="421418" cy="413468"/>
+                  </a:xfrm>
+                  <a:prstGeom prst="rect">
+                    <a:avLst/>
+                  </a:prstGeom>
+                  <a:solidFill>
+                    <a:srgbClr val="FFFF00"/>
+                  </a:solidFill>
+                  <a:ln>
+                    <a:solidFill>
+                      <a:schemeClr val="tx1"/>
+                    </a:solidFill>
+                  </a:ln>
+                </p:spPr>
+                <p:style>
+                  <a:lnRef idx="2">
+                    <a:schemeClr val="accent1">
+                      <a:shade val="50000"/>
+                    </a:schemeClr>
+                  </a:lnRef>
+                  <a:fillRef idx="1">
+                    <a:schemeClr val="accent1"/>
+                  </a:fillRef>
+                  <a:effectRef idx="0">
+                    <a:schemeClr val="accent1"/>
+                  </a:effectRef>
+                  <a:fontRef idx="minor">
+                    <a:schemeClr val="lt1"/>
+                  </a:fontRef>
+                </p:style>
+                <p:txBody>
+                  <a:bodyPr rtlCol="0" anchor="ctr"/>
+                  <a:lstStyle/>
+                  <a:p>
+                    <a:pPr algn="ctr"/>
+                    <a:endParaRPr lang="ko-KR" altLang="en-US"/>
+                  </a:p>
+                </p:txBody>
+              </p:sp>
+              <p:sp>
+                <p:nvSpPr>
+                  <p:cNvPr id="76" name="직사각형 75"/>
+                  <p:cNvSpPr/>
+                  <p:nvPr/>
+                </p:nvSpPr>
+                <p:spPr>
+                  <a:xfrm>
+                    <a:off x="2028644" y="3140765"/>
+                    <a:ext cx="421418" cy="413468"/>
+                  </a:xfrm>
+                  <a:prstGeom prst="rect">
+                    <a:avLst/>
+                  </a:prstGeom>
+                  <a:solidFill>
+                    <a:srgbClr val="7030A0"/>
+                  </a:solidFill>
+                  <a:ln>
+                    <a:solidFill>
+                      <a:schemeClr val="tx1"/>
+                    </a:solidFill>
+                  </a:ln>
+                </p:spPr>
+                <p:style>
+                  <a:lnRef idx="2">
+                    <a:schemeClr val="accent1">
+                      <a:shade val="50000"/>
+                    </a:schemeClr>
+                  </a:lnRef>
+                  <a:fillRef idx="1">
+                    <a:schemeClr val="accent1"/>
+                  </a:fillRef>
+                  <a:effectRef idx="0">
+                    <a:schemeClr val="accent1"/>
+                  </a:effectRef>
+                  <a:fontRef idx="minor">
+                    <a:schemeClr val="lt1"/>
+                  </a:fontRef>
+                </p:style>
+                <p:txBody>
+                  <a:bodyPr rtlCol="0" anchor="ctr"/>
+                  <a:lstStyle/>
+                  <a:p>
+                    <a:pPr algn="ctr"/>
+                    <a:endParaRPr lang="ko-KR" altLang="en-US"/>
+                  </a:p>
+                </p:txBody>
+              </p:sp>
+              <p:sp>
+                <p:nvSpPr>
+                  <p:cNvPr id="77" name="직사각형 76"/>
+                  <p:cNvSpPr/>
+                  <p:nvPr/>
+                </p:nvSpPr>
+                <p:spPr>
+                  <a:xfrm>
+                    <a:off x="2450064" y="3140765"/>
+                    <a:ext cx="421419" cy="413468"/>
+                  </a:xfrm>
+                  <a:prstGeom prst="rect">
+                    <a:avLst/>
+                  </a:prstGeom>
+                  <a:solidFill>
+                    <a:srgbClr val="FFC000"/>
+                  </a:solidFill>
+                  <a:ln>
+                    <a:solidFill>
+                      <a:schemeClr val="tx1"/>
+                    </a:solidFill>
+                  </a:ln>
+                </p:spPr>
+                <p:style>
+                  <a:lnRef idx="2">
+                    <a:schemeClr val="accent1">
+                      <a:shade val="50000"/>
+                    </a:schemeClr>
+                  </a:lnRef>
+                  <a:fillRef idx="1">
+                    <a:schemeClr val="accent1"/>
+                  </a:fillRef>
+                  <a:effectRef idx="0">
+                    <a:schemeClr val="accent1"/>
+                  </a:effectRef>
+                  <a:fontRef idx="minor">
+                    <a:schemeClr val="lt1"/>
+                  </a:fontRef>
+                </p:style>
+                <p:txBody>
+                  <a:bodyPr rtlCol="0" anchor="ctr"/>
+                  <a:lstStyle/>
+                  <a:p>
+                    <a:pPr algn="ctr"/>
+                    <a:endParaRPr lang="ko-KR" altLang="en-US"/>
+                  </a:p>
+                </p:txBody>
+              </p:sp>
+            </p:grpSp>
+            <p:cxnSp>
+              <p:nvCxnSpPr>
+                <p:cNvPr id="70" name="직선 화살표 연결선 69"/>
+                <p:cNvCxnSpPr>
+                  <a:stCxn id="88" idx="2"/>
+                </p:cNvCxnSpPr>
+                <p:nvPr/>
+              </p:nvCxnSpPr>
               <p:spPr>
-                <a:xfrm>
-                  <a:off x="5303519" y="922351"/>
-                  <a:ext cx="270344" cy="254442"/>
+                <a:xfrm flipH="1">
+                  <a:off x="1757239" y="1168842"/>
+                  <a:ext cx="405516" cy="2178657"/>
                 </a:xfrm>
-                <a:prstGeom prst="rect">
+                <a:prstGeom prst="straightConnector1">
                   <a:avLst/>
                 </a:prstGeom>
-                <a:solidFill>
-                  <a:srgbClr val="FFC000"/>
-                </a:solidFill>
                 <a:ln>
                   <a:solidFill>
                     <a:schemeClr val="tx1"/>
                   </a:solidFill>
+                  <a:tailEnd type="triangle"/>
                 </a:ln>
               </p:spPr>
               <p:style>
-                <a:lnRef idx="2">
-                  <a:schemeClr val="accent1">
-                    <a:shade val="50000"/>
-                  </a:schemeClr>
+                <a:lnRef idx="1">
+                  <a:schemeClr val="accent1"/>
                 </a:lnRef>
-                <a:fillRef idx="1">
+                <a:fillRef idx="0">
                   <a:schemeClr val="accent1"/>
                 </a:fillRef>
                 <a:effectRef idx="0">
                   <a:schemeClr val="accent1"/>
                 </a:effectRef>
                 <a:fontRef idx="minor">
-                  <a:schemeClr val="lt1"/>
+                  <a:schemeClr val="tx1"/>
                 </a:fontRef>
               </p:style>
-              <p:txBody>
-                <a:bodyPr rtlCol="0" anchor="ctr"/>
-                <a:lstStyle/>
-                <a:p>
-                  <a:pPr algn="ctr"/>
-                  <a:endParaRPr lang="ko-KR" altLang="en-US"/>
-                </a:p>
-              </p:txBody>
-            </p:sp>
+            </p:cxnSp>
+            <p:cxnSp>
+              <p:nvCxnSpPr>
+                <p:cNvPr id="71" name="직선 화살표 연결선 70"/>
+                <p:cNvCxnSpPr>
+                  <a:stCxn id="85" idx="2"/>
+                </p:cNvCxnSpPr>
+                <p:nvPr/>
+              </p:nvCxnSpPr>
+              <p:spPr>
+                <a:xfrm flipH="1">
+                  <a:off x="2177664" y="1168842"/>
+                  <a:ext cx="1623059" cy="2164743"/>
+                </a:xfrm>
+                <a:prstGeom prst="straightConnector1">
+                  <a:avLst/>
+                </a:prstGeom>
+                <a:ln>
+                  <a:solidFill>
+                    <a:schemeClr val="tx1"/>
+                  </a:solidFill>
+                  <a:tailEnd type="triangle"/>
+                </a:ln>
+              </p:spPr>
+              <p:style>
+                <a:lnRef idx="1">
+                  <a:schemeClr val="accent1"/>
+                </a:lnRef>
+                <a:fillRef idx="0">
+                  <a:schemeClr val="accent1"/>
+                </a:fillRef>
+                <a:effectRef idx="0">
+                  <a:schemeClr val="accent1"/>
+                </a:effectRef>
+                <a:fontRef idx="minor">
+                  <a:schemeClr val="tx1"/>
+                </a:fontRef>
+              </p:style>
+            </p:cxnSp>
             <p:sp>
               <p:nvSpPr>
-                <p:cNvPr id="83" name="TextBox 82"/>
+                <p:cNvPr id="72" name="TextBox 71"/>
                 <p:cNvSpPr txBox="1"/>
                 <p:nvPr/>
               </p:nvSpPr>
               <p:spPr>
                 <a:xfrm>
-                  <a:off x="5764694" y="1749287"/>
-                  <a:ext cx="898498" cy="338554"/>
+                  <a:off x="3396201" y="4208785"/>
+                  <a:ext cx="1472980" cy="286683"/>
                 </a:xfrm>
                 <a:prstGeom prst="rect">
                   <a:avLst/>
@@ -18154,122 +18751,33 @@
                 </a:bodyPr>
                 <a:lstStyle/>
                 <a:p>
+                  <a:pPr algn="ctr"/>
                   <a:r>
-                    <a:rPr lang="en-US" altLang="ko-KR" sz="1600" dirty="0" smtClean="0"/>
-                    <a:t>Block 3</a:t>
+                    <a:rPr lang="en-US" altLang="ko-KR" sz="1200" dirty="0" err="1" smtClean="0"/>
+                    <a:t>threadIdx.x</a:t>
                   </a:r>
-                  <a:endParaRPr lang="ko-KR" altLang="en-US" sz="1600" dirty="0"/>
+                  <a:r>
+                    <a:rPr lang="en-US" altLang="ko-KR" sz="1200" dirty="0" smtClean="0"/>
+                    <a:t> = 2</a:t>
+                  </a:r>
+                  <a:endParaRPr lang="ko-KR" altLang="en-US" sz="1200" dirty="0"/>
                 </a:p>
               </p:txBody>
             </p:sp>
-          </p:grpSp>
-          <p:sp>
-            <p:nvSpPr>
-              <p:cNvPr id="62" name="직사각형 61"/>
-              <p:cNvSpPr/>
-              <p:nvPr/>
-            </p:nvSpPr>
-            <p:spPr>
-              <a:xfrm>
-                <a:off x="1598212" y="3140765"/>
-                <a:ext cx="5709037" cy="413468"/>
-              </a:xfrm>
-              <a:prstGeom prst="rect">
-                <a:avLst/>
-              </a:prstGeom>
-              <a:noFill/>
-              <a:ln>
-                <a:solidFill>
-                  <a:srgbClr val="C00000"/>
-                </a:solidFill>
-              </a:ln>
-            </p:spPr>
-            <p:style>
-              <a:lnRef idx="2">
-                <a:schemeClr val="accent1">
-                  <a:shade val="50000"/>
-                </a:schemeClr>
-              </a:lnRef>
-              <a:fillRef idx="1">
-                <a:schemeClr val="accent1"/>
-              </a:fillRef>
-              <a:effectRef idx="0">
-                <a:schemeClr val="accent1"/>
-              </a:effectRef>
-              <a:fontRef idx="minor">
-                <a:schemeClr val="lt1"/>
-              </a:fontRef>
-            </p:style>
-            <p:txBody>
-              <a:bodyPr rtlCol="0" anchor="ctr"/>
-              <a:lstStyle/>
-              <a:p>
-                <a:pPr algn="ctr"/>
-                <a:endParaRPr lang="ko-KR" altLang="en-US"/>
-              </a:p>
-            </p:txBody>
-          </p:sp>
-          <p:sp>
-            <p:nvSpPr>
-              <p:cNvPr id="63" name="TextBox 62"/>
-              <p:cNvSpPr txBox="1"/>
-              <p:nvPr/>
-            </p:nvSpPr>
-            <p:spPr>
-              <a:xfrm>
-                <a:off x="1522675" y="2771433"/>
-                <a:ext cx="1009816" cy="369332"/>
-              </a:xfrm>
-              <a:prstGeom prst="rect">
-                <a:avLst/>
-              </a:prstGeom>
-              <a:noFill/>
-            </p:spPr>
-            <p:txBody>
-              <a:bodyPr wrap="square" rtlCol="0">
-                <a:spAutoFit/>
-              </a:bodyPr>
-              <a:lstStyle/>
-              <a:p>
-                <a:r>
-                  <a:rPr lang="en-US" altLang="ko-KR" dirty="0" smtClean="0"/>
-                  <a:t>res</a:t>
-                </a:r>
-                <a:endParaRPr lang="ko-KR" altLang="en-US" dirty="0"/>
-              </a:p>
-            </p:txBody>
-          </p:sp>
-          <p:grpSp>
-            <p:nvGrpSpPr>
-              <p:cNvPr id="64" name="그룹 63"/>
-              <p:cNvGrpSpPr/>
-              <p:nvPr/>
-            </p:nvGrpSpPr>
-            <p:grpSpPr>
-              <a:xfrm>
-                <a:off x="1598212" y="3140765"/>
-                <a:ext cx="1264258" cy="413468"/>
-                <a:chOff x="1598212" y="3140765"/>
-                <a:chExt cx="1264258" cy="413468"/>
-              </a:xfrm>
-            </p:grpSpPr>
-            <p:sp>
-              <p:nvSpPr>
-                <p:cNvPr id="78" name="직사각형 77"/>
-                <p:cNvSpPr/>
+            <p:cxnSp>
+              <p:nvCxnSpPr>
+                <p:cNvPr id="73" name="직선 연결선 72"/>
+                <p:cNvCxnSpPr/>
                 <p:nvPr/>
-              </p:nvSpPr>
+              </p:nvCxnSpPr>
               <p:spPr>
                 <a:xfrm>
-                  <a:off x="1598212" y="3140765"/>
-                  <a:ext cx="421419" cy="413468"/>
+                  <a:off x="1598212" y="3171543"/>
+                  <a:ext cx="0" cy="1025718"/>
                 </a:xfrm>
-                <a:prstGeom prst="rect">
+                <a:prstGeom prst="line">
                   <a:avLst/>
                 </a:prstGeom>
-                <a:solidFill>
-                  <a:srgbClr val="FFFF00"/>
-                </a:solidFill>
                 <a:ln>
                   <a:solidFill>
                     <a:schemeClr val="tx1"/>
@@ -18277,611 +18785,460 @@
                 </a:ln>
               </p:spPr>
               <p:style>
-                <a:lnRef idx="2">
-                  <a:schemeClr val="accent1">
-                    <a:shade val="50000"/>
-                  </a:schemeClr>
+                <a:lnRef idx="1">
+                  <a:schemeClr val="accent1"/>
                 </a:lnRef>
-                <a:fillRef idx="1">
+                <a:fillRef idx="0">
                   <a:schemeClr val="accent1"/>
                 </a:fillRef>
                 <a:effectRef idx="0">
                   <a:schemeClr val="accent1"/>
                 </a:effectRef>
                 <a:fontRef idx="minor">
-                  <a:schemeClr val="lt1"/>
+                  <a:schemeClr val="tx1"/>
                 </a:fontRef>
               </p:style>
-              <p:txBody>
-                <a:bodyPr rtlCol="0" anchor="ctr"/>
-                <a:lstStyle/>
-                <a:p>
-                  <a:pPr algn="ctr"/>
-                  <a:endParaRPr lang="ko-KR" altLang="en-US"/>
-                </a:p>
-              </p:txBody>
-            </p:sp>
+            </p:cxnSp>
             <p:sp>
               <p:nvSpPr>
-                <p:cNvPr id="79" name="직사각형 78"/>
-                <p:cNvSpPr/>
+                <p:cNvPr id="74" name="TextBox 73"/>
+                <p:cNvSpPr txBox="1"/>
                 <p:nvPr/>
               </p:nvSpPr>
               <p:spPr>
                 <a:xfrm>
-                  <a:off x="2019631" y="3140765"/>
-                  <a:ext cx="421419" cy="413468"/>
+                  <a:off x="861722" y="4190337"/>
+                  <a:ext cx="1472980" cy="286683"/>
                 </a:xfrm>
                 <a:prstGeom prst="rect">
                   <a:avLst/>
                 </a:prstGeom>
-                <a:solidFill>
-                  <a:srgbClr val="7030A0"/>
-                </a:solidFill>
+                <a:noFill/>
+              </p:spPr>
+              <p:txBody>
+                <a:bodyPr wrap="square" rtlCol="0">
+                  <a:spAutoFit/>
+                </a:bodyPr>
+                <a:lstStyle/>
+                <a:p>
+                  <a:pPr algn="ctr"/>
+                  <a:r>
+                    <a:rPr lang="en-US" altLang="ko-KR" sz="1200" dirty="0" err="1" smtClean="0"/>
+                    <a:t>threadIdx.x</a:t>
+                  </a:r>
+                  <a:r>
+                    <a:rPr lang="en-US" altLang="ko-KR" sz="1200" dirty="0" smtClean="0"/>
+                    <a:t> = 0</a:t>
+                  </a:r>
+                  <a:endParaRPr lang="ko-KR" altLang="en-US" sz="1200" dirty="0"/>
+                </a:p>
+              </p:txBody>
+            </p:sp>
+            <p:cxnSp>
+              <p:nvCxnSpPr>
+                <p:cNvPr id="65" name="직선 화살표 연결선 64"/>
+                <p:cNvCxnSpPr>
+                  <a:stCxn id="82" idx="2"/>
+                </p:cNvCxnSpPr>
+                <p:nvPr/>
+              </p:nvCxnSpPr>
+              <p:spPr>
+                <a:xfrm flipH="1">
+                  <a:off x="2651760" y="1167780"/>
+                  <a:ext cx="2786931" cy="2170706"/>
+                </a:xfrm>
+                <a:prstGeom prst="straightConnector1">
+                  <a:avLst/>
+                </a:prstGeom>
                 <a:ln>
                   <a:solidFill>
                     <a:schemeClr val="tx1"/>
                   </a:solidFill>
+                  <a:tailEnd type="triangle"/>
                 </a:ln>
               </p:spPr>
               <p:style>
-                <a:lnRef idx="2">
-                  <a:schemeClr val="accent1">
-                    <a:shade val="50000"/>
-                  </a:schemeClr>
+                <a:lnRef idx="1">
+                  <a:schemeClr val="accent1"/>
                 </a:lnRef>
-                <a:fillRef idx="1">
+                <a:fillRef idx="0">
                   <a:schemeClr val="accent1"/>
                 </a:fillRef>
                 <a:effectRef idx="0">
                   <a:schemeClr val="accent1"/>
                 </a:effectRef>
                 <a:fontRef idx="minor">
-                  <a:schemeClr val="lt1"/>
+                  <a:schemeClr val="tx1"/>
                 </a:fontRef>
               </p:style>
-              <p:txBody>
-                <a:bodyPr rtlCol="0" anchor="ctr"/>
-                <a:lstStyle/>
-                <a:p>
-                  <a:pPr algn="ctr"/>
-                  <a:endParaRPr lang="ko-KR" altLang="en-US"/>
-                </a:p>
-              </p:txBody>
-            </p:sp>
-            <p:sp>
-              <p:nvSpPr>
-                <p:cNvPr id="80" name="직사각형 79"/>
-                <p:cNvSpPr/>
-                <p:nvPr/>
-              </p:nvSpPr>
-              <p:spPr>
-                <a:xfrm>
-                  <a:off x="2441051" y="3140765"/>
-                  <a:ext cx="421419" cy="413468"/>
-                </a:xfrm>
-                <a:prstGeom prst="rect">
-                  <a:avLst/>
-                </a:prstGeom>
-                <a:solidFill>
-                  <a:srgbClr val="FFC000"/>
-                </a:solidFill>
-                <a:ln>
-                  <a:solidFill>
-                    <a:schemeClr val="tx1"/>
-                  </a:solidFill>
-                </a:ln>
-              </p:spPr>
-              <p:style>
-                <a:lnRef idx="2">
-                  <a:schemeClr val="accent1">
-                    <a:shade val="50000"/>
-                  </a:schemeClr>
-                </a:lnRef>
-                <a:fillRef idx="1">
-                  <a:schemeClr val="accent1"/>
-                </a:fillRef>
-                <a:effectRef idx="0">
-                  <a:schemeClr val="accent1"/>
-                </a:effectRef>
-                <a:fontRef idx="minor">
-                  <a:schemeClr val="lt1"/>
-                </a:fontRef>
-              </p:style>
-              <p:txBody>
-                <a:bodyPr rtlCol="0" anchor="ctr"/>
-                <a:lstStyle/>
-                <a:p>
-                  <a:pPr algn="ctr"/>
-                  <a:endParaRPr lang="ko-KR" altLang="en-US"/>
-                </a:p>
-              </p:txBody>
-            </p:sp>
+            </p:cxnSp>
           </p:grpSp>
-          <p:cxnSp>
-            <p:nvCxnSpPr>
-              <p:cNvPr id="65" name="직선 화살표 연결선 64"/>
-              <p:cNvCxnSpPr>
-                <a:stCxn id="82" idx="2"/>
-              </p:cNvCxnSpPr>
-              <p:nvPr/>
-            </p:nvCxnSpPr>
-            <p:spPr>
-              <a:xfrm flipH="1">
-                <a:off x="2651760" y="1176793"/>
-                <a:ext cx="2786931" cy="2170706"/>
-              </a:xfrm>
-              <a:prstGeom prst="straightConnector1">
-                <a:avLst/>
-              </a:prstGeom>
-              <a:ln>
-                <a:solidFill>
-                  <a:schemeClr val="tx1"/>
-                </a:solidFill>
-                <a:tailEnd type="triangle"/>
-              </a:ln>
-            </p:spPr>
-            <p:style>
-              <a:lnRef idx="1">
-                <a:schemeClr val="accent1"/>
-              </a:lnRef>
-              <a:fillRef idx="0">
-                <a:schemeClr val="accent1"/>
-              </a:fillRef>
-              <a:effectRef idx="0">
-                <a:schemeClr val="accent1"/>
-              </a:effectRef>
-              <a:fontRef idx="minor">
+        </p:grpSp>
+        <p:sp>
+          <p:nvSpPr>
+            <p:cNvPr id="7" name="왼쪽 중괄호 6"/>
+            <p:cNvSpPr/>
+            <p:nvPr/>
+          </p:nvSpPr>
+          <p:spPr>
+            <a:xfrm rot="16200000">
+              <a:off x="5380984" y="3467982"/>
+              <a:ext cx="230677" cy="1201950"/>
+            </a:xfrm>
+            <a:prstGeom prst="leftBrace">
+              <a:avLst>
+                <a:gd name="adj1" fmla="val 8333"/>
+                <a:gd name="adj2" fmla="val 51154"/>
+              </a:avLst>
+            </a:prstGeom>
+            <a:ln>
+              <a:solidFill>
+                <a:srgbClr val="002060"/>
+              </a:solidFill>
+            </a:ln>
+          </p:spPr>
+          <p:style>
+            <a:lnRef idx="1">
+              <a:schemeClr val="accent1"/>
+            </a:lnRef>
+            <a:fillRef idx="0">
+              <a:schemeClr val="accent1"/>
+            </a:fillRef>
+            <a:effectRef idx="0">
+              <a:schemeClr val="accent1"/>
+            </a:effectRef>
+            <a:fontRef idx="minor">
+              <a:schemeClr val="tx1"/>
+            </a:fontRef>
+          </p:style>
+          <p:txBody>
+            <a:bodyPr rtlCol="0" anchor="ctr"/>
+            <a:lstStyle/>
+            <a:p>
+              <a:pPr algn="ctr"/>
+              <a:endParaRPr lang="ko-KR" altLang="en-US"/>
+            </a:p>
+          </p:txBody>
+        </p:sp>
+        <p:sp>
+          <p:nvSpPr>
+            <p:cNvPr id="46" name="TextBox 45"/>
+            <p:cNvSpPr txBox="1"/>
+            <p:nvPr/>
+          </p:nvSpPr>
+          <p:spPr>
+            <a:xfrm>
+              <a:off x="4783961" y="4208431"/>
+              <a:ext cx="1423223" cy="276999"/>
+            </a:xfrm>
+            <a:prstGeom prst="rect">
+              <a:avLst/>
+            </a:prstGeom>
+            <a:noFill/>
+          </p:spPr>
+          <p:txBody>
+            <a:bodyPr wrap="square" rtlCol="0">
+              <a:spAutoFit/>
+            </a:bodyPr>
+            <a:lstStyle/>
+            <a:p>
+              <a:pPr algn="ctr"/>
+              <a:r>
+                <a:rPr lang="en-US" altLang="ko-KR" sz="1200" dirty="0" err="1" smtClean="0"/>
+                <a:t>gridDim.x</a:t>
+              </a:r>
+              <a:endParaRPr lang="ko-KR" altLang="en-US" sz="1200" dirty="0"/>
+            </a:p>
+          </p:txBody>
+        </p:sp>
+        <p:sp>
+          <p:nvSpPr>
+            <p:cNvPr id="47" name="직사각형 46"/>
+            <p:cNvSpPr/>
+            <p:nvPr/>
+          </p:nvSpPr>
+          <p:spPr>
+            <a:xfrm>
+              <a:off x="6125509" y="3542416"/>
+              <a:ext cx="407184" cy="399501"/>
+            </a:xfrm>
+            <a:prstGeom prst="rect">
+              <a:avLst/>
+            </a:prstGeom>
+            <a:solidFill>
+              <a:srgbClr val="FFFF00"/>
+            </a:solidFill>
+            <a:ln>
+              <a:solidFill>
                 <a:schemeClr val="tx1"/>
-              </a:fontRef>
-            </p:style>
-          </p:cxnSp>
-          <p:cxnSp>
-            <p:nvCxnSpPr>
-              <p:cNvPr id="66" name="직선 연결선 65"/>
-              <p:cNvCxnSpPr/>
-              <p:nvPr/>
-            </p:nvCxnSpPr>
-            <p:spPr>
-              <a:xfrm>
-                <a:off x="2862470" y="3140765"/>
-                <a:ext cx="0" cy="1025718"/>
-              </a:xfrm>
-              <a:prstGeom prst="line">
-                <a:avLst/>
-              </a:prstGeom>
-              <a:ln>
-                <a:solidFill>
-                  <a:schemeClr val="tx1"/>
-                </a:solidFill>
-              </a:ln>
-            </p:spPr>
-            <p:style>
-              <a:lnRef idx="1">
-                <a:schemeClr val="accent1"/>
-              </a:lnRef>
-              <a:fillRef idx="0">
-                <a:schemeClr val="accent1"/>
-              </a:fillRef>
-              <a:effectRef idx="0">
-                <a:schemeClr val="accent1"/>
-              </a:effectRef>
-              <a:fontRef idx="minor">
+              </a:solidFill>
+            </a:ln>
+          </p:spPr>
+          <p:style>
+            <a:lnRef idx="2">
+              <a:schemeClr val="accent1">
+                <a:shade val="50000"/>
+              </a:schemeClr>
+            </a:lnRef>
+            <a:fillRef idx="1">
+              <a:schemeClr val="accent1"/>
+            </a:fillRef>
+            <a:effectRef idx="0">
+              <a:schemeClr val="accent1"/>
+            </a:effectRef>
+            <a:fontRef idx="minor">
+              <a:schemeClr val="lt1"/>
+            </a:fontRef>
+          </p:style>
+          <p:txBody>
+            <a:bodyPr rtlCol="0" anchor="ctr"/>
+            <a:lstStyle/>
+            <a:p>
+              <a:pPr algn="ctr"/>
+              <a:endParaRPr lang="ko-KR" altLang="en-US"/>
+            </a:p>
+          </p:txBody>
+        </p:sp>
+        <p:sp>
+          <p:nvSpPr>
+            <p:cNvPr id="48" name="직사각형 47"/>
+            <p:cNvSpPr/>
+            <p:nvPr/>
+          </p:nvSpPr>
+          <p:spPr>
+            <a:xfrm>
+              <a:off x="6532693" y="3542416"/>
+              <a:ext cx="407184" cy="399501"/>
+            </a:xfrm>
+            <a:prstGeom prst="rect">
+              <a:avLst/>
+            </a:prstGeom>
+            <a:solidFill>
+              <a:srgbClr val="7030A0"/>
+            </a:solidFill>
+            <a:ln>
+              <a:solidFill>
                 <a:schemeClr val="tx1"/>
-              </a:fontRef>
-            </p:style>
-          </p:cxnSp>
-          <p:sp>
-            <p:nvSpPr>
-              <p:cNvPr id="67" name="TextBox 66"/>
-              <p:cNvSpPr txBox="1"/>
-              <p:nvPr/>
-            </p:nvSpPr>
-            <p:spPr>
-              <a:xfrm>
-                <a:off x="2123992" y="4197261"/>
-                <a:ext cx="1472980" cy="307777"/>
-              </a:xfrm>
-              <a:prstGeom prst="rect">
-                <a:avLst/>
-              </a:prstGeom>
-              <a:noFill/>
-            </p:spPr>
-            <p:txBody>
-              <a:bodyPr wrap="square" rtlCol="0">
-                <a:spAutoFit/>
-              </a:bodyPr>
-              <a:lstStyle/>
-              <a:p>
-                <a:pPr algn="ctr"/>
-                <a:r>
-                  <a:rPr lang="en-US" altLang="ko-KR" sz="1400" dirty="0" err="1" smtClean="0"/>
-                  <a:t>gridDim.x</a:t>
-                </a:r>
-                <a:r>
-                  <a:rPr lang="en-US" altLang="ko-KR" sz="1400" dirty="0" smtClean="0"/>
-                  <a:t> = 1</a:t>
-                </a:r>
-                <a:endParaRPr lang="ko-KR" altLang="en-US" sz="1400" dirty="0"/>
-              </a:p>
-            </p:txBody>
-          </p:sp>
-          <p:cxnSp>
-            <p:nvCxnSpPr>
-              <p:cNvPr id="68" name="직선 연결선 67"/>
-              <p:cNvCxnSpPr/>
-              <p:nvPr/>
-            </p:nvCxnSpPr>
-            <p:spPr>
-              <a:xfrm>
-                <a:off x="4132691" y="3140765"/>
-                <a:ext cx="0" cy="1025718"/>
-              </a:xfrm>
-              <a:prstGeom prst="line">
-                <a:avLst/>
-              </a:prstGeom>
-              <a:ln>
-                <a:solidFill>
-                  <a:schemeClr val="tx1"/>
-                </a:solidFill>
-              </a:ln>
-            </p:spPr>
-            <p:style>
-              <a:lnRef idx="1">
-                <a:schemeClr val="accent1"/>
-              </a:lnRef>
-              <a:fillRef idx="0">
-                <a:schemeClr val="accent1"/>
-              </a:fillRef>
-              <a:effectRef idx="0">
-                <a:schemeClr val="accent1"/>
-              </a:effectRef>
-              <a:fontRef idx="minor">
+              </a:solidFill>
+            </a:ln>
+          </p:spPr>
+          <p:style>
+            <a:lnRef idx="2">
+              <a:schemeClr val="accent1">
+                <a:shade val="50000"/>
+              </a:schemeClr>
+            </a:lnRef>
+            <a:fillRef idx="1">
+              <a:schemeClr val="accent1"/>
+            </a:fillRef>
+            <a:effectRef idx="0">
+              <a:schemeClr val="accent1"/>
+            </a:effectRef>
+            <a:fontRef idx="minor">
+              <a:schemeClr val="lt1"/>
+            </a:fontRef>
+          </p:style>
+          <p:txBody>
+            <a:bodyPr rtlCol="0" anchor="ctr"/>
+            <a:lstStyle/>
+            <a:p>
+              <a:pPr algn="ctr"/>
+              <a:endParaRPr lang="ko-KR" altLang="en-US"/>
+            </a:p>
+          </p:txBody>
+        </p:sp>
+        <p:sp>
+          <p:nvSpPr>
+            <p:cNvPr id="49" name="직사각형 48"/>
+            <p:cNvSpPr/>
+            <p:nvPr/>
+          </p:nvSpPr>
+          <p:spPr>
+            <a:xfrm>
+              <a:off x="6939877" y="3542416"/>
+              <a:ext cx="407184" cy="399501"/>
+            </a:xfrm>
+            <a:prstGeom prst="rect">
+              <a:avLst/>
+            </a:prstGeom>
+            <a:solidFill>
+              <a:srgbClr val="FFC000"/>
+            </a:solidFill>
+            <a:ln>
+              <a:solidFill>
                 <a:schemeClr val="tx1"/>
-              </a:fontRef>
-            </p:style>
-          </p:cxnSp>
-          <p:grpSp>
-            <p:nvGrpSpPr>
-              <p:cNvPr id="69" name="그룹 68"/>
-              <p:cNvGrpSpPr/>
-              <p:nvPr/>
-            </p:nvGrpSpPr>
-            <p:grpSpPr>
-              <a:xfrm>
-                <a:off x="2860482" y="3140765"/>
-                <a:ext cx="1264258" cy="413468"/>
-                <a:chOff x="1598212" y="3140765"/>
-                <a:chExt cx="1264258" cy="413468"/>
-              </a:xfrm>
-            </p:grpSpPr>
-            <p:sp>
-              <p:nvSpPr>
-                <p:cNvPr id="75" name="직사각형 74"/>
-                <p:cNvSpPr/>
-                <p:nvPr/>
-              </p:nvSpPr>
-              <p:spPr>
-                <a:xfrm>
-                  <a:off x="1598212" y="3140765"/>
-                  <a:ext cx="421419" cy="413468"/>
-                </a:xfrm>
-                <a:prstGeom prst="rect">
-                  <a:avLst/>
-                </a:prstGeom>
-                <a:solidFill>
-                  <a:srgbClr val="FFFF00"/>
-                </a:solidFill>
-                <a:ln>
-                  <a:solidFill>
-                    <a:schemeClr val="tx1"/>
-                  </a:solidFill>
-                </a:ln>
-              </p:spPr>
-              <p:style>
-                <a:lnRef idx="2">
-                  <a:schemeClr val="accent1">
-                    <a:shade val="50000"/>
-                  </a:schemeClr>
-                </a:lnRef>
-                <a:fillRef idx="1">
-                  <a:schemeClr val="accent1"/>
-                </a:fillRef>
-                <a:effectRef idx="0">
-                  <a:schemeClr val="accent1"/>
-                </a:effectRef>
-                <a:fontRef idx="minor">
-                  <a:schemeClr val="lt1"/>
-                </a:fontRef>
-              </p:style>
-              <p:txBody>
-                <a:bodyPr rtlCol="0" anchor="ctr"/>
-                <a:lstStyle/>
-                <a:p>
-                  <a:pPr algn="ctr"/>
-                  <a:endParaRPr lang="ko-KR" altLang="en-US"/>
-                </a:p>
-              </p:txBody>
-            </p:sp>
-            <p:sp>
-              <p:nvSpPr>
-                <p:cNvPr id="76" name="직사각형 75"/>
-                <p:cNvSpPr/>
-                <p:nvPr/>
-              </p:nvSpPr>
-              <p:spPr>
-                <a:xfrm>
-                  <a:off x="2019631" y="3140765"/>
-                  <a:ext cx="421419" cy="413468"/>
-                </a:xfrm>
-                <a:prstGeom prst="rect">
-                  <a:avLst/>
-                </a:prstGeom>
-                <a:solidFill>
-                  <a:srgbClr val="7030A0"/>
-                </a:solidFill>
-                <a:ln>
-                  <a:solidFill>
-                    <a:schemeClr val="tx1"/>
-                  </a:solidFill>
-                </a:ln>
-              </p:spPr>
-              <p:style>
-                <a:lnRef idx="2">
-                  <a:schemeClr val="accent1">
-                    <a:shade val="50000"/>
-                  </a:schemeClr>
-                </a:lnRef>
-                <a:fillRef idx="1">
-                  <a:schemeClr val="accent1"/>
-                </a:fillRef>
-                <a:effectRef idx="0">
-                  <a:schemeClr val="accent1"/>
-                </a:effectRef>
-                <a:fontRef idx="minor">
-                  <a:schemeClr val="lt1"/>
-                </a:fontRef>
-              </p:style>
-              <p:txBody>
-                <a:bodyPr rtlCol="0" anchor="ctr"/>
-                <a:lstStyle/>
-                <a:p>
-                  <a:pPr algn="ctr"/>
-                  <a:endParaRPr lang="ko-KR" altLang="en-US"/>
-                </a:p>
-              </p:txBody>
-            </p:sp>
-            <p:sp>
-              <p:nvSpPr>
-                <p:cNvPr id="77" name="직사각형 76"/>
-                <p:cNvSpPr/>
-                <p:nvPr/>
-              </p:nvSpPr>
-              <p:spPr>
-                <a:xfrm>
-                  <a:off x="2441051" y="3140765"/>
-                  <a:ext cx="421419" cy="413468"/>
-                </a:xfrm>
-                <a:prstGeom prst="rect">
-                  <a:avLst/>
-                </a:prstGeom>
-                <a:solidFill>
-                  <a:srgbClr val="FFC000"/>
-                </a:solidFill>
-                <a:ln>
-                  <a:solidFill>
-                    <a:schemeClr val="tx1"/>
-                  </a:solidFill>
-                </a:ln>
-              </p:spPr>
-              <p:style>
-                <a:lnRef idx="2">
-                  <a:schemeClr val="accent1">
-                    <a:shade val="50000"/>
-                  </a:schemeClr>
-                </a:lnRef>
-                <a:fillRef idx="1">
-                  <a:schemeClr val="accent1"/>
-                </a:fillRef>
-                <a:effectRef idx="0">
-                  <a:schemeClr val="accent1"/>
-                </a:effectRef>
-                <a:fontRef idx="minor">
-                  <a:schemeClr val="lt1"/>
-                </a:fontRef>
-              </p:style>
-              <p:txBody>
-                <a:bodyPr rtlCol="0" anchor="ctr"/>
-                <a:lstStyle/>
-                <a:p>
-                  <a:pPr algn="ctr"/>
-                  <a:endParaRPr lang="ko-KR" altLang="en-US"/>
-                </a:p>
-              </p:txBody>
-            </p:sp>
-          </p:grpSp>
-          <p:cxnSp>
-            <p:nvCxnSpPr>
-              <p:cNvPr id="70" name="직선 화살표 연결선 69"/>
-              <p:cNvCxnSpPr>
-                <a:stCxn id="88" idx="2"/>
-              </p:cNvCxnSpPr>
-              <p:nvPr/>
-            </p:nvCxnSpPr>
-            <p:spPr>
-              <a:xfrm flipH="1">
-                <a:off x="1757239" y="1168842"/>
-                <a:ext cx="405516" cy="2178657"/>
-              </a:xfrm>
-              <a:prstGeom prst="straightConnector1">
-                <a:avLst/>
-              </a:prstGeom>
-              <a:ln>
-                <a:solidFill>
-                  <a:schemeClr val="tx1"/>
-                </a:solidFill>
-                <a:tailEnd type="triangle"/>
-              </a:ln>
-            </p:spPr>
-            <p:style>
-              <a:lnRef idx="1">
-                <a:schemeClr val="accent1"/>
-              </a:lnRef>
-              <a:fillRef idx="0">
-                <a:schemeClr val="accent1"/>
-              </a:fillRef>
-              <a:effectRef idx="0">
-                <a:schemeClr val="accent1"/>
-              </a:effectRef>
-              <a:fontRef idx="minor">
+              </a:solidFill>
+            </a:ln>
+          </p:spPr>
+          <p:style>
+            <a:lnRef idx="2">
+              <a:schemeClr val="accent1">
+                <a:shade val="50000"/>
+              </a:schemeClr>
+            </a:lnRef>
+            <a:fillRef idx="1">
+              <a:schemeClr val="accent1"/>
+            </a:fillRef>
+            <a:effectRef idx="0">
+              <a:schemeClr val="accent1"/>
+            </a:effectRef>
+            <a:fontRef idx="minor">
+              <a:schemeClr val="lt1"/>
+            </a:fontRef>
+          </p:style>
+          <p:txBody>
+            <a:bodyPr rtlCol="0" anchor="ctr"/>
+            <a:lstStyle/>
+            <a:p>
+              <a:pPr algn="ctr"/>
+              <a:endParaRPr lang="ko-KR" altLang="en-US"/>
+            </a:p>
+          </p:txBody>
+        </p:sp>
+        <p:sp>
+          <p:nvSpPr>
+            <p:cNvPr id="50" name="직사각형 49"/>
+            <p:cNvSpPr/>
+            <p:nvPr/>
+          </p:nvSpPr>
+          <p:spPr>
+            <a:xfrm>
+              <a:off x="7357920" y="3545805"/>
+              <a:ext cx="407184" cy="399501"/>
+            </a:xfrm>
+            <a:prstGeom prst="rect">
+              <a:avLst/>
+            </a:prstGeom>
+            <a:solidFill>
+              <a:srgbClr val="FFFF00"/>
+            </a:solidFill>
+            <a:ln>
+              <a:solidFill>
                 <a:schemeClr val="tx1"/>
-              </a:fontRef>
-            </p:style>
-          </p:cxnSp>
-          <p:cxnSp>
-            <p:nvCxnSpPr>
-              <p:cNvPr id="71" name="직선 화살표 연결선 70"/>
-              <p:cNvCxnSpPr>
-                <a:stCxn id="85" idx="2"/>
-              </p:cNvCxnSpPr>
-              <p:nvPr/>
-            </p:nvCxnSpPr>
-            <p:spPr>
-              <a:xfrm flipH="1">
-                <a:off x="2177664" y="1168842"/>
-                <a:ext cx="1623059" cy="2164743"/>
-              </a:xfrm>
-              <a:prstGeom prst="straightConnector1">
-                <a:avLst/>
-              </a:prstGeom>
-              <a:ln>
-                <a:solidFill>
-                  <a:schemeClr val="tx1"/>
-                </a:solidFill>
-                <a:tailEnd type="triangle"/>
-              </a:ln>
-            </p:spPr>
-            <p:style>
-              <a:lnRef idx="1">
-                <a:schemeClr val="accent1"/>
-              </a:lnRef>
-              <a:fillRef idx="0">
-                <a:schemeClr val="accent1"/>
-              </a:fillRef>
-              <a:effectRef idx="0">
-                <a:schemeClr val="accent1"/>
-              </a:effectRef>
-              <a:fontRef idx="minor">
+              </a:solidFill>
+            </a:ln>
+          </p:spPr>
+          <p:style>
+            <a:lnRef idx="2">
+              <a:schemeClr val="accent1">
+                <a:shade val="50000"/>
+              </a:schemeClr>
+            </a:lnRef>
+            <a:fillRef idx="1">
+              <a:schemeClr val="accent1"/>
+            </a:fillRef>
+            <a:effectRef idx="0">
+              <a:schemeClr val="accent1"/>
+            </a:effectRef>
+            <a:fontRef idx="minor">
+              <a:schemeClr val="lt1"/>
+            </a:fontRef>
+          </p:style>
+          <p:txBody>
+            <a:bodyPr rtlCol="0" anchor="ctr"/>
+            <a:lstStyle/>
+            <a:p>
+              <a:pPr algn="ctr"/>
+              <a:endParaRPr lang="ko-KR" altLang="en-US"/>
+            </a:p>
+          </p:txBody>
+        </p:sp>
+        <p:sp>
+          <p:nvSpPr>
+            <p:cNvPr id="51" name="직사각형 50"/>
+            <p:cNvSpPr/>
+            <p:nvPr/>
+          </p:nvSpPr>
+          <p:spPr>
+            <a:xfrm>
+              <a:off x="7765104" y="3545805"/>
+              <a:ext cx="407184" cy="399501"/>
+            </a:xfrm>
+            <a:prstGeom prst="rect">
+              <a:avLst/>
+            </a:prstGeom>
+            <a:solidFill>
+              <a:srgbClr val="7030A0"/>
+            </a:solidFill>
+            <a:ln>
+              <a:solidFill>
                 <a:schemeClr val="tx1"/>
-              </a:fontRef>
-            </p:style>
-          </p:cxnSp>
-          <p:sp>
-            <p:nvSpPr>
-              <p:cNvPr id="72" name="TextBox 71"/>
-              <p:cNvSpPr txBox="1"/>
-              <p:nvPr/>
-            </p:nvSpPr>
-            <p:spPr>
-              <a:xfrm>
-                <a:off x="3396201" y="4208785"/>
-                <a:ext cx="1472980" cy="307777"/>
-              </a:xfrm>
-              <a:prstGeom prst="rect">
-                <a:avLst/>
-              </a:prstGeom>
-              <a:noFill/>
-            </p:spPr>
-            <p:txBody>
-              <a:bodyPr wrap="square" rtlCol="0">
-                <a:spAutoFit/>
-              </a:bodyPr>
-              <a:lstStyle/>
-              <a:p>
-                <a:pPr algn="ctr"/>
-                <a:r>
-                  <a:rPr lang="en-US" altLang="ko-KR" sz="1400" dirty="0" err="1" smtClean="0"/>
-                  <a:t>gridDim.x</a:t>
-                </a:r>
-                <a:r>
-                  <a:rPr lang="en-US" altLang="ko-KR" sz="1400" dirty="0" smtClean="0"/>
-                  <a:t> = 2</a:t>
-                </a:r>
-                <a:endParaRPr lang="ko-KR" altLang="en-US" sz="1400" dirty="0"/>
-              </a:p>
-            </p:txBody>
-          </p:sp>
-          <p:cxnSp>
-            <p:nvCxnSpPr>
-              <p:cNvPr id="73" name="직선 연결선 72"/>
-              <p:cNvCxnSpPr/>
-              <p:nvPr/>
-            </p:nvCxnSpPr>
-            <p:spPr>
-              <a:xfrm>
-                <a:off x="1598212" y="3171543"/>
-                <a:ext cx="0" cy="1025718"/>
-              </a:xfrm>
-              <a:prstGeom prst="line">
-                <a:avLst/>
-              </a:prstGeom>
-              <a:ln>
-                <a:solidFill>
-                  <a:schemeClr val="tx1"/>
-                </a:solidFill>
-              </a:ln>
-            </p:spPr>
-            <p:style>
-              <a:lnRef idx="1">
-                <a:schemeClr val="accent1"/>
-              </a:lnRef>
-              <a:fillRef idx="0">
-                <a:schemeClr val="accent1"/>
-              </a:fillRef>
-              <a:effectRef idx="0">
-                <a:schemeClr val="accent1"/>
-              </a:effectRef>
-              <a:fontRef idx="minor">
+              </a:solidFill>
+            </a:ln>
+          </p:spPr>
+          <p:style>
+            <a:lnRef idx="2">
+              <a:schemeClr val="accent1">
+                <a:shade val="50000"/>
+              </a:schemeClr>
+            </a:lnRef>
+            <a:fillRef idx="1">
+              <a:schemeClr val="accent1"/>
+            </a:fillRef>
+            <a:effectRef idx="0">
+              <a:schemeClr val="accent1"/>
+            </a:effectRef>
+            <a:fontRef idx="minor">
+              <a:schemeClr val="lt1"/>
+            </a:fontRef>
+          </p:style>
+          <p:txBody>
+            <a:bodyPr rtlCol="0" anchor="ctr"/>
+            <a:lstStyle/>
+            <a:p>
+              <a:pPr algn="ctr"/>
+              <a:endParaRPr lang="ko-KR" altLang="en-US"/>
+            </a:p>
+          </p:txBody>
+        </p:sp>
+        <p:sp>
+          <p:nvSpPr>
+            <p:cNvPr id="52" name="직사각형 51"/>
+            <p:cNvSpPr/>
+            <p:nvPr/>
+          </p:nvSpPr>
+          <p:spPr>
+            <a:xfrm>
+              <a:off x="8172288" y="3545805"/>
+              <a:ext cx="407184" cy="399501"/>
+            </a:xfrm>
+            <a:prstGeom prst="rect">
+              <a:avLst/>
+            </a:prstGeom>
+            <a:solidFill>
+              <a:srgbClr val="FFC000"/>
+            </a:solidFill>
+            <a:ln>
+              <a:solidFill>
                 <a:schemeClr val="tx1"/>
-              </a:fontRef>
-            </p:style>
-          </p:cxnSp>
-          <p:sp>
-            <p:nvSpPr>
-              <p:cNvPr id="74" name="TextBox 73"/>
-              <p:cNvSpPr txBox="1"/>
-              <p:nvPr/>
-            </p:nvSpPr>
-            <p:spPr>
-              <a:xfrm>
-                <a:off x="861722" y="4190337"/>
-                <a:ext cx="1472980" cy="307777"/>
-              </a:xfrm>
-              <a:prstGeom prst="rect">
-                <a:avLst/>
-              </a:prstGeom>
-              <a:noFill/>
-            </p:spPr>
-            <p:txBody>
-              <a:bodyPr wrap="square" rtlCol="0">
-                <a:spAutoFit/>
-              </a:bodyPr>
-              <a:lstStyle/>
-              <a:p>
-                <a:pPr algn="ctr"/>
-                <a:r>
-                  <a:rPr lang="en-US" altLang="ko-KR" sz="1400" dirty="0" err="1" smtClean="0"/>
-                  <a:t>gridDim.x</a:t>
-                </a:r>
-                <a:r>
-                  <a:rPr lang="en-US" altLang="ko-KR" sz="1400" dirty="0" smtClean="0"/>
-                  <a:t> = 0</a:t>
-                </a:r>
-                <a:endParaRPr lang="ko-KR" altLang="en-US" sz="1400" dirty="0"/>
-              </a:p>
-            </p:txBody>
-          </p:sp>
-        </p:grpSp>
+              </a:solidFill>
+            </a:ln>
+          </p:spPr>
+          <p:style>
+            <a:lnRef idx="2">
+              <a:schemeClr val="accent1">
+                <a:shade val="50000"/>
+              </a:schemeClr>
+            </a:lnRef>
+            <a:fillRef idx="1">
+              <a:schemeClr val="accent1"/>
+            </a:fillRef>
+            <a:effectRef idx="0">
+              <a:schemeClr val="accent1"/>
+            </a:effectRef>
+            <a:fontRef idx="minor">
+              <a:schemeClr val="lt1"/>
+            </a:fontRef>
+          </p:style>
+          <p:txBody>
+            <a:bodyPr rtlCol="0" anchor="ctr"/>
+            <a:lstStyle/>
+            <a:p>
+              <a:pPr algn="ctr"/>
+              <a:endParaRPr lang="ko-KR" altLang="en-US"/>
+            </a:p>
+          </p:txBody>
+        </p:sp>
       </p:grpSp>
     </p:spTree>
     <p:extLst>
@@ -18927,7 +19284,7 @@
                                           </p:stCondLst>
                                         </p:cTn>
                                         <p:tgtEl>
-                                          <p:spTgt spid="56"/>
+                                          <p:spTgt spid="8"/>
                                         </p:tgtEl>
                                         <p:attrNameLst>
                                           <p:attrName>style.visibility</p:attrName>
@@ -18941,7 +19298,7 @@
                                       <p:cBhvr>
                                         <p:cTn id="7" dur="500"/>
                                         <p:tgtEl>
-                                          <p:spTgt spid="56"/>
+                                          <p:spTgt spid="8"/>
                                         </p:tgtEl>
                                       </p:cBhvr>
                                     </p:animEffect>

--- a/2팀_발표자료.pptx
+++ b/2팀_발표자료.pptx
@@ -5,7 +5,7 @@
     <p:sldMasterId id="2147483648" r:id="rId1"/>
   </p:sldMasterIdLst>
   <p:notesMasterIdLst>
-    <p:notesMasterId r:id="rId18"/>
+    <p:notesMasterId r:id="rId17"/>
   </p:notesMasterIdLst>
   <p:sldIdLst>
     <p:sldId id="265" r:id="rId2"/>
@@ -16,27 +16,26 @@
     <p:sldId id="270" r:id="rId7"/>
     <p:sldId id="279" r:id="rId8"/>
     <p:sldId id="281" r:id="rId9"/>
-    <p:sldId id="283" r:id="rId10"/>
-    <p:sldId id="282" r:id="rId11"/>
-    <p:sldId id="284" r:id="rId12"/>
-    <p:sldId id="271" r:id="rId13"/>
-    <p:sldId id="285" r:id="rId14"/>
-    <p:sldId id="275" r:id="rId15"/>
-    <p:sldId id="272" r:id="rId16"/>
-    <p:sldId id="266" r:id="rId17"/>
+    <p:sldId id="282" r:id="rId10"/>
+    <p:sldId id="284" r:id="rId11"/>
+    <p:sldId id="271" r:id="rId12"/>
+    <p:sldId id="285" r:id="rId13"/>
+    <p:sldId id="275" r:id="rId14"/>
+    <p:sldId id="272" r:id="rId15"/>
+    <p:sldId id="266" r:id="rId16"/>
   </p:sldIdLst>
   <p:sldSz cx="12192000" cy="6858000"/>
   <p:notesSz cx="6858000" cy="9144000"/>
   <p:embeddedFontLst>
     <p:embeddedFont>
-      <p:font typeface="맑은 고딕" panose="020B0503020000020004" pitchFamily="50" charset="-127"/>
-      <p:regular r:id="rId19"/>
-      <p:bold r:id="rId20"/>
+      <p:font typeface="나눔바른고딕" panose="020B0603020101020101" pitchFamily="50" charset="-127"/>
+      <p:regular r:id="rId18"/>
+      <p:bold r:id="rId19"/>
     </p:embeddedFont>
     <p:embeddedFont>
-      <p:font typeface="나눔바른고딕" panose="020B0603020101020101" pitchFamily="50" charset="-127"/>
-      <p:regular r:id="rId21"/>
-      <p:bold r:id="rId22"/>
+      <p:font typeface="맑은 고딕" panose="020B0503020000020004" pitchFamily="50" charset="-127"/>
+      <p:regular r:id="rId20"/>
+      <p:bold r:id="rId21"/>
     </p:embeddedFont>
   </p:embeddedFontLst>
   <p:defaultTextStyle>
@@ -637,27 +636,27 @@
           <a:p>
             <a:r>
               <a:rPr lang="ko-KR" altLang="en-US" smtClean="0"/>
-              <a:t>현 프로젝트의 병렬화 전략</a:t>
+              <a:t>실행 결과 확인 및 검증 </a:t>
             </a:r>
             <a:r>
               <a:rPr lang="en-US" altLang="ko-KR" smtClean="0"/>
-              <a:t>, </a:t>
+              <a:t>( </a:t>
             </a:r>
             <a:r>
               <a:rPr lang="ko-KR" altLang="en-US" smtClean="0"/>
-              <a:t>코드 확인</a:t>
+              <a:t>실행 결과 출력 </a:t>
             </a:r>
             <a:r>
               <a:rPr lang="en-US" altLang="ko-KR" smtClean="0"/>
-              <a:t>,</a:t>
+              <a:t>+ </a:t>
+            </a:r>
+            <a:r>
+              <a:rPr lang="ko-KR" altLang="en-US" smtClean="0"/>
+              <a:t>데이터셋 비교 등</a:t>
             </a:r>
             <a:r>
               <a:rPr lang="en-US" altLang="ko-KR" baseline="0" smtClean="0"/>
-              <a:t> </a:t>
-            </a:r>
-            <a:r>
-              <a:rPr lang="ko-KR" altLang="en-US" smtClean="0"/>
-              <a:t>핵심 내용</a:t>
+              <a:t> )</a:t>
             </a:r>
             <a:endParaRPr lang="ko-KR" altLang="en-US"/>
           </a:p>
@@ -689,7 +688,7 @@
     </p:spTree>
     <p:extLst>
       <p:ext uri="{BB962C8B-B14F-4D97-AF65-F5344CB8AC3E}">
-        <p14:creationId xmlns:p14="http://schemas.microsoft.com/office/powerpoint/2010/main" val="1275010211"/>
+        <p14:creationId xmlns:p14="http://schemas.microsoft.com/office/powerpoint/2010/main" val="385542365"/>
       </p:ext>
     </p:extLst>
   </p:cSld>
@@ -797,7 +796,7 @@
     </p:spTree>
     <p:extLst>
       <p:ext uri="{BB962C8B-B14F-4D97-AF65-F5344CB8AC3E}">
-        <p14:creationId xmlns:p14="http://schemas.microsoft.com/office/powerpoint/2010/main" val="385542365"/>
+        <p14:creationId xmlns:p14="http://schemas.microsoft.com/office/powerpoint/2010/main" val="3547651748"/>
       </p:ext>
     </p:extLst>
   </p:cSld>
@@ -853,27 +852,19 @@
           <a:p>
             <a:r>
               <a:rPr lang="ko-KR" altLang="en-US" smtClean="0"/>
-              <a:t>실행 결과 확인 및 검증 </a:t>
+              <a:t>프로젝트 실행 결과 예시로 해석</a:t>
             </a:r>
             <a:r>
               <a:rPr lang="en-US" altLang="ko-KR" smtClean="0"/>
-              <a:t>( </a:t>
-            </a:r>
-            <a:r>
-              <a:rPr lang="ko-KR" altLang="en-US" smtClean="0"/>
-              <a:t>실행 결과 출력 </a:t>
-            </a:r>
-            <a:r>
-              <a:rPr lang="en-US" altLang="ko-KR" smtClean="0"/>
-              <a:t>+ </a:t>
-            </a:r>
-            <a:r>
-              <a:rPr lang="ko-KR" altLang="en-US" smtClean="0"/>
-              <a:t>데이터셋 비교 등</a:t>
+              <a:t>,</a:t>
             </a:r>
             <a:r>
               <a:rPr lang="en-US" altLang="ko-KR" baseline="0" smtClean="0"/>
-              <a:t> )</a:t>
+              <a:t> </a:t>
+            </a:r>
+            <a:r>
+              <a:rPr lang="ko-KR" altLang="en-US" baseline="0" smtClean="0"/>
+              <a:t>분석</a:t>
             </a:r>
             <a:endParaRPr lang="ko-KR" altLang="en-US"/>
           </a:p>
@@ -905,7 +896,7 @@
     </p:spTree>
     <p:extLst>
       <p:ext uri="{BB962C8B-B14F-4D97-AF65-F5344CB8AC3E}">
-        <p14:creationId xmlns:p14="http://schemas.microsoft.com/office/powerpoint/2010/main" val="3547651748"/>
+        <p14:creationId xmlns:p14="http://schemas.microsoft.com/office/powerpoint/2010/main" val="2532345817"/>
       </p:ext>
     </p:extLst>
   </p:cSld>
@@ -961,19 +952,27 @@
           <a:p>
             <a:r>
               <a:rPr lang="ko-KR" altLang="en-US" smtClean="0"/>
-              <a:t>프로젝트 실행 결과 예시로 해석</a:t>
+              <a:t>프로젝트 결론 및 한계점 </a:t>
             </a:r>
             <a:r>
               <a:rPr lang="en-US" altLang="ko-KR" smtClean="0"/>
-              <a:t>,</a:t>
-            </a:r>
-            <a:r>
-              <a:rPr lang="en-US" altLang="ko-KR" baseline="0" smtClean="0"/>
-              <a:t> </a:t>
-            </a:r>
-            <a:r>
-              <a:rPr lang="ko-KR" altLang="en-US" baseline="0" smtClean="0"/>
-              <a:t>분석</a:t>
+              <a:t>( </a:t>
+            </a:r>
+            <a:r>
+              <a:rPr lang="ko-KR" altLang="en-US" smtClean="0"/>
+              <a:t>프로젝트 최종 성능 비교</a:t>
+            </a:r>
+            <a:r>
+              <a:rPr lang="en-US" altLang="ko-KR" smtClean="0"/>
+              <a:t>, </a:t>
+            </a:r>
+            <a:r>
+              <a:rPr lang="ko-KR" altLang="en-US" smtClean="0"/>
+              <a:t>데이터셋 규모 </a:t>
+            </a:r>
+            <a:r>
+              <a:rPr lang="en-US" altLang="ko-KR" smtClean="0"/>
+              <a:t>)</a:t>
             </a:r>
             <a:endParaRPr lang="ko-KR" altLang="en-US"/>
           </a:p>
@@ -1005,7 +1004,7 @@
     </p:spTree>
     <p:extLst>
       <p:ext uri="{BB962C8B-B14F-4D97-AF65-F5344CB8AC3E}">
-        <p14:creationId xmlns:p14="http://schemas.microsoft.com/office/powerpoint/2010/main" val="2532345817"/>
+        <p14:creationId xmlns:p14="http://schemas.microsoft.com/office/powerpoint/2010/main" val="414838592"/>
       </p:ext>
     </p:extLst>
   </p:cSld>
@@ -1061,27 +1060,27 @@
           <a:p>
             <a:r>
               <a:rPr lang="ko-KR" altLang="en-US" smtClean="0"/>
-              <a:t>프로젝트 결론 및 한계점 </a:t>
+              <a:t>한화 </a:t>
             </a:r>
             <a:r>
               <a:rPr lang="en-US" altLang="ko-KR" smtClean="0"/>
-              <a:t>( </a:t>
+              <a:t>18</a:t>
             </a:r>
             <a:r>
               <a:rPr lang="ko-KR" altLang="en-US" smtClean="0"/>
-              <a:t>프로젝트 최종 성능 비교</a:t>
+              <a:t>연패 탈출</a:t>
             </a:r>
             <a:r>
               <a:rPr lang="en-US" altLang="ko-KR" smtClean="0"/>
-              <a:t>, </a:t>
+              <a:t>! </a:t>
             </a:r>
             <a:r>
               <a:rPr lang="ko-KR" altLang="en-US" smtClean="0"/>
-              <a:t>데이터셋 규모 </a:t>
+              <a:t>최강한화</a:t>
             </a:r>
             <a:r>
               <a:rPr lang="en-US" altLang="ko-KR" smtClean="0"/>
-              <a:t>)</a:t>
+              <a:t>!</a:t>
             </a:r>
             <a:endParaRPr lang="ko-KR" altLang="en-US"/>
           </a:p>
@@ -1105,114 +1104,6 @@
             <a:fld id="{AE6AAF12-C1EC-482C-9D59-170044D96721}" type="slidenum">
               <a:rPr lang="ko-KR" altLang="en-US" smtClean="0"/>
               <a:t>15</a:t>
-            </a:fld>
-            <a:endParaRPr lang="ko-KR" altLang="en-US"/>
-          </a:p>
-        </p:txBody>
-      </p:sp>
-    </p:spTree>
-    <p:extLst>
-      <p:ext uri="{BB962C8B-B14F-4D97-AF65-F5344CB8AC3E}">
-        <p14:creationId xmlns:p14="http://schemas.microsoft.com/office/powerpoint/2010/main" val="414838592"/>
-      </p:ext>
-    </p:extLst>
-  </p:cSld>
-  <p:clrMapOvr>
-    <a:masterClrMapping/>
-  </p:clrMapOvr>
-</p:notes>
-</file>
-
-<file path=ppt/notesSlides/notesSlide15.xml><?xml version="1.0" encoding="utf-8"?>
-<p:notes xmlns:a="http://schemas.openxmlformats.org/drawingml/2006/main" xmlns:r="http://schemas.openxmlformats.org/officeDocument/2006/relationships" xmlns:p="http://schemas.openxmlformats.org/presentationml/2006/main">
-  <p:cSld>
-    <p:spTree>
-      <p:nvGrpSpPr>
-        <p:cNvPr id="1" name=""/>
-        <p:cNvGrpSpPr/>
-        <p:nvPr/>
-      </p:nvGrpSpPr>
-      <p:grpSpPr>
-        <a:xfrm>
-          <a:off x="0" y="0"/>
-          <a:ext cx="0" cy="0"/>
-          <a:chOff x="0" y="0"/>
-          <a:chExt cx="0" cy="0"/>
-        </a:xfrm>
-      </p:grpSpPr>
-      <p:sp>
-        <p:nvSpPr>
-          <p:cNvPr id="2" name="슬라이드 이미지 개체 틀 1"/>
-          <p:cNvSpPr>
-            <a:spLocks noGrp="1" noRot="1" noChangeAspect="1"/>
-          </p:cNvSpPr>
-          <p:nvPr>
-            <p:ph type="sldImg"/>
-          </p:nvPr>
-        </p:nvSpPr>
-        <p:spPr/>
-      </p:sp>
-      <p:sp>
-        <p:nvSpPr>
-          <p:cNvPr id="3" name="슬라이드 노트 개체 틀 2"/>
-          <p:cNvSpPr>
-            <a:spLocks noGrp="1"/>
-          </p:cNvSpPr>
-          <p:nvPr>
-            <p:ph type="body" idx="1"/>
-          </p:nvPr>
-        </p:nvSpPr>
-        <p:spPr/>
-        <p:txBody>
-          <a:bodyPr/>
-          <a:lstStyle/>
-          <a:p>
-            <a:r>
-              <a:rPr lang="ko-KR" altLang="en-US" smtClean="0"/>
-              <a:t>한화 </a:t>
-            </a:r>
-            <a:r>
-              <a:rPr lang="en-US" altLang="ko-KR" smtClean="0"/>
-              <a:t>18</a:t>
-            </a:r>
-            <a:r>
-              <a:rPr lang="ko-KR" altLang="en-US" smtClean="0"/>
-              <a:t>연패 탈출</a:t>
-            </a:r>
-            <a:r>
-              <a:rPr lang="en-US" altLang="ko-KR" smtClean="0"/>
-              <a:t>! </a:t>
-            </a:r>
-            <a:r>
-              <a:rPr lang="ko-KR" altLang="en-US" smtClean="0"/>
-              <a:t>최강한화</a:t>
-            </a:r>
-            <a:r>
-              <a:rPr lang="en-US" altLang="ko-KR" smtClean="0"/>
-              <a:t>!</a:t>
-            </a:r>
-            <a:endParaRPr lang="ko-KR" altLang="en-US"/>
-          </a:p>
-        </p:txBody>
-      </p:sp>
-      <p:sp>
-        <p:nvSpPr>
-          <p:cNvPr id="4" name="슬라이드 번호 개체 틀 3"/>
-          <p:cNvSpPr>
-            <a:spLocks noGrp="1"/>
-          </p:cNvSpPr>
-          <p:nvPr>
-            <p:ph type="sldNum" sz="quarter" idx="10"/>
-          </p:nvPr>
-        </p:nvSpPr>
-        <p:spPr/>
-        <p:txBody>
-          <a:bodyPr/>
-          <a:lstStyle/>
-          <a:p>
-            <a:fld id="{AE6AAF12-C1EC-482C-9D59-170044D96721}" type="slidenum">
-              <a:rPr lang="ko-KR" altLang="en-US" smtClean="0"/>
-              <a:t>16</a:t>
             </a:fld>
             <a:endParaRPr lang="ko-KR" altLang="en-US"/>
           </a:p>
@@ -2058,7 +1949,7 @@
     </p:spTree>
     <p:extLst>
       <p:ext uri="{BB962C8B-B14F-4D97-AF65-F5344CB8AC3E}">
-        <p14:creationId xmlns:p14="http://schemas.microsoft.com/office/powerpoint/2010/main" val="4015003044"/>
+        <p14:creationId xmlns:p14="http://schemas.microsoft.com/office/powerpoint/2010/main" val="2713729991"/>
       </p:ext>
     </p:extLst>
   </p:cSld>
@@ -2166,7 +2057,7 @@
     </p:spTree>
     <p:extLst>
       <p:ext uri="{BB962C8B-B14F-4D97-AF65-F5344CB8AC3E}">
-        <p14:creationId xmlns:p14="http://schemas.microsoft.com/office/powerpoint/2010/main" val="2713729991"/>
+        <p14:creationId xmlns:p14="http://schemas.microsoft.com/office/powerpoint/2010/main" val="1275010211"/>
       </p:ext>
     </p:extLst>
   </p:cSld>
@@ -5922,1347 +5813,6 @@
         <p:spPr>
           <a:xfrm>
             <a:off x="265282" y="724008"/>
-            <a:ext cx="5666936" cy="369332"/>
-          </a:xfrm>
-          <a:prstGeom prst="rect">
-            <a:avLst/>
-          </a:prstGeom>
-          <a:noFill/>
-        </p:spPr>
-        <p:txBody>
-          <a:bodyPr wrap="none" rtlCol="0">
-            <a:spAutoFit/>
-          </a:bodyPr>
-          <a:lstStyle/>
-          <a:p>
-            <a:r>
-              <a:rPr lang="en-US" altLang="ko-KR" b="1" smtClean="0">
-                <a:ln>
-                  <a:solidFill>
-                    <a:srgbClr val="3E3E3E">
-                      <a:alpha val="15000"/>
-                    </a:srgbClr>
-                  </a:solidFill>
-                </a:ln>
-                <a:solidFill>
-                  <a:srgbClr val="3E3E3E"/>
-                </a:solidFill>
-                <a:latin typeface="나눔바른고딕" panose="020B0603020101020101" pitchFamily="50" charset="-127"/>
-                <a:ea typeface="나눔바른고딕" panose="020B0603020101020101" pitchFamily="50" charset="-127"/>
-              </a:rPr>
-              <a:t>Parallelization on Current Project (CUDA), Reduction</a:t>
-            </a:r>
-            <a:endParaRPr lang="ko-KR" altLang="en-US" b="1" dirty="0">
-              <a:ln>
-                <a:solidFill>
-                  <a:srgbClr val="3E3E3E">
-                    <a:alpha val="15000"/>
-                  </a:srgbClr>
-                </a:solidFill>
-              </a:ln>
-              <a:solidFill>
-                <a:srgbClr val="3E3E3E"/>
-              </a:solidFill>
-              <a:latin typeface="나눔바른고딕" panose="020B0603020101020101" pitchFamily="50" charset="-127"/>
-              <a:ea typeface="나눔바른고딕" panose="020B0603020101020101" pitchFamily="50" charset="-127"/>
-            </a:endParaRPr>
-          </a:p>
-        </p:txBody>
-      </p:sp>
-      <p:grpSp>
-        <p:nvGrpSpPr>
-          <p:cNvPr id="14" name="그룹 13"/>
-          <p:cNvGrpSpPr/>
-          <p:nvPr/>
-        </p:nvGrpSpPr>
-        <p:grpSpPr>
-          <a:xfrm>
-            <a:off x="7053745" y="1614747"/>
-            <a:ext cx="4745521" cy="1271327"/>
-            <a:chOff x="2156168" y="4775198"/>
-            <a:chExt cx="7905755" cy="1323440"/>
-          </a:xfrm>
-        </p:grpSpPr>
-        <p:sp>
-          <p:nvSpPr>
-            <p:cNvPr id="15" name="TextBox 14">
-              <a:extLst>
-                <a:ext uri="{FF2B5EF4-FFF2-40B4-BE49-F238E27FC236}">
-                  <a16:creationId xmlns:a16="http://schemas.microsoft.com/office/drawing/2014/main" id="{58D490D0-D62D-4E8C-B667-3F1D31E4432B}"/>
-                </a:ext>
-              </a:extLst>
-            </p:cNvPr>
-            <p:cNvSpPr txBox="1"/>
-            <p:nvPr/>
-          </p:nvSpPr>
-          <p:spPr>
-            <a:xfrm>
-              <a:off x="2156168" y="4775199"/>
-              <a:ext cx="641522" cy="1323439"/>
-            </a:xfrm>
-            <a:prstGeom prst="rect">
-              <a:avLst/>
-            </a:prstGeom>
-            <a:noFill/>
-          </p:spPr>
-          <p:txBody>
-            <a:bodyPr wrap="none" rtlCol="0">
-              <a:spAutoFit/>
-            </a:bodyPr>
-            <a:lstStyle/>
-            <a:p>
-              <a:r>
-                <a:rPr lang="en-US" altLang="ko-KR" sz="8000" dirty="0">
-                  <a:latin typeface="나눔바른고딕" panose="020B0603020101020101" pitchFamily="50" charset="-127"/>
-                  <a:ea typeface="나눔바른고딕" panose="020B0603020101020101" pitchFamily="50" charset="-127"/>
-                </a:rPr>
-                <a:t>{</a:t>
-              </a:r>
-              <a:endParaRPr lang="ko-KR" altLang="en-US" sz="8000" dirty="0">
-                <a:latin typeface="나눔바른고딕" panose="020B0603020101020101" pitchFamily="50" charset="-127"/>
-                <a:ea typeface="나눔바른고딕" panose="020B0603020101020101" pitchFamily="50" charset="-127"/>
-              </a:endParaRPr>
-            </a:p>
-          </p:txBody>
-        </p:sp>
-        <p:sp>
-          <p:nvSpPr>
-            <p:cNvPr id="16" name="TextBox 15">
-              <a:extLst>
-                <a:ext uri="{FF2B5EF4-FFF2-40B4-BE49-F238E27FC236}">
-                  <a16:creationId xmlns:a16="http://schemas.microsoft.com/office/drawing/2014/main" id="{6AA6DCAD-95C3-44F9-8A70-A855D56A50BA}"/>
-                </a:ext>
-              </a:extLst>
-            </p:cNvPr>
-            <p:cNvSpPr txBox="1"/>
-            <p:nvPr/>
-          </p:nvSpPr>
-          <p:spPr>
-            <a:xfrm>
-              <a:off x="9420401" y="4775198"/>
-              <a:ext cx="641522" cy="1323439"/>
-            </a:xfrm>
-            <a:prstGeom prst="rect">
-              <a:avLst/>
-            </a:prstGeom>
-            <a:noFill/>
-          </p:spPr>
-          <p:txBody>
-            <a:bodyPr wrap="none" rtlCol="0">
-              <a:spAutoFit/>
-            </a:bodyPr>
-            <a:lstStyle/>
-            <a:p>
-              <a:r>
-                <a:rPr lang="en-US" altLang="ko-KR" sz="8000" dirty="0">
-                  <a:latin typeface="나눔바른고딕" panose="020B0603020101020101" pitchFamily="50" charset="-127"/>
-                  <a:ea typeface="나눔바른고딕" panose="020B0603020101020101" pitchFamily="50" charset="-127"/>
-                </a:rPr>
-                <a:t>}</a:t>
-              </a:r>
-              <a:endParaRPr lang="ko-KR" altLang="en-US" sz="8000" dirty="0">
-                <a:latin typeface="나눔바른고딕" panose="020B0603020101020101" pitchFamily="50" charset="-127"/>
-                <a:ea typeface="나눔바른고딕" panose="020B0603020101020101" pitchFamily="50" charset="-127"/>
-              </a:endParaRPr>
-            </a:p>
-          </p:txBody>
-        </p:sp>
-        <p:sp>
-          <p:nvSpPr>
-            <p:cNvPr id="17" name="TextBox 16">
-              <a:extLst>
-                <a:ext uri="{FF2B5EF4-FFF2-40B4-BE49-F238E27FC236}">
-                  <a16:creationId xmlns:a16="http://schemas.microsoft.com/office/drawing/2014/main" id="{BFAEF279-7169-49CA-B433-C5E737906B60}"/>
-                </a:ext>
-              </a:extLst>
-            </p:cNvPr>
-            <p:cNvSpPr txBox="1"/>
-            <p:nvPr/>
-          </p:nvSpPr>
-          <p:spPr>
-            <a:xfrm>
-              <a:off x="3076517" y="4978194"/>
-              <a:ext cx="6474177" cy="961178"/>
-            </a:xfrm>
-            <a:prstGeom prst="rect">
-              <a:avLst/>
-            </a:prstGeom>
-            <a:noFill/>
-          </p:spPr>
-          <p:txBody>
-            <a:bodyPr wrap="square" rtlCol="0">
-              <a:spAutoFit/>
-            </a:bodyPr>
-            <a:lstStyle/>
-            <a:p>
-              <a:pPr algn="just"/>
-              <a:r>
-                <a:rPr lang="en-US" altLang="ko-KR" smtClean="0">
-                  <a:ln>
-                    <a:solidFill>
-                      <a:srgbClr val="3E3E3E">
-                        <a:alpha val="15000"/>
-                      </a:srgbClr>
-                    </a:solidFill>
-                  </a:ln>
-                  <a:solidFill>
-                    <a:srgbClr val="3E3E3E"/>
-                  </a:solidFill>
-                  <a:latin typeface="나눔바른고딕" panose="020B0603020101020101" pitchFamily="50" charset="-127"/>
-                  <a:ea typeface="나눔바른고딕" panose="020B0603020101020101" pitchFamily="50" charset="-127"/>
-                </a:rPr>
-                <a:t> Summation </a:t>
-              </a:r>
-              <a:r>
-                <a:rPr lang="ko-KR" altLang="en-US" smtClean="0">
-                  <a:ln>
-                    <a:solidFill>
-                      <a:srgbClr val="3E3E3E">
-                        <a:alpha val="15000"/>
-                      </a:srgbClr>
-                    </a:solidFill>
-                  </a:ln>
-                  <a:solidFill>
-                    <a:srgbClr val="3E3E3E"/>
-                  </a:solidFill>
-                  <a:latin typeface="나눔바른고딕" panose="020B0603020101020101" pitchFamily="50" charset="-127"/>
-                  <a:ea typeface="나눔바른고딕" panose="020B0603020101020101" pitchFamily="50" charset="-127"/>
-                </a:rPr>
-                <a:t>작업과 함께 </a:t>
-              </a:r>
-              <a:r>
-                <a:rPr lang="en-US" altLang="ko-KR" smtClean="0">
-                  <a:ln>
-                    <a:solidFill>
-                      <a:srgbClr val="3E3E3E">
-                        <a:alpha val="15000"/>
-                      </a:srgbClr>
-                    </a:solidFill>
-                  </a:ln>
-                  <a:solidFill>
-                    <a:srgbClr val="3E3E3E"/>
-                  </a:solidFill>
-                  <a:latin typeface="나눔바른고딕" panose="020B0603020101020101" pitchFamily="50" charset="-127"/>
-                  <a:ea typeface="나눔바른고딕" panose="020B0603020101020101" pitchFamily="50" charset="-127"/>
-                </a:rPr>
-                <a:t>Reduction </a:t>
-              </a:r>
-              <a:r>
-                <a:rPr lang="ko-KR" altLang="en-US" smtClean="0">
-                  <a:ln>
-                    <a:solidFill>
-                      <a:srgbClr val="3E3E3E">
-                        <a:alpha val="15000"/>
-                      </a:srgbClr>
-                    </a:solidFill>
-                  </a:ln>
-                  <a:solidFill>
-                    <a:srgbClr val="3E3E3E"/>
-                  </a:solidFill>
-                  <a:latin typeface="나눔바른고딕" panose="020B0603020101020101" pitchFamily="50" charset="-127"/>
-                  <a:ea typeface="나눔바른고딕" panose="020B0603020101020101" pitchFamily="50" charset="-127"/>
-                </a:rPr>
-                <a:t>수행을 위한 전처리 작업을 마쳐놓았기에 </a:t>
-              </a:r>
-              <a:r>
-                <a:rPr lang="en-US" altLang="ko-KR" spc="-150" smtClean="0">
-                  <a:ln>
-                    <a:solidFill>
-                      <a:srgbClr val="3E3E3E">
-                        <a:alpha val="15000"/>
-                      </a:srgbClr>
-                    </a:solidFill>
-                  </a:ln>
-                  <a:solidFill>
-                    <a:srgbClr val="3E3E3E"/>
-                  </a:solidFill>
-                  <a:latin typeface="나눔바른고딕" panose="020B0603020101020101" pitchFamily="50" charset="-127"/>
-                  <a:ea typeface="나눔바른고딕" panose="020B0603020101020101" pitchFamily="50" charset="-127"/>
-                </a:rPr>
-                <a:t>Block</a:t>
-              </a:r>
-              <a:r>
-                <a:rPr lang="en-US" altLang="ko-KR" smtClean="0">
-                  <a:ln>
-                    <a:solidFill>
-                      <a:srgbClr val="3E3E3E">
-                        <a:alpha val="15000"/>
-                      </a:srgbClr>
-                    </a:solidFill>
-                  </a:ln>
-                  <a:solidFill>
-                    <a:srgbClr val="3E3E3E"/>
-                  </a:solidFill>
-                  <a:latin typeface="나눔바른고딕" panose="020B0603020101020101" pitchFamily="50" charset="-127"/>
-                  <a:ea typeface="나눔바른고딕" panose="020B0603020101020101" pitchFamily="50" charset="-127"/>
-                </a:rPr>
-                <a:t> </a:t>
-              </a:r>
-              <a:r>
-                <a:rPr lang="ko-KR" altLang="en-US" smtClean="0">
-                  <a:ln>
-                    <a:solidFill>
-                      <a:srgbClr val="3E3E3E">
-                        <a:alpha val="15000"/>
-                      </a:srgbClr>
-                    </a:solidFill>
-                  </a:ln>
-                  <a:solidFill>
-                    <a:srgbClr val="3E3E3E"/>
-                  </a:solidFill>
-                  <a:latin typeface="나눔바른고딕" panose="020B0603020101020101" pitchFamily="50" charset="-127"/>
-                  <a:ea typeface="나눔바른고딕" panose="020B0603020101020101" pitchFamily="50" charset="-127"/>
-                </a:rPr>
-                <a:t>단위로 </a:t>
-              </a:r>
-              <a:r>
-                <a:rPr lang="en-US" altLang="ko-KR" spc="-150" smtClean="0">
-                  <a:ln>
-                    <a:solidFill>
-                      <a:srgbClr val="3E3E3E">
-                        <a:alpha val="15000"/>
-                      </a:srgbClr>
-                    </a:solidFill>
-                  </a:ln>
-                  <a:solidFill>
-                    <a:srgbClr val="3E3E3E"/>
-                  </a:solidFill>
-                  <a:latin typeface="나눔바른고딕" panose="020B0603020101020101" pitchFamily="50" charset="-127"/>
-                  <a:ea typeface="나눔바른고딕" panose="020B0603020101020101" pitchFamily="50" charset="-127"/>
-                </a:rPr>
-                <a:t>Reduction</a:t>
-              </a:r>
-              <a:r>
-                <a:rPr lang="ko-KR" altLang="en-US" smtClean="0">
-                  <a:ln>
-                    <a:solidFill>
-                      <a:srgbClr val="3E3E3E">
-                        <a:alpha val="15000"/>
-                      </a:srgbClr>
-                    </a:solidFill>
-                  </a:ln>
-                  <a:solidFill>
-                    <a:srgbClr val="3E3E3E"/>
-                  </a:solidFill>
-                  <a:latin typeface="나눔바른고딕" panose="020B0603020101020101" pitchFamily="50" charset="-127"/>
-                  <a:ea typeface="나눔바른고딕" panose="020B0603020101020101" pitchFamily="50" charset="-127"/>
-                </a:rPr>
-                <a:t>을 적용할 수 있다</a:t>
-              </a:r>
-              <a:r>
-                <a:rPr lang="en-US" altLang="ko-KR" smtClean="0">
-                  <a:ln>
-                    <a:solidFill>
-                      <a:srgbClr val="3E3E3E">
-                        <a:alpha val="15000"/>
-                      </a:srgbClr>
-                    </a:solidFill>
-                  </a:ln>
-                  <a:solidFill>
-                    <a:srgbClr val="3E3E3E"/>
-                  </a:solidFill>
-                  <a:latin typeface="나눔바른고딕" panose="020B0603020101020101" pitchFamily="50" charset="-127"/>
-                  <a:ea typeface="나눔바른고딕" panose="020B0603020101020101" pitchFamily="50" charset="-127"/>
-                </a:rPr>
-                <a:t>.</a:t>
-              </a:r>
-              <a:endParaRPr lang="ko-KR" altLang="en-US" dirty="0">
-                <a:ln>
-                  <a:solidFill>
-                    <a:srgbClr val="3E3E3E">
-                      <a:alpha val="15000"/>
-                    </a:srgbClr>
-                  </a:solidFill>
-                </a:ln>
-                <a:solidFill>
-                  <a:srgbClr val="3E3E3E"/>
-                </a:solidFill>
-                <a:latin typeface="나눔바른고딕" panose="020B0603020101020101" pitchFamily="50" charset="-127"/>
-                <a:ea typeface="나눔바른고딕" panose="020B0603020101020101" pitchFamily="50" charset="-127"/>
-              </a:endParaRPr>
-            </a:p>
-          </p:txBody>
-        </p:sp>
-      </p:grpSp>
-      <p:grpSp>
-        <p:nvGrpSpPr>
-          <p:cNvPr id="18" name="그룹 17"/>
-          <p:cNvGrpSpPr/>
-          <p:nvPr/>
-        </p:nvGrpSpPr>
-        <p:grpSpPr>
-          <a:xfrm>
-            <a:off x="7053745" y="3095204"/>
-            <a:ext cx="4745521" cy="1271327"/>
-            <a:chOff x="2156168" y="4775198"/>
-            <a:chExt cx="7905755" cy="1323440"/>
-          </a:xfrm>
-        </p:grpSpPr>
-        <p:sp>
-          <p:nvSpPr>
-            <p:cNvPr id="19" name="TextBox 18">
-              <a:extLst>
-                <a:ext uri="{FF2B5EF4-FFF2-40B4-BE49-F238E27FC236}">
-                  <a16:creationId xmlns:a16="http://schemas.microsoft.com/office/drawing/2014/main" id="{58D490D0-D62D-4E8C-B667-3F1D31E4432B}"/>
-                </a:ext>
-              </a:extLst>
-            </p:cNvPr>
-            <p:cNvSpPr txBox="1"/>
-            <p:nvPr/>
-          </p:nvSpPr>
-          <p:spPr>
-            <a:xfrm>
-              <a:off x="2156168" y="4775199"/>
-              <a:ext cx="641522" cy="1323439"/>
-            </a:xfrm>
-            <a:prstGeom prst="rect">
-              <a:avLst/>
-            </a:prstGeom>
-            <a:noFill/>
-          </p:spPr>
-          <p:txBody>
-            <a:bodyPr wrap="none" rtlCol="0">
-              <a:spAutoFit/>
-            </a:bodyPr>
-            <a:lstStyle/>
-            <a:p>
-              <a:r>
-                <a:rPr lang="en-US" altLang="ko-KR" sz="8000" dirty="0">
-                  <a:latin typeface="나눔바른고딕" panose="020B0603020101020101" pitchFamily="50" charset="-127"/>
-                  <a:ea typeface="나눔바른고딕" panose="020B0603020101020101" pitchFamily="50" charset="-127"/>
-                </a:rPr>
-                <a:t>{</a:t>
-              </a:r>
-              <a:endParaRPr lang="ko-KR" altLang="en-US" sz="8000" dirty="0">
-                <a:latin typeface="나눔바른고딕" panose="020B0603020101020101" pitchFamily="50" charset="-127"/>
-                <a:ea typeface="나눔바른고딕" panose="020B0603020101020101" pitchFamily="50" charset="-127"/>
-              </a:endParaRPr>
-            </a:p>
-          </p:txBody>
-        </p:sp>
-        <p:sp>
-          <p:nvSpPr>
-            <p:cNvPr id="27" name="TextBox 26">
-              <a:extLst>
-                <a:ext uri="{FF2B5EF4-FFF2-40B4-BE49-F238E27FC236}">
-                  <a16:creationId xmlns:a16="http://schemas.microsoft.com/office/drawing/2014/main" id="{6AA6DCAD-95C3-44F9-8A70-A855D56A50BA}"/>
-                </a:ext>
-              </a:extLst>
-            </p:cNvPr>
-            <p:cNvSpPr txBox="1"/>
-            <p:nvPr/>
-          </p:nvSpPr>
-          <p:spPr>
-            <a:xfrm>
-              <a:off x="9420401" y="4775198"/>
-              <a:ext cx="641522" cy="1323439"/>
-            </a:xfrm>
-            <a:prstGeom prst="rect">
-              <a:avLst/>
-            </a:prstGeom>
-            <a:noFill/>
-          </p:spPr>
-          <p:txBody>
-            <a:bodyPr wrap="none" rtlCol="0">
-              <a:spAutoFit/>
-            </a:bodyPr>
-            <a:lstStyle/>
-            <a:p>
-              <a:r>
-                <a:rPr lang="en-US" altLang="ko-KR" sz="8000" dirty="0">
-                  <a:latin typeface="나눔바른고딕" panose="020B0603020101020101" pitchFamily="50" charset="-127"/>
-                  <a:ea typeface="나눔바른고딕" panose="020B0603020101020101" pitchFamily="50" charset="-127"/>
-                </a:rPr>
-                <a:t>}</a:t>
-              </a:r>
-              <a:endParaRPr lang="ko-KR" altLang="en-US" sz="8000" dirty="0">
-                <a:latin typeface="나눔바른고딕" panose="020B0603020101020101" pitchFamily="50" charset="-127"/>
-                <a:ea typeface="나눔바른고딕" panose="020B0603020101020101" pitchFamily="50" charset="-127"/>
-              </a:endParaRPr>
-            </a:p>
-          </p:txBody>
-        </p:sp>
-        <p:sp>
-          <p:nvSpPr>
-            <p:cNvPr id="29" name="TextBox 28">
-              <a:extLst>
-                <a:ext uri="{FF2B5EF4-FFF2-40B4-BE49-F238E27FC236}">
-                  <a16:creationId xmlns:a16="http://schemas.microsoft.com/office/drawing/2014/main" id="{BFAEF279-7169-49CA-B433-C5E737906B60}"/>
-                </a:ext>
-              </a:extLst>
-            </p:cNvPr>
-            <p:cNvSpPr txBox="1"/>
-            <p:nvPr/>
-          </p:nvSpPr>
-          <p:spPr>
-            <a:xfrm>
-              <a:off x="3076517" y="4978194"/>
-              <a:ext cx="6474177" cy="961178"/>
-            </a:xfrm>
-            <a:prstGeom prst="rect">
-              <a:avLst/>
-            </a:prstGeom>
-            <a:noFill/>
-          </p:spPr>
-          <p:txBody>
-            <a:bodyPr wrap="square" rtlCol="0">
-              <a:spAutoFit/>
-            </a:bodyPr>
-            <a:lstStyle/>
-            <a:p>
-              <a:pPr algn="just"/>
-              <a:r>
-                <a:rPr lang="en-US" altLang="ko-KR" smtClean="0">
-                  <a:ln>
-                    <a:solidFill>
-                      <a:srgbClr val="3E3E3E">
-                        <a:alpha val="15000"/>
-                      </a:srgbClr>
-                    </a:solidFill>
-                  </a:ln>
-                  <a:solidFill>
-                    <a:srgbClr val="3E3E3E"/>
-                  </a:solidFill>
-                  <a:latin typeface="나눔바른고딕" panose="020B0603020101020101" pitchFamily="50" charset="-127"/>
-                  <a:ea typeface="나눔바른고딕" panose="020B0603020101020101" pitchFamily="50" charset="-127"/>
-                </a:rPr>
-                <a:t>res</a:t>
-              </a:r>
-              <a:r>
-                <a:rPr lang="ko-KR" altLang="en-US" smtClean="0">
-                  <a:ln>
-                    <a:solidFill>
-                      <a:srgbClr val="3E3E3E">
-                        <a:alpha val="15000"/>
-                      </a:srgbClr>
-                    </a:solidFill>
-                  </a:ln>
-                  <a:solidFill>
-                    <a:srgbClr val="3E3E3E"/>
-                  </a:solidFill>
-                  <a:latin typeface="나눔바른고딕" panose="020B0603020101020101" pitchFamily="50" charset="-127"/>
-                  <a:ea typeface="나눔바른고딕" panose="020B0603020101020101" pitchFamily="50" charset="-127"/>
-                </a:rPr>
-                <a:t>는 </a:t>
-              </a:r>
-              <a:r>
-                <a:rPr lang="en-US" altLang="ko-KR" smtClean="0">
-                  <a:ln>
-                    <a:solidFill>
-                      <a:srgbClr val="3E3E3E">
-                        <a:alpha val="15000"/>
-                      </a:srgbClr>
-                    </a:solidFill>
-                  </a:ln>
-                  <a:solidFill>
-                    <a:srgbClr val="3E3E3E"/>
-                  </a:solidFill>
-                  <a:latin typeface="나눔바른고딕" panose="020B0603020101020101" pitchFamily="50" charset="-127"/>
-                  <a:ea typeface="나눔바른고딕" panose="020B0603020101020101" pitchFamily="50" charset="-127"/>
-                </a:rPr>
-                <a:t>B</a:t>
-              </a:r>
-              <a:r>
-                <a:rPr lang="ko-KR" altLang="en-US" smtClean="0">
-                  <a:ln>
-                    <a:solidFill>
-                      <a:srgbClr val="3E3E3E">
-                        <a:alpha val="15000"/>
-                      </a:srgbClr>
-                    </a:solidFill>
-                  </a:ln>
-                  <a:solidFill>
-                    <a:srgbClr val="3E3E3E"/>
-                  </a:solidFill>
-                  <a:latin typeface="나눔바른고딕" panose="020B0603020101020101" pitchFamily="50" charset="-127"/>
-                  <a:ea typeface="나눔바른고딕" panose="020B0603020101020101" pitchFamily="50" charset="-127"/>
-                </a:rPr>
-                <a:t>의 한 인덱스가 행을 나눈 </a:t>
-              </a:r>
-              <a:r>
-                <a:rPr lang="en-US" altLang="ko-KR" smtClean="0">
-                  <a:ln>
-                    <a:solidFill>
-                      <a:srgbClr val="3E3E3E">
-                        <a:alpha val="15000"/>
-                      </a:srgbClr>
-                    </a:solidFill>
-                  </a:ln>
-                  <a:solidFill>
-                    <a:srgbClr val="3E3E3E"/>
-                  </a:solidFill>
-                  <a:latin typeface="나눔바른고딕" panose="020B0603020101020101" pitchFamily="50" charset="-127"/>
-                  <a:ea typeface="나눔바른고딕" panose="020B0603020101020101" pitchFamily="50" charset="-127"/>
-                </a:rPr>
-                <a:t>gridSize</a:t>
-              </a:r>
-              <a:r>
-                <a:rPr lang="ko-KR" altLang="en-US" smtClean="0">
-                  <a:ln>
-                    <a:solidFill>
-                      <a:srgbClr val="3E3E3E">
-                        <a:alpha val="15000"/>
-                      </a:srgbClr>
-                    </a:solidFill>
-                  </a:ln>
-                  <a:solidFill>
-                    <a:srgbClr val="3E3E3E"/>
-                  </a:solidFill>
-                  <a:latin typeface="나눔바른고딕" panose="020B0603020101020101" pitchFamily="50" charset="-127"/>
-                  <a:ea typeface="나눔바른고딕" panose="020B0603020101020101" pitchFamily="50" charset="-127"/>
-                </a:rPr>
-                <a:t>만큼 배치되어 있으므로 </a:t>
-              </a:r>
-              <a:r>
-                <a:rPr lang="en-US" altLang="ko-KR" smtClean="0">
-                  <a:ln>
-                    <a:solidFill>
-                      <a:srgbClr val="3E3E3E">
-                        <a:alpha val="15000"/>
-                      </a:srgbClr>
-                    </a:solidFill>
-                  </a:ln>
-                  <a:solidFill>
-                    <a:srgbClr val="3E3E3E"/>
-                  </a:solidFill>
-                  <a:latin typeface="나눔바른고딕" panose="020B0603020101020101" pitchFamily="50" charset="-127"/>
-                  <a:ea typeface="나눔바른고딕" panose="020B0603020101020101" pitchFamily="50" charset="-127"/>
-                </a:rPr>
-                <a:t>11…1, 22…2, 33…3</a:t>
-              </a:r>
-              <a:r>
-                <a:rPr lang="ko-KR" altLang="en-US" smtClean="0">
-                  <a:ln>
-                    <a:solidFill>
-                      <a:srgbClr val="3E3E3E">
-                        <a:alpha val="15000"/>
-                      </a:srgbClr>
-                    </a:solidFill>
-                  </a:ln>
-                  <a:solidFill>
-                    <a:srgbClr val="3E3E3E"/>
-                  </a:solidFill>
-                  <a:latin typeface="나눔바른고딕" panose="020B0603020101020101" pitchFamily="50" charset="-127"/>
-                  <a:ea typeface="나눔바른고딕" panose="020B0603020101020101" pitchFamily="50" charset="-127"/>
-                </a:rPr>
-                <a:t>의 형태를 이룬다</a:t>
-              </a:r>
-              <a:r>
-                <a:rPr lang="en-US" altLang="ko-KR" smtClean="0">
-                  <a:ln>
-                    <a:solidFill>
-                      <a:srgbClr val="3E3E3E">
-                        <a:alpha val="15000"/>
-                      </a:srgbClr>
-                    </a:solidFill>
-                  </a:ln>
-                  <a:solidFill>
-                    <a:srgbClr val="3E3E3E"/>
-                  </a:solidFill>
-                  <a:latin typeface="나눔바른고딕" panose="020B0603020101020101" pitchFamily="50" charset="-127"/>
-                  <a:ea typeface="나눔바른고딕" panose="020B0603020101020101" pitchFamily="50" charset="-127"/>
-                </a:rPr>
-                <a:t>.</a:t>
-              </a:r>
-              <a:endParaRPr lang="ko-KR" altLang="en-US" dirty="0">
-                <a:ln>
-                  <a:solidFill>
-                    <a:srgbClr val="3E3E3E">
-                      <a:alpha val="15000"/>
-                    </a:srgbClr>
-                  </a:solidFill>
-                </a:ln>
-                <a:solidFill>
-                  <a:srgbClr val="3E3E3E"/>
-                </a:solidFill>
-                <a:latin typeface="나눔바른고딕" panose="020B0603020101020101" pitchFamily="50" charset="-127"/>
-                <a:ea typeface="나눔바른고딕" panose="020B0603020101020101" pitchFamily="50" charset="-127"/>
-              </a:endParaRPr>
-            </a:p>
-          </p:txBody>
-        </p:sp>
-      </p:grpSp>
-      <p:grpSp>
-        <p:nvGrpSpPr>
-          <p:cNvPr id="30" name="그룹 29"/>
-          <p:cNvGrpSpPr/>
-          <p:nvPr/>
-        </p:nvGrpSpPr>
-        <p:grpSpPr>
-          <a:xfrm>
-            <a:off x="7053745" y="4575662"/>
-            <a:ext cx="4745521" cy="1271327"/>
-            <a:chOff x="2156168" y="4775198"/>
-            <a:chExt cx="7905755" cy="1323440"/>
-          </a:xfrm>
-        </p:grpSpPr>
-        <p:sp>
-          <p:nvSpPr>
-            <p:cNvPr id="31" name="TextBox 30">
-              <a:extLst>
-                <a:ext uri="{FF2B5EF4-FFF2-40B4-BE49-F238E27FC236}">
-                  <a16:creationId xmlns:a16="http://schemas.microsoft.com/office/drawing/2014/main" id="{58D490D0-D62D-4E8C-B667-3F1D31E4432B}"/>
-                </a:ext>
-              </a:extLst>
-            </p:cNvPr>
-            <p:cNvSpPr txBox="1"/>
-            <p:nvPr/>
-          </p:nvSpPr>
-          <p:spPr>
-            <a:xfrm>
-              <a:off x="2156168" y="4775199"/>
-              <a:ext cx="641522" cy="1323439"/>
-            </a:xfrm>
-            <a:prstGeom prst="rect">
-              <a:avLst/>
-            </a:prstGeom>
-            <a:noFill/>
-          </p:spPr>
-          <p:txBody>
-            <a:bodyPr wrap="none" rtlCol="0">
-              <a:spAutoFit/>
-            </a:bodyPr>
-            <a:lstStyle/>
-            <a:p>
-              <a:r>
-                <a:rPr lang="en-US" altLang="ko-KR" sz="8000" dirty="0">
-                  <a:latin typeface="나눔바른고딕" panose="020B0603020101020101" pitchFamily="50" charset="-127"/>
-                  <a:ea typeface="나눔바른고딕" panose="020B0603020101020101" pitchFamily="50" charset="-127"/>
-                </a:rPr>
-                <a:t>{</a:t>
-              </a:r>
-              <a:endParaRPr lang="ko-KR" altLang="en-US" sz="8000" dirty="0">
-                <a:latin typeface="나눔바른고딕" panose="020B0603020101020101" pitchFamily="50" charset="-127"/>
-                <a:ea typeface="나눔바른고딕" panose="020B0603020101020101" pitchFamily="50" charset="-127"/>
-              </a:endParaRPr>
-            </a:p>
-          </p:txBody>
-        </p:sp>
-        <p:sp>
-          <p:nvSpPr>
-            <p:cNvPr id="32" name="TextBox 31">
-              <a:extLst>
-                <a:ext uri="{FF2B5EF4-FFF2-40B4-BE49-F238E27FC236}">
-                  <a16:creationId xmlns:a16="http://schemas.microsoft.com/office/drawing/2014/main" id="{6AA6DCAD-95C3-44F9-8A70-A855D56A50BA}"/>
-                </a:ext>
-              </a:extLst>
-            </p:cNvPr>
-            <p:cNvSpPr txBox="1"/>
-            <p:nvPr/>
-          </p:nvSpPr>
-          <p:spPr>
-            <a:xfrm>
-              <a:off x="9420401" y="4775198"/>
-              <a:ext cx="641522" cy="1323439"/>
-            </a:xfrm>
-            <a:prstGeom prst="rect">
-              <a:avLst/>
-            </a:prstGeom>
-            <a:noFill/>
-          </p:spPr>
-          <p:txBody>
-            <a:bodyPr wrap="none" rtlCol="0">
-              <a:spAutoFit/>
-            </a:bodyPr>
-            <a:lstStyle/>
-            <a:p>
-              <a:r>
-                <a:rPr lang="en-US" altLang="ko-KR" sz="8000" dirty="0">
-                  <a:latin typeface="나눔바른고딕" panose="020B0603020101020101" pitchFamily="50" charset="-127"/>
-                  <a:ea typeface="나눔바른고딕" panose="020B0603020101020101" pitchFamily="50" charset="-127"/>
-                </a:rPr>
-                <a:t>}</a:t>
-              </a:r>
-              <a:endParaRPr lang="ko-KR" altLang="en-US" sz="8000" dirty="0">
-                <a:latin typeface="나눔바른고딕" panose="020B0603020101020101" pitchFamily="50" charset="-127"/>
-                <a:ea typeface="나눔바른고딕" panose="020B0603020101020101" pitchFamily="50" charset="-127"/>
-              </a:endParaRPr>
-            </a:p>
-          </p:txBody>
-        </p:sp>
-        <p:sp>
-          <p:nvSpPr>
-            <p:cNvPr id="33" name="TextBox 32">
-              <a:extLst>
-                <a:ext uri="{FF2B5EF4-FFF2-40B4-BE49-F238E27FC236}">
-                  <a16:creationId xmlns:a16="http://schemas.microsoft.com/office/drawing/2014/main" id="{BFAEF279-7169-49CA-B433-C5E737906B60}"/>
-                </a:ext>
-              </a:extLst>
-            </p:cNvPr>
-            <p:cNvSpPr txBox="1"/>
-            <p:nvPr/>
-          </p:nvSpPr>
-          <p:spPr>
-            <a:xfrm>
-              <a:off x="3076517" y="4978194"/>
-              <a:ext cx="6474177" cy="961178"/>
-            </a:xfrm>
-            <a:prstGeom prst="rect">
-              <a:avLst/>
-            </a:prstGeom>
-            <a:noFill/>
-          </p:spPr>
-          <p:txBody>
-            <a:bodyPr wrap="square" rtlCol="0">
-              <a:spAutoFit/>
-            </a:bodyPr>
-            <a:lstStyle/>
-            <a:p>
-              <a:pPr algn="just"/>
-              <a:r>
-                <a:rPr lang="ko-KR" altLang="en-US" smtClean="0">
-                  <a:ln>
-                    <a:solidFill>
-                      <a:srgbClr val="3E3E3E">
-                        <a:alpha val="15000"/>
-                      </a:srgbClr>
-                    </a:solidFill>
-                  </a:ln>
-                  <a:solidFill>
-                    <a:srgbClr val="3E3E3E"/>
-                  </a:solidFill>
-                  <a:latin typeface="나눔바른고딕" panose="020B0603020101020101" pitchFamily="50" charset="-127"/>
-                  <a:ea typeface="나눔바른고딕" panose="020B0603020101020101" pitchFamily="50" charset="-127"/>
-                </a:rPr>
-                <a:t> 즉</a:t>
-              </a:r>
-              <a:r>
-                <a:rPr lang="en-US" altLang="ko-KR" smtClean="0">
-                  <a:ln>
-                    <a:solidFill>
-                      <a:srgbClr val="3E3E3E">
-                        <a:alpha val="15000"/>
-                      </a:srgbClr>
-                    </a:solidFill>
-                  </a:ln>
-                  <a:solidFill>
-                    <a:srgbClr val="3E3E3E"/>
-                  </a:solidFill>
-                  <a:latin typeface="나눔바른고딕" panose="020B0603020101020101" pitchFamily="50" charset="-127"/>
-                  <a:ea typeface="나눔바른고딕" panose="020B0603020101020101" pitchFamily="50" charset="-127"/>
-                </a:rPr>
-                <a:t>, blockSize</a:t>
-              </a:r>
-              <a:r>
-                <a:rPr lang="ko-KR" altLang="en-US" smtClean="0">
-                  <a:ln>
-                    <a:solidFill>
-                      <a:srgbClr val="3E3E3E">
-                        <a:alpha val="15000"/>
-                      </a:srgbClr>
-                    </a:solidFill>
-                  </a:ln>
-                  <a:solidFill>
-                    <a:srgbClr val="3E3E3E"/>
-                  </a:solidFill>
-                  <a:latin typeface="나눔바른고딕" panose="020B0603020101020101" pitchFamily="50" charset="-127"/>
-                  <a:ea typeface="나눔바른고딕" panose="020B0603020101020101" pitchFamily="50" charset="-127"/>
-                </a:rPr>
-                <a:t>를 </a:t>
-              </a:r>
-              <a:r>
-                <a:rPr lang="en-US" altLang="ko-KR" smtClean="0">
-                  <a:ln>
-                    <a:solidFill>
-                      <a:srgbClr val="3E3E3E">
-                        <a:alpha val="15000"/>
-                      </a:srgbClr>
-                    </a:solidFill>
-                  </a:ln>
-                  <a:solidFill>
-                    <a:srgbClr val="3E3E3E"/>
-                  </a:solidFill>
-                  <a:latin typeface="나눔바른고딕" panose="020B0603020101020101" pitchFamily="50" charset="-127"/>
-                  <a:ea typeface="나눔바른고딕" panose="020B0603020101020101" pitchFamily="50" charset="-127"/>
-                </a:rPr>
-                <a:t>gridSize</a:t>
-              </a:r>
-              <a:r>
-                <a:rPr lang="ko-KR" altLang="en-US" smtClean="0">
-                  <a:ln>
-                    <a:solidFill>
-                      <a:srgbClr val="3E3E3E">
-                        <a:alpha val="15000"/>
-                      </a:srgbClr>
-                    </a:solidFill>
-                  </a:ln>
-                  <a:solidFill>
-                    <a:srgbClr val="3E3E3E"/>
-                  </a:solidFill>
-                  <a:latin typeface="나눔바른고딕" panose="020B0603020101020101" pitchFamily="50" charset="-127"/>
-                  <a:ea typeface="나눔바른고딕" panose="020B0603020101020101" pitchFamily="50" charset="-127"/>
-                </a:rPr>
-                <a:t>로 잡아 </a:t>
-              </a:r>
-              <a:r>
-                <a:rPr lang="en-US" altLang="ko-KR" smtClean="0">
-                  <a:ln>
-                    <a:solidFill>
-                      <a:srgbClr val="3E3E3E">
-                        <a:alpha val="15000"/>
-                      </a:srgbClr>
-                    </a:solidFill>
-                  </a:ln>
-                  <a:solidFill>
-                    <a:srgbClr val="3E3E3E"/>
-                  </a:solidFill>
-                  <a:latin typeface="나눔바른고딕" panose="020B0603020101020101" pitchFamily="50" charset="-127"/>
-                  <a:ea typeface="나눔바른고딕" panose="020B0603020101020101" pitchFamily="50" charset="-127"/>
-                </a:rPr>
-                <a:t>reduction</a:t>
-              </a:r>
-              <a:r>
-                <a:rPr lang="ko-KR" altLang="en-US" smtClean="0">
-                  <a:ln>
-                    <a:solidFill>
-                      <a:srgbClr val="3E3E3E">
-                        <a:alpha val="15000"/>
-                      </a:srgbClr>
-                    </a:solidFill>
-                  </a:ln>
-                  <a:solidFill>
-                    <a:srgbClr val="3E3E3E"/>
-                  </a:solidFill>
-                  <a:latin typeface="나눔바른고딕" panose="020B0603020101020101" pitchFamily="50" charset="-127"/>
-                  <a:ea typeface="나눔바른고딕" panose="020B0603020101020101" pitchFamily="50" charset="-127"/>
-                </a:rPr>
-                <a:t>을 수행해주면 된다</a:t>
-              </a:r>
-              <a:r>
-                <a:rPr lang="en-US" altLang="ko-KR" smtClean="0">
-                  <a:ln>
-                    <a:solidFill>
-                      <a:srgbClr val="3E3E3E">
-                        <a:alpha val="15000"/>
-                      </a:srgbClr>
-                    </a:solidFill>
-                  </a:ln>
-                  <a:solidFill>
-                    <a:srgbClr val="3E3E3E"/>
-                  </a:solidFill>
-                  <a:latin typeface="나눔바른고딕" panose="020B0603020101020101" pitchFamily="50" charset="-127"/>
-                  <a:ea typeface="나눔바른고딕" panose="020B0603020101020101" pitchFamily="50" charset="-127"/>
-                </a:rPr>
-                <a:t>.</a:t>
-              </a:r>
-              <a:r>
-                <a:rPr lang="ko-KR" altLang="en-US" smtClean="0">
-                  <a:ln>
-                    <a:solidFill>
-                      <a:srgbClr val="3E3E3E">
-                        <a:alpha val="15000"/>
-                      </a:srgbClr>
-                    </a:solidFill>
-                  </a:ln>
-                  <a:solidFill>
-                    <a:srgbClr val="3E3E3E"/>
-                  </a:solidFill>
-                  <a:latin typeface="나눔바른고딕" panose="020B0603020101020101" pitchFamily="50" charset="-127"/>
-                  <a:ea typeface="나눔바른고딕" panose="020B0603020101020101" pitchFamily="50" charset="-127"/>
-                </a:rPr>
-                <a:t>결과 값을 </a:t>
-              </a:r>
-              <a:r>
-                <a:rPr lang="en-US" altLang="ko-KR" smtClean="0">
-                  <a:ln>
-                    <a:solidFill>
-                      <a:srgbClr val="3E3E3E">
-                        <a:alpha val="15000"/>
-                      </a:srgbClr>
-                    </a:solidFill>
-                  </a:ln>
-                  <a:solidFill>
-                    <a:srgbClr val="3E3E3E"/>
-                  </a:solidFill>
-                  <a:latin typeface="나눔바른고딕" panose="020B0603020101020101" pitchFamily="50" charset="-127"/>
-                  <a:ea typeface="나눔바른고딕" panose="020B0603020101020101" pitchFamily="50" charset="-127"/>
-                </a:rPr>
-                <a:t>B</a:t>
-              </a:r>
-              <a:r>
-                <a:rPr lang="ko-KR" altLang="en-US" smtClean="0">
-                  <a:ln>
-                    <a:solidFill>
-                      <a:srgbClr val="3E3E3E">
-                        <a:alpha val="15000"/>
-                      </a:srgbClr>
-                    </a:solidFill>
-                  </a:ln>
-                  <a:solidFill>
-                    <a:srgbClr val="3E3E3E"/>
-                  </a:solidFill>
-                  <a:latin typeface="나눔바른고딕" panose="020B0603020101020101" pitchFamily="50" charset="-127"/>
-                  <a:ea typeface="나눔바른고딕" panose="020B0603020101020101" pitchFamily="50" charset="-127"/>
-                </a:rPr>
-                <a:t>에 대입할 때는 </a:t>
-              </a:r>
-              <a:r>
-                <a:rPr lang="en-US" altLang="ko-KR" smtClean="0">
-                  <a:ln>
-                    <a:solidFill>
-                      <a:srgbClr val="3E3E3E">
-                        <a:alpha val="15000"/>
-                      </a:srgbClr>
-                    </a:solidFill>
-                  </a:ln>
-                  <a:solidFill>
-                    <a:srgbClr val="3E3E3E"/>
-                  </a:solidFill>
-                  <a:latin typeface="나눔바른고딕" panose="020B0603020101020101" pitchFamily="50" charset="-127"/>
-                  <a:ea typeface="나눔바른고딕" panose="020B0603020101020101" pitchFamily="50" charset="-127"/>
-                </a:rPr>
-                <a:t>Indexing</a:t>
-              </a:r>
-              <a:r>
-                <a:rPr lang="ko-KR" altLang="en-US" smtClean="0">
-                  <a:ln>
-                    <a:solidFill>
-                      <a:srgbClr val="3E3E3E">
-                        <a:alpha val="15000"/>
-                      </a:srgbClr>
-                    </a:solidFill>
-                  </a:ln>
-                  <a:solidFill>
-                    <a:srgbClr val="3E3E3E"/>
-                  </a:solidFill>
-                  <a:latin typeface="나눔바른고딕" panose="020B0603020101020101" pitchFamily="50" charset="-127"/>
-                  <a:ea typeface="나눔바른고딕" panose="020B0603020101020101" pitchFamily="50" charset="-127"/>
-                </a:rPr>
-                <a:t>을 사용한다</a:t>
-              </a:r>
-              <a:r>
-                <a:rPr lang="en-US" altLang="ko-KR" smtClean="0">
-                  <a:ln>
-                    <a:solidFill>
-                      <a:srgbClr val="3E3E3E">
-                        <a:alpha val="15000"/>
-                      </a:srgbClr>
-                    </a:solidFill>
-                  </a:ln>
-                  <a:solidFill>
-                    <a:srgbClr val="3E3E3E"/>
-                  </a:solidFill>
-                  <a:latin typeface="나눔바른고딕" panose="020B0603020101020101" pitchFamily="50" charset="-127"/>
-                  <a:ea typeface="나눔바른고딕" panose="020B0603020101020101" pitchFamily="50" charset="-127"/>
-                </a:rPr>
-                <a:t>.</a:t>
-              </a:r>
-              <a:endParaRPr lang="ko-KR" altLang="en-US" dirty="0">
-                <a:ln>
-                  <a:solidFill>
-                    <a:srgbClr val="3E3E3E">
-                      <a:alpha val="15000"/>
-                    </a:srgbClr>
-                  </a:solidFill>
-                </a:ln>
-                <a:solidFill>
-                  <a:srgbClr val="3E3E3E"/>
-                </a:solidFill>
-                <a:latin typeface="나눔바른고딕" panose="020B0603020101020101" pitchFamily="50" charset="-127"/>
-                <a:ea typeface="나눔바른고딕" panose="020B0603020101020101" pitchFamily="50" charset="-127"/>
-              </a:endParaRPr>
-            </a:p>
-          </p:txBody>
-        </p:sp>
-      </p:grpSp>
-      <p:pic>
-        <p:nvPicPr>
-          <p:cNvPr id="4" name="그림 3"/>
-          <p:cNvPicPr>
-            <a:picLocks noChangeAspect="1"/>
-          </p:cNvPicPr>
-          <p:nvPr/>
-        </p:nvPicPr>
-        <p:blipFill>
-          <a:blip r:embed="rId4"/>
-          <a:stretch>
-            <a:fillRect/>
-          </a:stretch>
-        </p:blipFill>
-        <p:spPr>
-          <a:xfrm>
-            <a:off x="568849" y="1524940"/>
-            <a:ext cx="6317527" cy="4483974"/>
-          </a:xfrm>
-          <a:prstGeom prst="rect">
-            <a:avLst/>
-          </a:prstGeom>
-        </p:spPr>
-      </p:pic>
-      <p:pic>
-        <p:nvPicPr>
-          <p:cNvPr id="20" name="그림 19"/>
-          <p:cNvPicPr/>
-          <p:nvPr/>
-        </p:nvPicPr>
-        <p:blipFill>
-          <a:blip r:embed="rId5" cstate="print">
-            <a:extLst>
-              <a:ext uri="{28A0092B-C50C-407E-A947-70E740481C1C}">
-                <a14:useLocalDpi xmlns:a14="http://schemas.microsoft.com/office/drawing/2010/main" val="0"/>
-              </a:ext>
-            </a:extLst>
-          </a:blip>
-          <a:stretch>
-            <a:fillRect/>
-          </a:stretch>
-        </p:blipFill>
-        <p:spPr>
-          <a:xfrm>
-            <a:off x="648594" y="2142041"/>
-            <a:ext cx="6158036" cy="3219661"/>
-          </a:xfrm>
-          <a:prstGeom prst="rect">
-            <a:avLst/>
-          </a:prstGeom>
-          <a:effectLst>
-            <a:softEdge rad="25400"/>
-          </a:effectLst>
-        </p:spPr>
-      </p:pic>
-    </p:spTree>
-    <p:extLst>
-      <p:ext uri="{BB962C8B-B14F-4D97-AF65-F5344CB8AC3E}">
-        <p14:creationId xmlns:p14="http://schemas.microsoft.com/office/powerpoint/2010/main" val="2131721758"/>
-      </p:ext>
-    </p:extLst>
-  </p:cSld>
-  <p:clrMapOvr>
-    <a:overrideClrMapping bg1="lt1" tx1="dk1" bg2="lt2" tx2="dk2" accent1="accent1" accent2="accent2" accent3="accent3" accent4="accent4" accent5="accent5" accent6="accent6" hlink="hlink" folHlink="folHlink"/>
-  </p:clrMapOvr>
-  <p:timing>
-    <p:tnLst>
-      <p:par>
-        <p:cTn id="1" dur="indefinite" restart="never" nodeType="tmRoot">
-          <p:childTnLst>
-            <p:seq concurrent="1" nextAc="seek">
-              <p:cTn id="2" dur="indefinite" nodeType="mainSeq">
-                <p:childTnLst>
-                  <p:par>
-                    <p:cTn id="3" fill="hold">
-                      <p:stCondLst>
-                        <p:cond delay="indefinite"/>
-                      </p:stCondLst>
-                      <p:childTnLst>
-                        <p:par>
-                          <p:cTn id="4" fill="hold">
-                            <p:stCondLst>
-                              <p:cond delay="0"/>
-                            </p:stCondLst>
-                            <p:childTnLst>
-                              <p:par>
-                                <p:cTn id="5" presetID="10" presetClass="entr" presetSubtype="0" fill="hold" nodeType="clickEffect">
-                                  <p:stCondLst>
-                                    <p:cond delay="0"/>
-                                  </p:stCondLst>
-                                  <p:childTnLst>
-                                    <p:set>
-                                      <p:cBhvr>
-                                        <p:cTn id="6" dur="1" fill="hold">
-                                          <p:stCondLst>
-                                            <p:cond delay="0"/>
-                                          </p:stCondLst>
-                                        </p:cTn>
-                                        <p:tgtEl>
-                                          <p:spTgt spid="20"/>
-                                        </p:tgtEl>
-                                        <p:attrNameLst>
-                                          <p:attrName>style.visibility</p:attrName>
-                                        </p:attrNameLst>
-                                      </p:cBhvr>
-                                      <p:to>
-                                        <p:strVal val="visible"/>
-                                      </p:to>
-                                    </p:set>
-                                    <p:animEffect transition="in" filter="fade">
-                                      <p:cBhvr>
-                                        <p:cTn id="7" dur="500"/>
-                                        <p:tgtEl>
-                                          <p:spTgt spid="20"/>
-                                        </p:tgtEl>
-                                      </p:cBhvr>
-                                    </p:animEffect>
-                                  </p:childTnLst>
-                                </p:cTn>
-                              </p:par>
-                            </p:childTnLst>
-                          </p:cTn>
-                        </p:par>
-                      </p:childTnLst>
-                    </p:cTn>
-                  </p:par>
-                </p:childTnLst>
-              </p:cTn>
-              <p:prevCondLst>
-                <p:cond evt="onPrev" delay="0">
-                  <p:tgtEl>
-                    <p:sldTgt/>
-                  </p:tgtEl>
-                </p:cond>
-              </p:prevCondLst>
-              <p:nextCondLst>
-                <p:cond evt="onNext" delay="0">
-                  <p:tgtEl>
-                    <p:sldTgt/>
-                  </p:tgtEl>
-                </p:cond>
-              </p:nextCondLst>
-            </p:seq>
-          </p:childTnLst>
-        </p:cTn>
-      </p:par>
-    </p:tnLst>
-  </p:timing>
-</p:sld>
-</file>
-
-<file path=ppt/slides/slide11.xml><?xml version="1.0" encoding="utf-8"?>
-<p:sld xmlns:a="http://schemas.openxmlformats.org/drawingml/2006/main" xmlns:r="http://schemas.openxmlformats.org/officeDocument/2006/relationships" xmlns:p="http://schemas.openxmlformats.org/presentationml/2006/main">
-  <p:cSld>
-    <p:bg>
-      <p:bgPr>
-        <a:solidFill>
-          <a:schemeClr val="bg1">
-            <a:lumMod val="75000"/>
-          </a:schemeClr>
-        </a:solidFill>
-        <a:effectLst/>
-      </p:bgPr>
-    </p:bg>
-    <p:spTree>
-      <p:nvGrpSpPr>
-        <p:cNvPr id="1" name=""/>
-        <p:cNvGrpSpPr/>
-        <p:nvPr/>
-      </p:nvGrpSpPr>
-      <p:grpSpPr>
-        <a:xfrm>
-          <a:off x="0" y="0"/>
-          <a:ext cx="0" cy="0"/>
-          <a:chOff x="0" y="0"/>
-          <a:chExt cx="0" cy="0"/>
-        </a:xfrm>
-      </p:grpSpPr>
-      <p:cxnSp>
-        <p:nvCxnSpPr>
-          <p:cNvPr id="3" name="직선 연결선 2">
-            <a:extLst>
-              <a:ext uri="{FF2B5EF4-FFF2-40B4-BE49-F238E27FC236}">
-                <a16:creationId xmlns:a16="http://schemas.microsoft.com/office/drawing/2014/main" id="{51D07F56-3E7B-4782-AC2D-6DBE53F16CE9}"/>
-              </a:ext>
-            </a:extLst>
-          </p:cNvPr>
-          <p:cNvCxnSpPr>
-            <a:cxnSpLocks/>
-          </p:cNvCxnSpPr>
-          <p:nvPr/>
-        </p:nvCxnSpPr>
-        <p:spPr>
-          <a:xfrm flipH="1">
-            <a:off x="350354" y="681171"/>
-            <a:ext cx="11491292" cy="0"/>
-          </a:xfrm>
-          <a:prstGeom prst="line">
-            <a:avLst/>
-          </a:prstGeom>
-          <a:ln w="34925">
-            <a:solidFill>
-              <a:schemeClr val="tx1"/>
-            </a:solidFill>
-          </a:ln>
-        </p:spPr>
-        <p:style>
-          <a:lnRef idx="1">
-            <a:schemeClr val="accent1"/>
-          </a:lnRef>
-          <a:fillRef idx="0">
-            <a:schemeClr val="accent1"/>
-          </a:fillRef>
-          <a:effectRef idx="0">
-            <a:schemeClr val="accent1"/>
-          </a:effectRef>
-          <a:fontRef idx="minor">
-            <a:schemeClr val="tx1"/>
-          </a:fontRef>
-        </p:style>
-      </p:cxnSp>
-      <p:sp>
-        <p:nvSpPr>
-          <p:cNvPr id="5" name="TextBox 4">
-            <a:extLst>
-              <a:ext uri="{FF2B5EF4-FFF2-40B4-BE49-F238E27FC236}">
-                <a16:creationId xmlns:a16="http://schemas.microsoft.com/office/drawing/2014/main" id="{E929C2B7-D8C1-4B53-9D0C-FA77D83095C3}"/>
-              </a:ext>
-            </a:extLst>
-          </p:cNvPr>
-          <p:cNvSpPr txBox="1"/>
-          <p:nvPr/>
-        </p:nvSpPr>
-        <p:spPr>
-          <a:xfrm>
-            <a:off x="250767" y="157951"/>
-            <a:ext cx="4332596" cy="523220"/>
-          </a:xfrm>
-          <a:prstGeom prst="rect">
-            <a:avLst/>
-          </a:prstGeom>
-          <a:noFill/>
-        </p:spPr>
-        <p:txBody>
-          <a:bodyPr wrap="none" rtlCol="0">
-            <a:spAutoFit/>
-          </a:bodyPr>
-          <a:lstStyle/>
-          <a:p>
-            <a:r>
-              <a:rPr lang="en-US" altLang="ko-KR" sz="2800" b="1" smtClean="0">
-                <a:ln>
-                  <a:solidFill>
-                    <a:srgbClr val="3E3E3E">
-                      <a:alpha val="15000"/>
-                    </a:srgbClr>
-                  </a:solidFill>
-                </a:ln>
-                <a:solidFill>
-                  <a:srgbClr val="3E3E3E"/>
-                </a:solidFill>
-                <a:latin typeface="나눔바른고딕" panose="020B0603020101020101" pitchFamily="50" charset="-127"/>
-                <a:ea typeface="나눔바른고딕" panose="020B0603020101020101" pitchFamily="50" charset="-127"/>
-              </a:rPr>
-              <a:t>2. Parallelization Strategy</a:t>
-            </a:r>
-            <a:endParaRPr lang="ko-KR" altLang="en-US" sz="2800" b="1" dirty="0">
-              <a:ln>
-                <a:solidFill>
-                  <a:srgbClr val="3E3E3E">
-                    <a:alpha val="15000"/>
-                  </a:srgbClr>
-                </a:solidFill>
-              </a:ln>
-              <a:solidFill>
-                <a:srgbClr val="3E3E3E"/>
-              </a:solidFill>
-              <a:latin typeface="나눔바른고딕" panose="020B0603020101020101" pitchFamily="50" charset="-127"/>
-              <a:ea typeface="나눔바른고딕" panose="020B0603020101020101" pitchFamily="50" charset="-127"/>
-            </a:endParaRPr>
-          </a:p>
-        </p:txBody>
-      </p:sp>
-      <p:sp>
-        <p:nvSpPr>
-          <p:cNvPr id="6" name="TextBox 5">
-            <a:extLst>
-              <a:ext uri="{FF2B5EF4-FFF2-40B4-BE49-F238E27FC236}">
-                <a16:creationId xmlns:a16="http://schemas.microsoft.com/office/drawing/2014/main" id="{A4426C82-EFC9-4BF9-AA6B-69698539476F}"/>
-              </a:ext>
-            </a:extLst>
-          </p:cNvPr>
-          <p:cNvSpPr txBox="1"/>
-          <p:nvPr/>
-        </p:nvSpPr>
-        <p:spPr>
-          <a:xfrm>
-            <a:off x="265282" y="724008"/>
             <a:ext cx="5360891" cy="369332"/>
           </a:xfrm>
           <a:prstGeom prst="rect">
@@ -7708,7 +6258,7 @@
 </p:sld>
 </file>
 
-<file path=ppt/slides/slide12.xml><?xml version="1.0" encoding="utf-8"?>
+<file path=ppt/slides/slide11.xml><?xml version="1.0" encoding="utf-8"?>
 <p:sld xmlns:a="http://schemas.openxmlformats.org/drawingml/2006/main" xmlns:r="http://schemas.openxmlformats.org/officeDocument/2006/relationships" xmlns:p="http://schemas.openxmlformats.org/presentationml/2006/main">
   <p:cSld>
     <p:bg>
@@ -8363,7 +6913,7 @@
 </p:sld>
 </file>
 
-<file path=ppt/slides/slide13.xml><?xml version="1.0" encoding="utf-8"?>
+<file path=ppt/slides/slide12.xml><?xml version="1.0" encoding="utf-8"?>
 <p:sld xmlns:a="http://schemas.openxmlformats.org/drawingml/2006/main" xmlns:r="http://schemas.openxmlformats.org/officeDocument/2006/relationships" xmlns:p="http://schemas.openxmlformats.org/presentationml/2006/main">
   <p:cSld>
     <p:bg>
@@ -9012,7 +7562,7 @@
 </p:sld>
 </file>
 
-<file path=ppt/slides/slide14.xml><?xml version="1.0" encoding="utf-8"?>
+<file path=ppt/slides/slide13.xml><?xml version="1.0" encoding="utf-8"?>
 <p:sld xmlns:a="http://schemas.openxmlformats.org/drawingml/2006/main" xmlns:r="http://schemas.openxmlformats.org/officeDocument/2006/relationships" xmlns:p="http://schemas.openxmlformats.org/presentationml/2006/main">
   <p:cSld>
     <p:bg>
@@ -10077,7 +8627,7 @@
 </p:sld>
 </file>
 
-<file path=ppt/slides/slide15.xml><?xml version="1.0" encoding="utf-8"?>
+<file path=ppt/slides/slide14.xml><?xml version="1.0" encoding="utf-8"?>
 <p:sld xmlns:a="http://schemas.openxmlformats.org/drawingml/2006/main" xmlns:r="http://schemas.openxmlformats.org/officeDocument/2006/relationships" xmlns:p="http://schemas.openxmlformats.org/presentationml/2006/main">
   <p:cSld>
     <p:bg>
@@ -11880,7 +10430,7 @@
 </p:sld>
 </file>
 
-<file path=ppt/slides/slide16.xml><?xml version="1.0" encoding="utf-8"?>
+<file path=ppt/slides/slide15.xml><?xml version="1.0" encoding="utf-8"?>
 <p:sld xmlns:a="http://schemas.openxmlformats.org/drawingml/2006/main" xmlns:r="http://schemas.openxmlformats.org/officeDocument/2006/relationships" xmlns:p="http://schemas.openxmlformats.org/presentationml/2006/main">
   <p:cSld>
     <p:bg>
@@ -19483,7 +18033,7 @@
         <p:spPr>
           <a:xfrm>
             <a:off x="265282" y="724008"/>
-            <a:ext cx="5821465" cy="369332"/>
+            <a:ext cx="5666936" cy="369332"/>
           </a:xfrm>
           <a:prstGeom prst="rect">
             <a:avLst/>
@@ -19511,7 +18061,7 @@
                 <a:latin typeface="나눔바른고딕" panose="020B0603020101020101" pitchFamily="50" charset="-127"/>
                 <a:ea typeface="나눔바른고딕" panose="020B0603020101020101" pitchFamily="50" charset="-127"/>
               </a:rPr>
-              <a:t>Parallelization on Current Project (CUDA), Summation</a:t>
+              <a:t>Parallelization on Current Project (CUDA), Reduction</a:t>
             </a:r>
             <a:endParaRPr lang="ko-KR" altLang="en-US" b="1" dirty="0">
               <a:ln>
@@ -19532,21 +18082,21 @@
       </p:sp>
       <p:grpSp>
         <p:nvGrpSpPr>
-          <p:cNvPr id="20" name="그룹 19"/>
+          <p:cNvPr id="14" name="그룹 13"/>
           <p:cNvGrpSpPr/>
           <p:nvPr/>
         </p:nvGrpSpPr>
         <p:grpSpPr>
           <a:xfrm>
-            <a:off x="7103641" y="3112705"/>
-            <a:ext cx="5088359" cy="1477328"/>
-            <a:chOff x="2071211" y="4978194"/>
-            <a:chExt cx="8476905" cy="1537885"/>
+            <a:off x="7053745" y="1614747"/>
+            <a:ext cx="4745521" cy="1271327"/>
+            <a:chOff x="2156168" y="4775198"/>
+            <a:chExt cx="7905755" cy="1323440"/>
           </a:xfrm>
         </p:grpSpPr>
         <p:sp>
           <p:nvSpPr>
-            <p:cNvPr id="21" name="TextBox 20">
+            <p:cNvPr id="15" name="TextBox 14">
               <a:extLst>
                 <a:ext uri="{FF2B5EF4-FFF2-40B4-BE49-F238E27FC236}">
                   <a16:creationId xmlns:a16="http://schemas.microsoft.com/office/drawing/2014/main" id="{58D490D0-D62D-4E8C-B667-3F1D31E4432B}"/>
@@ -19558,8 +18108,8 @@
           </p:nvSpPr>
           <p:spPr>
             <a:xfrm>
-              <a:off x="2071211" y="4978194"/>
-              <a:ext cx="1146182" cy="1505845"/>
+              <a:off x="2156168" y="4775199"/>
+              <a:ext cx="641522" cy="1323439"/>
             </a:xfrm>
             <a:prstGeom prst="rect">
               <a:avLst/>
@@ -19573,13 +18123,13 @@
             <a:lstStyle/>
             <a:p>
               <a:r>
-                <a:rPr lang="en-US" altLang="ko-KR" sz="8800" dirty="0">
+                <a:rPr lang="en-US" altLang="ko-KR" sz="8000" dirty="0">
                   <a:latin typeface="나눔바른고딕" panose="020B0603020101020101" pitchFamily="50" charset="-127"/>
                   <a:ea typeface="나눔바른고딕" panose="020B0603020101020101" pitchFamily="50" charset="-127"/>
                 </a:rPr>
                 <a:t>{</a:t>
               </a:r>
-              <a:endParaRPr lang="ko-KR" altLang="en-US" sz="8800" dirty="0">
+              <a:endParaRPr lang="ko-KR" altLang="en-US" sz="8000" dirty="0">
                 <a:latin typeface="나눔바른고딕" panose="020B0603020101020101" pitchFamily="50" charset="-127"/>
                 <a:ea typeface="나눔바른고딕" panose="020B0603020101020101" pitchFamily="50" charset="-127"/>
               </a:endParaRPr>
@@ -19588,7 +18138,7 @@
         </p:sp>
         <p:sp>
           <p:nvSpPr>
-            <p:cNvPr id="22" name="TextBox 21">
+            <p:cNvPr id="16" name="TextBox 15">
               <a:extLst>
                 <a:ext uri="{FF2B5EF4-FFF2-40B4-BE49-F238E27FC236}">
                   <a16:creationId xmlns:a16="http://schemas.microsoft.com/office/drawing/2014/main" id="{6AA6DCAD-95C3-44F9-8A70-A855D56A50BA}"/>
@@ -19600,8 +18150,8 @@
           </p:nvSpPr>
           <p:spPr>
             <a:xfrm>
-              <a:off x="9401934" y="4978194"/>
-              <a:ext cx="1146182" cy="1505845"/>
+              <a:off x="9420401" y="4775198"/>
+              <a:ext cx="641522" cy="1323439"/>
             </a:xfrm>
             <a:prstGeom prst="rect">
               <a:avLst/>
@@ -19615,13 +18165,13 @@
             <a:lstStyle/>
             <a:p>
               <a:r>
-                <a:rPr lang="en-US" altLang="ko-KR" sz="8800" dirty="0">
+                <a:rPr lang="en-US" altLang="ko-KR" sz="8000" dirty="0">
                   <a:latin typeface="나눔바른고딕" panose="020B0603020101020101" pitchFamily="50" charset="-127"/>
                   <a:ea typeface="나눔바른고딕" panose="020B0603020101020101" pitchFamily="50" charset="-127"/>
                 </a:rPr>
                 <a:t>}</a:t>
               </a:r>
-              <a:endParaRPr lang="ko-KR" altLang="en-US" sz="8800" dirty="0">
+              <a:endParaRPr lang="ko-KR" altLang="en-US" sz="8000" dirty="0">
                 <a:latin typeface="나눔바른고딕" panose="020B0603020101020101" pitchFamily="50" charset="-127"/>
                 <a:ea typeface="나눔바른고딕" panose="020B0603020101020101" pitchFamily="50" charset="-127"/>
               </a:endParaRPr>
@@ -19630,7 +18180,7 @@
         </p:sp>
         <p:sp>
           <p:nvSpPr>
-            <p:cNvPr id="23" name="TextBox 22">
+            <p:cNvPr id="17" name="TextBox 16">
               <a:extLst>
                 <a:ext uri="{FF2B5EF4-FFF2-40B4-BE49-F238E27FC236}">
                   <a16:creationId xmlns:a16="http://schemas.microsoft.com/office/drawing/2014/main" id="{BFAEF279-7169-49CA-B433-C5E737906B60}"/>
@@ -19643,7 +18193,620 @@
           <p:spPr>
             <a:xfrm>
               <a:off x="3076517" y="4978194"/>
-              <a:ext cx="6474177" cy="1537885"/>
+              <a:ext cx="6474177" cy="961178"/>
+            </a:xfrm>
+            <a:prstGeom prst="rect">
+              <a:avLst/>
+            </a:prstGeom>
+            <a:noFill/>
+          </p:spPr>
+          <p:txBody>
+            <a:bodyPr wrap="square" rtlCol="0">
+              <a:spAutoFit/>
+            </a:bodyPr>
+            <a:lstStyle/>
+            <a:p>
+              <a:pPr algn="just"/>
+              <a:r>
+                <a:rPr lang="en-US" altLang="ko-KR" smtClean="0">
+                  <a:ln>
+                    <a:solidFill>
+                      <a:srgbClr val="3E3E3E">
+                        <a:alpha val="15000"/>
+                      </a:srgbClr>
+                    </a:solidFill>
+                  </a:ln>
+                  <a:solidFill>
+                    <a:srgbClr val="3E3E3E"/>
+                  </a:solidFill>
+                  <a:latin typeface="나눔바른고딕" panose="020B0603020101020101" pitchFamily="50" charset="-127"/>
+                  <a:ea typeface="나눔바른고딕" panose="020B0603020101020101" pitchFamily="50" charset="-127"/>
+                </a:rPr>
+                <a:t> Summation </a:t>
+              </a:r>
+              <a:r>
+                <a:rPr lang="ko-KR" altLang="en-US" smtClean="0">
+                  <a:ln>
+                    <a:solidFill>
+                      <a:srgbClr val="3E3E3E">
+                        <a:alpha val="15000"/>
+                      </a:srgbClr>
+                    </a:solidFill>
+                  </a:ln>
+                  <a:solidFill>
+                    <a:srgbClr val="3E3E3E"/>
+                  </a:solidFill>
+                  <a:latin typeface="나눔바른고딕" panose="020B0603020101020101" pitchFamily="50" charset="-127"/>
+                  <a:ea typeface="나눔바른고딕" panose="020B0603020101020101" pitchFamily="50" charset="-127"/>
+                </a:rPr>
+                <a:t>작업과 함께 </a:t>
+              </a:r>
+              <a:r>
+                <a:rPr lang="en-US" altLang="ko-KR" smtClean="0">
+                  <a:ln>
+                    <a:solidFill>
+                      <a:srgbClr val="3E3E3E">
+                        <a:alpha val="15000"/>
+                      </a:srgbClr>
+                    </a:solidFill>
+                  </a:ln>
+                  <a:solidFill>
+                    <a:srgbClr val="3E3E3E"/>
+                  </a:solidFill>
+                  <a:latin typeface="나눔바른고딕" panose="020B0603020101020101" pitchFamily="50" charset="-127"/>
+                  <a:ea typeface="나눔바른고딕" panose="020B0603020101020101" pitchFamily="50" charset="-127"/>
+                </a:rPr>
+                <a:t>Reduction </a:t>
+              </a:r>
+              <a:r>
+                <a:rPr lang="ko-KR" altLang="en-US" smtClean="0">
+                  <a:ln>
+                    <a:solidFill>
+                      <a:srgbClr val="3E3E3E">
+                        <a:alpha val="15000"/>
+                      </a:srgbClr>
+                    </a:solidFill>
+                  </a:ln>
+                  <a:solidFill>
+                    <a:srgbClr val="3E3E3E"/>
+                  </a:solidFill>
+                  <a:latin typeface="나눔바른고딕" panose="020B0603020101020101" pitchFamily="50" charset="-127"/>
+                  <a:ea typeface="나눔바른고딕" panose="020B0603020101020101" pitchFamily="50" charset="-127"/>
+                </a:rPr>
+                <a:t>수행을 위한 전처리 작업을 마쳐놓았기에 </a:t>
+              </a:r>
+              <a:r>
+                <a:rPr lang="en-US" altLang="ko-KR" spc="-150" smtClean="0">
+                  <a:ln>
+                    <a:solidFill>
+                      <a:srgbClr val="3E3E3E">
+                        <a:alpha val="15000"/>
+                      </a:srgbClr>
+                    </a:solidFill>
+                  </a:ln>
+                  <a:solidFill>
+                    <a:srgbClr val="3E3E3E"/>
+                  </a:solidFill>
+                  <a:latin typeface="나눔바른고딕" panose="020B0603020101020101" pitchFamily="50" charset="-127"/>
+                  <a:ea typeface="나눔바른고딕" panose="020B0603020101020101" pitchFamily="50" charset="-127"/>
+                </a:rPr>
+                <a:t>Block</a:t>
+              </a:r>
+              <a:r>
+                <a:rPr lang="en-US" altLang="ko-KR" smtClean="0">
+                  <a:ln>
+                    <a:solidFill>
+                      <a:srgbClr val="3E3E3E">
+                        <a:alpha val="15000"/>
+                      </a:srgbClr>
+                    </a:solidFill>
+                  </a:ln>
+                  <a:solidFill>
+                    <a:srgbClr val="3E3E3E"/>
+                  </a:solidFill>
+                  <a:latin typeface="나눔바른고딕" panose="020B0603020101020101" pitchFamily="50" charset="-127"/>
+                  <a:ea typeface="나눔바른고딕" panose="020B0603020101020101" pitchFamily="50" charset="-127"/>
+                </a:rPr>
+                <a:t> </a:t>
+              </a:r>
+              <a:r>
+                <a:rPr lang="ko-KR" altLang="en-US" smtClean="0">
+                  <a:ln>
+                    <a:solidFill>
+                      <a:srgbClr val="3E3E3E">
+                        <a:alpha val="15000"/>
+                      </a:srgbClr>
+                    </a:solidFill>
+                  </a:ln>
+                  <a:solidFill>
+                    <a:srgbClr val="3E3E3E"/>
+                  </a:solidFill>
+                  <a:latin typeface="나눔바른고딕" panose="020B0603020101020101" pitchFamily="50" charset="-127"/>
+                  <a:ea typeface="나눔바른고딕" panose="020B0603020101020101" pitchFamily="50" charset="-127"/>
+                </a:rPr>
+                <a:t>단위로 </a:t>
+              </a:r>
+              <a:r>
+                <a:rPr lang="en-US" altLang="ko-KR" spc="-150" smtClean="0">
+                  <a:ln>
+                    <a:solidFill>
+                      <a:srgbClr val="3E3E3E">
+                        <a:alpha val="15000"/>
+                      </a:srgbClr>
+                    </a:solidFill>
+                  </a:ln>
+                  <a:solidFill>
+                    <a:srgbClr val="3E3E3E"/>
+                  </a:solidFill>
+                  <a:latin typeface="나눔바른고딕" panose="020B0603020101020101" pitchFamily="50" charset="-127"/>
+                  <a:ea typeface="나눔바른고딕" panose="020B0603020101020101" pitchFamily="50" charset="-127"/>
+                </a:rPr>
+                <a:t>Reduction</a:t>
+              </a:r>
+              <a:r>
+                <a:rPr lang="ko-KR" altLang="en-US" smtClean="0">
+                  <a:ln>
+                    <a:solidFill>
+                      <a:srgbClr val="3E3E3E">
+                        <a:alpha val="15000"/>
+                      </a:srgbClr>
+                    </a:solidFill>
+                  </a:ln>
+                  <a:solidFill>
+                    <a:srgbClr val="3E3E3E"/>
+                  </a:solidFill>
+                  <a:latin typeface="나눔바른고딕" panose="020B0603020101020101" pitchFamily="50" charset="-127"/>
+                  <a:ea typeface="나눔바른고딕" panose="020B0603020101020101" pitchFamily="50" charset="-127"/>
+                </a:rPr>
+                <a:t>을 적용할 수 있다</a:t>
+              </a:r>
+              <a:r>
+                <a:rPr lang="en-US" altLang="ko-KR" smtClean="0">
+                  <a:ln>
+                    <a:solidFill>
+                      <a:srgbClr val="3E3E3E">
+                        <a:alpha val="15000"/>
+                      </a:srgbClr>
+                    </a:solidFill>
+                  </a:ln>
+                  <a:solidFill>
+                    <a:srgbClr val="3E3E3E"/>
+                  </a:solidFill>
+                  <a:latin typeface="나눔바른고딕" panose="020B0603020101020101" pitchFamily="50" charset="-127"/>
+                  <a:ea typeface="나눔바른고딕" panose="020B0603020101020101" pitchFamily="50" charset="-127"/>
+                </a:rPr>
+                <a:t>.</a:t>
+              </a:r>
+              <a:endParaRPr lang="ko-KR" altLang="en-US" dirty="0">
+                <a:ln>
+                  <a:solidFill>
+                    <a:srgbClr val="3E3E3E">
+                      <a:alpha val="15000"/>
+                    </a:srgbClr>
+                  </a:solidFill>
+                </a:ln>
+                <a:solidFill>
+                  <a:srgbClr val="3E3E3E"/>
+                </a:solidFill>
+                <a:latin typeface="나눔바른고딕" panose="020B0603020101020101" pitchFamily="50" charset="-127"/>
+                <a:ea typeface="나눔바른고딕" panose="020B0603020101020101" pitchFamily="50" charset="-127"/>
+              </a:endParaRPr>
+            </a:p>
+          </p:txBody>
+        </p:sp>
+      </p:grpSp>
+      <p:grpSp>
+        <p:nvGrpSpPr>
+          <p:cNvPr id="18" name="그룹 17"/>
+          <p:cNvGrpSpPr/>
+          <p:nvPr/>
+        </p:nvGrpSpPr>
+        <p:grpSpPr>
+          <a:xfrm>
+            <a:off x="7053745" y="3095204"/>
+            <a:ext cx="4745521" cy="1271327"/>
+            <a:chOff x="2156168" y="4775198"/>
+            <a:chExt cx="7905755" cy="1323440"/>
+          </a:xfrm>
+        </p:grpSpPr>
+        <p:sp>
+          <p:nvSpPr>
+            <p:cNvPr id="19" name="TextBox 18">
+              <a:extLst>
+                <a:ext uri="{FF2B5EF4-FFF2-40B4-BE49-F238E27FC236}">
+                  <a16:creationId xmlns:a16="http://schemas.microsoft.com/office/drawing/2014/main" id="{58D490D0-D62D-4E8C-B667-3F1D31E4432B}"/>
+                </a:ext>
+              </a:extLst>
+            </p:cNvPr>
+            <p:cNvSpPr txBox="1"/>
+            <p:nvPr/>
+          </p:nvSpPr>
+          <p:spPr>
+            <a:xfrm>
+              <a:off x="2156168" y="4775199"/>
+              <a:ext cx="641522" cy="1323439"/>
+            </a:xfrm>
+            <a:prstGeom prst="rect">
+              <a:avLst/>
+            </a:prstGeom>
+            <a:noFill/>
+          </p:spPr>
+          <p:txBody>
+            <a:bodyPr wrap="none" rtlCol="0">
+              <a:spAutoFit/>
+            </a:bodyPr>
+            <a:lstStyle/>
+            <a:p>
+              <a:r>
+                <a:rPr lang="en-US" altLang="ko-KR" sz="8000" dirty="0">
+                  <a:latin typeface="나눔바른고딕" panose="020B0603020101020101" pitchFamily="50" charset="-127"/>
+                  <a:ea typeface="나눔바른고딕" panose="020B0603020101020101" pitchFamily="50" charset="-127"/>
+                </a:rPr>
+                <a:t>{</a:t>
+              </a:r>
+              <a:endParaRPr lang="ko-KR" altLang="en-US" sz="8000" dirty="0">
+                <a:latin typeface="나눔바른고딕" panose="020B0603020101020101" pitchFamily="50" charset="-127"/>
+                <a:ea typeface="나눔바른고딕" panose="020B0603020101020101" pitchFamily="50" charset="-127"/>
+              </a:endParaRPr>
+            </a:p>
+          </p:txBody>
+        </p:sp>
+        <p:sp>
+          <p:nvSpPr>
+            <p:cNvPr id="27" name="TextBox 26">
+              <a:extLst>
+                <a:ext uri="{FF2B5EF4-FFF2-40B4-BE49-F238E27FC236}">
+                  <a16:creationId xmlns:a16="http://schemas.microsoft.com/office/drawing/2014/main" id="{6AA6DCAD-95C3-44F9-8A70-A855D56A50BA}"/>
+                </a:ext>
+              </a:extLst>
+            </p:cNvPr>
+            <p:cNvSpPr txBox="1"/>
+            <p:nvPr/>
+          </p:nvSpPr>
+          <p:spPr>
+            <a:xfrm>
+              <a:off x="9420401" y="4775198"/>
+              <a:ext cx="641522" cy="1323439"/>
+            </a:xfrm>
+            <a:prstGeom prst="rect">
+              <a:avLst/>
+            </a:prstGeom>
+            <a:noFill/>
+          </p:spPr>
+          <p:txBody>
+            <a:bodyPr wrap="none" rtlCol="0">
+              <a:spAutoFit/>
+            </a:bodyPr>
+            <a:lstStyle/>
+            <a:p>
+              <a:r>
+                <a:rPr lang="en-US" altLang="ko-KR" sz="8000" dirty="0">
+                  <a:latin typeface="나눔바른고딕" panose="020B0603020101020101" pitchFamily="50" charset="-127"/>
+                  <a:ea typeface="나눔바른고딕" panose="020B0603020101020101" pitchFamily="50" charset="-127"/>
+                </a:rPr>
+                <a:t>}</a:t>
+              </a:r>
+              <a:endParaRPr lang="ko-KR" altLang="en-US" sz="8000" dirty="0">
+                <a:latin typeface="나눔바른고딕" panose="020B0603020101020101" pitchFamily="50" charset="-127"/>
+                <a:ea typeface="나눔바른고딕" panose="020B0603020101020101" pitchFamily="50" charset="-127"/>
+              </a:endParaRPr>
+            </a:p>
+          </p:txBody>
+        </p:sp>
+        <p:sp>
+          <p:nvSpPr>
+            <p:cNvPr id="29" name="TextBox 28">
+              <a:extLst>
+                <a:ext uri="{FF2B5EF4-FFF2-40B4-BE49-F238E27FC236}">
+                  <a16:creationId xmlns:a16="http://schemas.microsoft.com/office/drawing/2014/main" id="{BFAEF279-7169-49CA-B433-C5E737906B60}"/>
+                </a:ext>
+              </a:extLst>
+            </p:cNvPr>
+            <p:cNvSpPr txBox="1"/>
+            <p:nvPr/>
+          </p:nvSpPr>
+          <p:spPr>
+            <a:xfrm>
+              <a:off x="3076517" y="4978194"/>
+              <a:ext cx="6474177" cy="961178"/>
+            </a:xfrm>
+            <a:prstGeom prst="rect">
+              <a:avLst/>
+            </a:prstGeom>
+            <a:noFill/>
+          </p:spPr>
+          <p:txBody>
+            <a:bodyPr wrap="square" rtlCol="0">
+              <a:spAutoFit/>
+            </a:bodyPr>
+            <a:lstStyle/>
+            <a:p>
+              <a:pPr algn="just"/>
+              <a:r>
+                <a:rPr lang="en-US" altLang="ko-KR" smtClean="0">
+                  <a:ln>
+                    <a:solidFill>
+                      <a:srgbClr val="3E3E3E">
+                        <a:alpha val="15000"/>
+                      </a:srgbClr>
+                    </a:solidFill>
+                  </a:ln>
+                  <a:solidFill>
+                    <a:srgbClr val="3E3E3E"/>
+                  </a:solidFill>
+                  <a:latin typeface="나눔바른고딕" panose="020B0603020101020101" pitchFamily="50" charset="-127"/>
+                  <a:ea typeface="나눔바른고딕" panose="020B0603020101020101" pitchFamily="50" charset="-127"/>
+                </a:rPr>
+                <a:t>res</a:t>
+              </a:r>
+              <a:r>
+                <a:rPr lang="ko-KR" altLang="en-US" smtClean="0">
+                  <a:ln>
+                    <a:solidFill>
+                      <a:srgbClr val="3E3E3E">
+                        <a:alpha val="15000"/>
+                      </a:srgbClr>
+                    </a:solidFill>
+                  </a:ln>
+                  <a:solidFill>
+                    <a:srgbClr val="3E3E3E"/>
+                  </a:solidFill>
+                  <a:latin typeface="나눔바른고딕" panose="020B0603020101020101" pitchFamily="50" charset="-127"/>
+                  <a:ea typeface="나눔바른고딕" panose="020B0603020101020101" pitchFamily="50" charset="-127"/>
+                </a:rPr>
+                <a:t>는 </a:t>
+              </a:r>
+              <a:r>
+                <a:rPr lang="en-US" altLang="ko-KR" smtClean="0">
+                  <a:ln>
+                    <a:solidFill>
+                      <a:srgbClr val="3E3E3E">
+                        <a:alpha val="15000"/>
+                      </a:srgbClr>
+                    </a:solidFill>
+                  </a:ln>
+                  <a:solidFill>
+                    <a:srgbClr val="3E3E3E"/>
+                  </a:solidFill>
+                  <a:latin typeface="나눔바른고딕" panose="020B0603020101020101" pitchFamily="50" charset="-127"/>
+                  <a:ea typeface="나눔바른고딕" panose="020B0603020101020101" pitchFamily="50" charset="-127"/>
+                </a:rPr>
+                <a:t>B</a:t>
+              </a:r>
+              <a:r>
+                <a:rPr lang="ko-KR" altLang="en-US" smtClean="0">
+                  <a:ln>
+                    <a:solidFill>
+                      <a:srgbClr val="3E3E3E">
+                        <a:alpha val="15000"/>
+                      </a:srgbClr>
+                    </a:solidFill>
+                  </a:ln>
+                  <a:solidFill>
+                    <a:srgbClr val="3E3E3E"/>
+                  </a:solidFill>
+                  <a:latin typeface="나눔바른고딕" panose="020B0603020101020101" pitchFamily="50" charset="-127"/>
+                  <a:ea typeface="나눔바른고딕" panose="020B0603020101020101" pitchFamily="50" charset="-127"/>
+                </a:rPr>
+                <a:t>의 한 인덱스가 행을 나눈 </a:t>
+              </a:r>
+              <a:r>
+                <a:rPr lang="en-US" altLang="ko-KR" smtClean="0">
+                  <a:ln>
+                    <a:solidFill>
+                      <a:srgbClr val="3E3E3E">
+                        <a:alpha val="15000"/>
+                      </a:srgbClr>
+                    </a:solidFill>
+                  </a:ln>
+                  <a:solidFill>
+                    <a:srgbClr val="3E3E3E"/>
+                  </a:solidFill>
+                  <a:latin typeface="나눔바른고딕" panose="020B0603020101020101" pitchFamily="50" charset="-127"/>
+                  <a:ea typeface="나눔바른고딕" panose="020B0603020101020101" pitchFamily="50" charset="-127"/>
+                </a:rPr>
+                <a:t>gridSize</a:t>
+              </a:r>
+              <a:r>
+                <a:rPr lang="ko-KR" altLang="en-US" smtClean="0">
+                  <a:ln>
+                    <a:solidFill>
+                      <a:srgbClr val="3E3E3E">
+                        <a:alpha val="15000"/>
+                      </a:srgbClr>
+                    </a:solidFill>
+                  </a:ln>
+                  <a:solidFill>
+                    <a:srgbClr val="3E3E3E"/>
+                  </a:solidFill>
+                  <a:latin typeface="나눔바른고딕" panose="020B0603020101020101" pitchFamily="50" charset="-127"/>
+                  <a:ea typeface="나눔바른고딕" panose="020B0603020101020101" pitchFamily="50" charset="-127"/>
+                </a:rPr>
+                <a:t>만큼 배치되어 있으므로 </a:t>
+              </a:r>
+              <a:r>
+                <a:rPr lang="en-US" altLang="ko-KR" smtClean="0">
+                  <a:ln>
+                    <a:solidFill>
+                      <a:srgbClr val="3E3E3E">
+                        <a:alpha val="15000"/>
+                      </a:srgbClr>
+                    </a:solidFill>
+                  </a:ln>
+                  <a:solidFill>
+                    <a:srgbClr val="3E3E3E"/>
+                  </a:solidFill>
+                  <a:latin typeface="나눔바른고딕" panose="020B0603020101020101" pitchFamily="50" charset="-127"/>
+                  <a:ea typeface="나눔바른고딕" panose="020B0603020101020101" pitchFamily="50" charset="-127"/>
+                </a:rPr>
+                <a:t>11…1, 22…2, 33…3</a:t>
+              </a:r>
+              <a:r>
+                <a:rPr lang="ko-KR" altLang="en-US" smtClean="0">
+                  <a:ln>
+                    <a:solidFill>
+                      <a:srgbClr val="3E3E3E">
+                        <a:alpha val="15000"/>
+                      </a:srgbClr>
+                    </a:solidFill>
+                  </a:ln>
+                  <a:solidFill>
+                    <a:srgbClr val="3E3E3E"/>
+                  </a:solidFill>
+                  <a:latin typeface="나눔바른고딕" panose="020B0603020101020101" pitchFamily="50" charset="-127"/>
+                  <a:ea typeface="나눔바른고딕" panose="020B0603020101020101" pitchFamily="50" charset="-127"/>
+                </a:rPr>
+                <a:t>의 형태를 이룬다</a:t>
+              </a:r>
+              <a:r>
+                <a:rPr lang="en-US" altLang="ko-KR" smtClean="0">
+                  <a:ln>
+                    <a:solidFill>
+                      <a:srgbClr val="3E3E3E">
+                        <a:alpha val="15000"/>
+                      </a:srgbClr>
+                    </a:solidFill>
+                  </a:ln>
+                  <a:solidFill>
+                    <a:srgbClr val="3E3E3E"/>
+                  </a:solidFill>
+                  <a:latin typeface="나눔바른고딕" panose="020B0603020101020101" pitchFamily="50" charset="-127"/>
+                  <a:ea typeface="나눔바른고딕" panose="020B0603020101020101" pitchFamily="50" charset="-127"/>
+                </a:rPr>
+                <a:t>.</a:t>
+              </a:r>
+              <a:endParaRPr lang="ko-KR" altLang="en-US" dirty="0">
+                <a:ln>
+                  <a:solidFill>
+                    <a:srgbClr val="3E3E3E">
+                      <a:alpha val="15000"/>
+                    </a:srgbClr>
+                  </a:solidFill>
+                </a:ln>
+                <a:solidFill>
+                  <a:srgbClr val="3E3E3E"/>
+                </a:solidFill>
+                <a:latin typeface="나눔바른고딕" panose="020B0603020101020101" pitchFamily="50" charset="-127"/>
+                <a:ea typeface="나눔바른고딕" panose="020B0603020101020101" pitchFamily="50" charset="-127"/>
+              </a:endParaRPr>
+            </a:p>
+          </p:txBody>
+        </p:sp>
+      </p:grpSp>
+      <p:grpSp>
+        <p:nvGrpSpPr>
+          <p:cNvPr id="30" name="그룹 29"/>
+          <p:cNvGrpSpPr/>
+          <p:nvPr/>
+        </p:nvGrpSpPr>
+        <p:grpSpPr>
+          <a:xfrm>
+            <a:off x="7053745" y="4575662"/>
+            <a:ext cx="4745521" cy="1271327"/>
+            <a:chOff x="2156168" y="4775198"/>
+            <a:chExt cx="7905755" cy="1323440"/>
+          </a:xfrm>
+        </p:grpSpPr>
+        <p:sp>
+          <p:nvSpPr>
+            <p:cNvPr id="31" name="TextBox 30">
+              <a:extLst>
+                <a:ext uri="{FF2B5EF4-FFF2-40B4-BE49-F238E27FC236}">
+                  <a16:creationId xmlns:a16="http://schemas.microsoft.com/office/drawing/2014/main" id="{58D490D0-D62D-4E8C-B667-3F1D31E4432B}"/>
+                </a:ext>
+              </a:extLst>
+            </p:cNvPr>
+            <p:cNvSpPr txBox="1"/>
+            <p:nvPr/>
+          </p:nvSpPr>
+          <p:spPr>
+            <a:xfrm>
+              <a:off x="2156168" y="4775199"/>
+              <a:ext cx="641522" cy="1323439"/>
+            </a:xfrm>
+            <a:prstGeom prst="rect">
+              <a:avLst/>
+            </a:prstGeom>
+            <a:noFill/>
+          </p:spPr>
+          <p:txBody>
+            <a:bodyPr wrap="none" rtlCol="0">
+              <a:spAutoFit/>
+            </a:bodyPr>
+            <a:lstStyle/>
+            <a:p>
+              <a:r>
+                <a:rPr lang="en-US" altLang="ko-KR" sz="8000" dirty="0">
+                  <a:latin typeface="나눔바른고딕" panose="020B0603020101020101" pitchFamily="50" charset="-127"/>
+                  <a:ea typeface="나눔바른고딕" panose="020B0603020101020101" pitchFamily="50" charset="-127"/>
+                </a:rPr>
+                <a:t>{</a:t>
+              </a:r>
+              <a:endParaRPr lang="ko-KR" altLang="en-US" sz="8000" dirty="0">
+                <a:latin typeface="나눔바른고딕" panose="020B0603020101020101" pitchFamily="50" charset="-127"/>
+                <a:ea typeface="나눔바른고딕" panose="020B0603020101020101" pitchFamily="50" charset="-127"/>
+              </a:endParaRPr>
+            </a:p>
+          </p:txBody>
+        </p:sp>
+        <p:sp>
+          <p:nvSpPr>
+            <p:cNvPr id="32" name="TextBox 31">
+              <a:extLst>
+                <a:ext uri="{FF2B5EF4-FFF2-40B4-BE49-F238E27FC236}">
+                  <a16:creationId xmlns:a16="http://schemas.microsoft.com/office/drawing/2014/main" id="{6AA6DCAD-95C3-44F9-8A70-A855D56A50BA}"/>
+                </a:ext>
+              </a:extLst>
+            </p:cNvPr>
+            <p:cNvSpPr txBox="1"/>
+            <p:nvPr/>
+          </p:nvSpPr>
+          <p:spPr>
+            <a:xfrm>
+              <a:off x="9420401" y="4775198"/>
+              <a:ext cx="641522" cy="1323439"/>
+            </a:xfrm>
+            <a:prstGeom prst="rect">
+              <a:avLst/>
+            </a:prstGeom>
+            <a:noFill/>
+          </p:spPr>
+          <p:txBody>
+            <a:bodyPr wrap="none" rtlCol="0">
+              <a:spAutoFit/>
+            </a:bodyPr>
+            <a:lstStyle/>
+            <a:p>
+              <a:r>
+                <a:rPr lang="en-US" altLang="ko-KR" sz="8000" dirty="0">
+                  <a:latin typeface="나눔바른고딕" panose="020B0603020101020101" pitchFamily="50" charset="-127"/>
+                  <a:ea typeface="나눔바른고딕" panose="020B0603020101020101" pitchFamily="50" charset="-127"/>
+                </a:rPr>
+                <a:t>}</a:t>
+              </a:r>
+              <a:endParaRPr lang="ko-KR" altLang="en-US" sz="8000" dirty="0">
+                <a:latin typeface="나눔바른고딕" panose="020B0603020101020101" pitchFamily="50" charset="-127"/>
+                <a:ea typeface="나눔바른고딕" panose="020B0603020101020101" pitchFamily="50" charset="-127"/>
+              </a:endParaRPr>
+            </a:p>
+          </p:txBody>
+        </p:sp>
+        <p:sp>
+          <p:nvSpPr>
+            <p:cNvPr id="33" name="TextBox 32">
+              <a:extLst>
+                <a:ext uri="{FF2B5EF4-FFF2-40B4-BE49-F238E27FC236}">
+                  <a16:creationId xmlns:a16="http://schemas.microsoft.com/office/drawing/2014/main" id="{BFAEF279-7169-49CA-B433-C5E737906B60}"/>
+                </a:ext>
+              </a:extLst>
+            </p:cNvPr>
+            <p:cNvSpPr txBox="1"/>
+            <p:nvPr/>
+          </p:nvSpPr>
+          <p:spPr>
+            <a:xfrm>
+              <a:off x="3076517" y="4978194"/>
+              <a:ext cx="6474177" cy="961178"/>
             </a:xfrm>
             <a:prstGeom prst="rect">
               <a:avLst/>
@@ -19672,7 +18835,109 @@
                   <a:latin typeface="나눔바른고딕" panose="020B0603020101020101" pitchFamily="50" charset="-127"/>
                   <a:ea typeface="나눔바른고딕" panose="020B0603020101020101" pitchFamily="50" charset="-127"/>
                 </a:rPr>
-                <a:t>첫 번째 작업</a:t>
+                <a:t> 즉</a:t>
+              </a:r>
+              <a:r>
+                <a:rPr lang="en-US" altLang="ko-KR" smtClean="0">
+                  <a:ln>
+                    <a:solidFill>
+                      <a:srgbClr val="3E3E3E">
+                        <a:alpha val="15000"/>
+                      </a:srgbClr>
+                    </a:solidFill>
+                  </a:ln>
+                  <a:solidFill>
+                    <a:srgbClr val="3E3E3E"/>
+                  </a:solidFill>
+                  <a:latin typeface="나눔바른고딕" panose="020B0603020101020101" pitchFamily="50" charset="-127"/>
+                  <a:ea typeface="나눔바른고딕" panose="020B0603020101020101" pitchFamily="50" charset="-127"/>
+                </a:rPr>
+                <a:t>, blockSize</a:t>
+              </a:r>
+              <a:r>
+                <a:rPr lang="ko-KR" altLang="en-US" smtClean="0">
+                  <a:ln>
+                    <a:solidFill>
+                      <a:srgbClr val="3E3E3E">
+                        <a:alpha val="15000"/>
+                      </a:srgbClr>
+                    </a:solidFill>
+                  </a:ln>
+                  <a:solidFill>
+                    <a:srgbClr val="3E3E3E"/>
+                  </a:solidFill>
+                  <a:latin typeface="나눔바른고딕" panose="020B0603020101020101" pitchFamily="50" charset="-127"/>
+                  <a:ea typeface="나눔바른고딕" panose="020B0603020101020101" pitchFamily="50" charset="-127"/>
+                </a:rPr>
+                <a:t>를 </a:t>
+              </a:r>
+              <a:r>
+                <a:rPr lang="en-US" altLang="ko-KR" smtClean="0">
+                  <a:ln>
+                    <a:solidFill>
+                      <a:srgbClr val="3E3E3E">
+                        <a:alpha val="15000"/>
+                      </a:srgbClr>
+                    </a:solidFill>
+                  </a:ln>
+                  <a:solidFill>
+                    <a:srgbClr val="3E3E3E"/>
+                  </a:solidFill>
+                  <a:latin typeface="나눔바른고딕" panose="020B0603020101020101" pitchFamily="50" charset="-127"/>
+                  <a:ea typeface="나눔바른고딕" panose="020B0603020101020101" pitchFamily="50" charset="-127"/>
+                </a:rPr>
+                <a:t>gridSize</a:t>
+              </a:r>
+              <a:r>
+                <a:rPr lang="ko-KR" altLang="en-US" smtClean="0">
+                  <a:ln>
+                    <a:solidFill>
+                      <a:srgbClr val="3E3E3E">
+                        <a:alpha val="15000"/>
+                      </a:srgbClr>
+                    </a:solidFill>
+                  </a:ln>
+                  <a:solidFill>
+                    <a:srgbClr val="3E3E3E"/>
+                  </a:solidFill>
+                  <a:latin typeface="나눔바른고딕" panose="020B0603020101020101" pitchFamily="50" charset="-127"/>
+                  <a:ea typeface="나눔바른고딕" panose="020B0603020101020101" pitchFamily="50" charset="-127"/>
+                </a:rPr>
+                <a:t>로 잡아 </a:t>
+              </a:r>
+              <a:r>
+                <a:rPr lang="en-US" altLang="ko-KR" smtClean="0">
+                  <a:ln>
+                    <a:solidFill>
+                      <a:srgbClr val="3E3E3E">
+                        <a:alpha val="15000"/>
+                      </a:srgbClr>
+                    </a:solidFill>
+                  </a:ln>
+                  <a:solidFill>
+                    <a:srgbClr val="3E3E3E"/>
+                  </a:solidFill>
+                  <a:latin typeface="나눔바른고딕" panose="020B0603020101020101" pitchFamily="50" charset="-127"/>
+                  <a:ea typeface="나눔바른고딕" panose="020B0603020101020101" pitchFamily="50" charset="-127"/>
+                </a:rPr>
+                <a:t>reduction</a:t>
+              </a:r>
+              <a:r>
+                <a:rPr lang="ko-KR" altLang="en-US" smtClean="0">
+                  <a:ln>
+                    <a:solidFill>
+                      <a:srgbClr val="3E3E3E">
+                        <a:alpha val="15000"/>
+                      </a:srgbClr>
+                    </a:solidFill>
+                  </a:ln>
+                  <a:solidFill>
+                    <a:srgbClr val="3E3E3E"/>
+                  </a:solidFill>
+                  <a:latin typeface="나눔바른고딕" panose="020B0603020101020101" pitchFamily="50" charset="-127"/>
+                  <a:ea typeface="나눔바른고딕" panose="020B0603020101020101" pitchFamily="50" charset="-127"/>
+                </a:rPr>
+                <a:t>을 수행해주면 된다</a:t>
               </a:r>
               <a:r>
                 <a:rPr lang="en-US" altLang="ko-KR" smtClean="0">
@@ -19706,7 +18971,7 @@
                   <a:latin typeface="나눔바른고딕" panose="020B0603020101020101" pitchFamily="50" charset="-127"/>
                   <a:ea typeface="나눔바른고딕" panose="020B0603020101020101" pitchFamily="50" charset="-127"/>
                 </a:rPr>
-                <a:t> 스레드에 따라 정해진 데이터에서 스레드가 속한 블록의 위치에 따라 계산한 데이터를 로컬 메모리에 합하고</a:t>
+                <a:t>결과 값을 </a:t>
               </a:r>
               <a:r>
                 <a:rPr lang="en-US" altLang="ko-KR" smtClean="0">
@@ -19723,7 +18988,7 @@
                   <a:latin typeface="나눔바른고딕" panose="020B0603020101020101" pitchFamily="50" charset="-127"/>
                   <a:ea typeface="나눔바른고딕" panose="020B0603020101020101" pitchFamily="50" charset="-127"/>
                 </a:rPr>
-                <a:t>, </a:t>
+                <a:t>B</a:t>
               </a:r>
               <a:r>
                 <a:rPr lang="ko-KR" altLang="en-US" smtClean="0">
@@ -19740,7 +19005,7 @@
                   <a:latin typeface="나눔바른고딕" panose="020B0603020101020101" pitchFamily="50" charset="-127"/>
                   <a:ea typeface="나눔바른고딕" panose="020B0603020101020101" pitchFamily="50" charset="-127"/>
                 </a:rPr>
-                <a:t>임시 행렬</a:t>
+                <a:t>에 대입할 때는 </a:t>
               </a:r>
               <a:r>
                 <a:rPr lang="en-US" altLang="ko-KR" smtClean="0">
@@ -19757,7 +19022,7 @@
                   <a:latin typeface="나눔바른고딕" panose="020B0603020101020101" pitchFamily="50" charset="-127"/>
                   <a:ea typeface="나눔바른고딕" panose="020B0603020101020101" pitchFamily="50" charset="-127"/>
                 </a:rPr>
-                <a:t>(res)</a:t>
+                <a:t>Indexing</a:t>
               </a:r>
               <a:r>
                 <a:rPr lang="ko-KR" altLang="en-US" smtClean="0">
@@ -19774,10 +19039,10 @@
                   <a:latin typeface="나눔바른고딕" panose="020B0603020101020101" pitchFamily="50" charset="-127"/>
                   <a:ea typeface="나눔바른고딕" panose="020B0603020101020101" pitchFamily="50" charset="-127"/>
                 </a:rPr>
-                <a:t>에서 자신의 블록에 해당하는 위치에 대입한다</a:t>
+                <a:t>을 사용한다</a:t>
               </a:r>
               <a:r>
-                <a:rPr lang="en-US" altLang="ko-KR">
+                <a:rPr lang="en-US" altLang="ko-KR" smtClean="0">
                   <a:ln>
                     <a:solidFill>
                       <a:srgbClr val="3E3E3E">
@@ -19813,7 +19078,7 @@
       </p:grpSp>
       <p:pic>
         <p:nvPicPr>
-          <p:cNvPr id="2" name="그림 1"/>
+          <p:cNvPr id="4" name="그림 3"/>
           <p:cNvPicPr>
             <a:picLocks noChangeAspect="1"/>
           </p:cNvPicPr>
@@ -19827,8 +19092,8 @@
         </p:blipFill>
         <p:spPr>
           <a:xfrm>
-            <a:off x="361717" y="1816288"/>
-            <a:ext cx="6779472" cy="4070162"/>
+            <a:off x="568849" y="1524940"/>
+            <a:ext cx="6317527" cy="4483974"/>
           </a:xfrm>
           <a:prstGeom prst="rect">
             <a:avLst/>
@@ -19837,7 +19102,7 @@
       </p:pic>
       <p:pic>
         <p:nvPicPr>
-          <p:cNvPr id="18" name="그림 17"/>
+          <p:cNvPr id="20" name="그림 19"/>
           <p:cNvPicPr/>
           <p:nvPr/>
         </p:nvPicPr>
@@ -19855,8 +19120,8 @@
         </p:blipFill>
         <p:spPr>
           <a:xfrm>
-            <a:off x="1362075" y="2228456"/>
-            <a:ext cx="4917024" cy="3319323"/>
+            <a:off x="648594" y="2142041"/>
+            <a:ext cx="6158036" cy="3219661"/>
           </a:xfrm>
           <a:prstGeom prst="rect">
             <a:avLst/>
@@ -19869,7 +19134,7 @@
     </p:spTree>
     <p:extLst>
       <p:ext uri="{BB962C8B-B14F-4D97-AF65-F5344CB8AC3E}">
-        <p14:creationId xmlns:p14="http://schemas.microsoft.com/office/powerpoint/2010/main" val="3926250636"/>
+        <p14:creationId xmlns:p14="http://schemas.microsoft.com/office/powerpoint/2010/main" val="2131721758"/>
       </p:ext>
     </p:extLst>
   </p:cSld>
@@ -19910,7 +19175,7 @@
                                           </p:stCondLst>
                                         </p:cTn>
                                         <p:tgtEl>
-                                          <p:spTgt spid="18"/>
+                                          <p:spTgt spid="20"/>
                                         </p:tgtEl>
                                         <p:attrNameLst>
                                           <p:attrName>style.visibility</p:attrName>
@@ -19924,7 +19189,7 @@
                                       <p:cBhvr>
                                         <p:cTn id="7" dur="500"/>
                                         <p:tgtEl>
-                                          <p:spTgt spid="18"/>
+                                          <p:spTgt spid="20"/>
                                         </p:tgtEl>
                                       </p:cBhvr>
                                     </p:animEffect>
@@ -20724,49 +19989,6 @@
 </a:themeOverride>
 </file>
 
-<file path=ppt/theme/themeOverride13.xml><?xml version="1.0" encoding="utf-8"?>
-<a:themeOverride xmlns:a="http://schemas.openxmlformats.org/drawingml/2006/main">
-  <a:clrScheme name="Office">
-    <a:dk1>
-      <a:sysClr val="windowText" lastClr="000000"/>
-    </a:dk1>
-    <a:lt1>
-      <a:sysClr val="window" lastClr="FFFFFF"/>
-    </a:lt1>
-    <a:dk2>
-      <a:srgbClr val="44546A"/>
-    </a:dk2>
-    <a:lt2>
-      <a:srgbClr val="E7E6E6"/>
-    </a:lt2>
-    <a:accent1>
-      <a:srgbClr val="4472C4"/>
-    </a:accent1>
-    <a:accent2>
-      <a:srgbClr val="ED7D31"/>
-    </a:accent2>
-    <a:accent3>
-      <a:srgbClr val="A5A5A5"/>
-    </a:accent3>
-    <a:accent4>
-      <a:srgbClr val="FFC000"/>
-    </a:accent4>
-    <a:accent5>
-      <a:srgbClr val="5B9BD5"/>
-    </a:accent5>
-    <a:accent6>
-      <a:srgbClr val="70AD47"/>
-    </a:accent6>
-    <a:hlink>
-      <a:srgbClr val="0563C1"/>
-    </a:hlink>
-    <a:folHlink>
-      <a:srgbClr val="954F72"/>
-    </a:folHlink>
-  </a:clrScheme>
-</a:themeOverride>
-</file>
-
 <file path=ppt/theme/themeOverride2.xml><?xml version="1.0" encoding="utf-8"?>
 <a:themeOverride xmlns:a="http://schemas.openxmlformats.org/drawingml/2006/main">
   <a:clrScheme name="Office">
